--- a/Poster/DS Project Poster.pptx
+++ b/Poster/DS Project Poster.pptx
@@ -7438,7 +7438,7 @@
           <a:p>
             <a:fld id="{671F58AE-0698-456E-BE8C-7A20F6519F45}" type="datetimeFigureOut">
               <a:rPr lang="LID4096" smtClean="0"/>
-              <a:t>03/24/2025</a:t>
+              <a:t>03/25/2025</a:t>
             </a:fld>
             <a:endParaRPr lang="LID4096"/>
           </a:p>
@@ -7921,7 +7921,7 @@
           <a:p>
             <a:fld id="{3A675787-DA3F-4332-A401-8C5831ED470E}" type="datetimeFigureOut">
               <a:rPr lang="en-US" smtClean="0"/>
-              <a:t>3/24/2025</a:t>
+              <a:t>3/25/2025</a:t>
             </a:fld>
             <a:endParaRPr lang="en-US"/>
           </a:p>
@@ -8091,7 +8091,7 @@
           <a:p>
             <a:fld id="{3A675787-DA3F-4332-A401-8C5831ED470E}" type="datetimeFigureOut">
               <a:rPr lang="en-US" smtClean="0"/>
-              <a:t>3/24/2025</a:t>
+              <a:t>3/25/2025</a:t>
             </a:fld>
             <a:endParaRPr lang="en-US"/>
           </a:p>
@@ -8271,7 +8271,7 @@
           <a:p>
             <a:fld id="{3A675787-DA3F-4332-A401-8C5831ED470E}" type="datetimeFigureOut">
               <a:rPr lang="en-US" smtClean="0"/>
-              <a:t>3/24/2025</a:t>
+              <a:t>3/25/2025</a:t>
             </a:fld>
             <a:endParaRPr lang="en-US"/>
           </a:p>
@@ -8441,7 +8441,7 @@
           <a:p>
             <a:fld id="{3A675787-DA3F-4332-A401-8C5831ED470E}" type="datetimeFigureOut">
               <a:rPr lang="en-US" smtClean="0"/>
-              <a:t>3/24/2025</a:t>
+              <a:t>3/25/2025</a:t>
             </a:fld>
             <a:endParaRPr lang="en-US"/>
           </a:p>
@@ -8685,7 +8685,7 @@
           <a:p>
             <a:fld id="{3A675787-DA3F-4332-A401-8C5831ED470E}" type="datetimeFigureOut">
               <a:rPr lang="en-US" smtClean="0"/>
-              <a:t>3/24/2025</a:t>
+              <a:t>3/25/2025</a:t>
             </a:fld>
             <a:endParaRPr lang="en-US"/>
           </a:p>
@@ -8917,7 +8917,7 @@
           <a:p>
             <a:fld id="{3A675787-DA3F-4332-A401-8C5831ED470E}" type="datetimeFigureOut">
               <a:rPr lang="en-US" smtClean="0"/>
-              <a:t>3/24/2025</a:t>
+              <a:t>3/25/2025</a:t>
             </a:fld>
             <a:endParaRPr lang="en-US"/>
           </a:p>
@@ -9284,7 +9284,7 @@
           <a:p>
             <a:fld id="{3A675787-DA3F-4332-A401-8C5831ED470E}" type="datetimeFigureOut">
               <a:rPr lang="en-US" smtClean="0"/>
-              <a:t>3/24/2025</a:t>
+              <a:t>3/25/2025</a:t>
             </a:fld>
             <a:endParaRPr lang="en-US"/>
           </a:p>
@@ -9402,7 +9402,7 @@
           <a:p>
             <a:fld id="{3A675787-DA3F-4332-A401-8C5831ED470E}" type="datetimeFigureOut">
               <a:rPr lang="en-US" smtClean="0"/>
-              <a:t>3/24/2025</a:t>
+              <a:t>3/25/2025</a:t>
             </a:fld>
             <a:endParaRPr lang="en-US"/>
           </a:p>
@@ -9497,7 +9497,7 @@
           <a:p>
             <a:fld id="{3A675787-DA3F-4332-A401-8C5831ED470E}" type="datetimeFigureOut">
               <a:rPr lang="en-US" smtClean="0"/>
-              <a:t>3/24/2025</a:t>
+              <a:t>3/25/2025</a:t>
             </a:fld>
             <a:endParaRPr lang="en-US"/>
           </a:p>
@@ -9774,7 +9774,7 @@
           <a:p>
             <a:fld id="{3A675787-DA3F-4332-A401-8C5831ED470E}" type="datetimeFigureOut">
               <a:rPr lang="en-US" smtClean="0"/>
-              <a:t>3/24/2025</a:t>
+              <a:t>3/25/2025</a:t>
             </a:fld>
             <a:endParaRPr lang="en-US"/>
           </a:p>
@@ -10031,7 +10031,7 @@
           <a:p>
             <a:fld id="{3A675787-DA3F-4332-A401-8C5831ED470E}" type="datetimeFigureOut">
               <a:rPr lang="en-US" smtClean="0"/>
-              <a:t>3/24/2025</a:t>
+              <a:t>3/25/2025</a:t>
             </a:fld>
             <a:endParaRPr lang="en-US"/>
           </a:p>
@@ -10244,7 +10244,7 @@
           <a:p>
             <a:fld id="{3A675787-DA3F-4332-A401-8C5831ED470E}" type="datetimeFigureOut">
               <a:rPr lang="en-US" smtClean="0"/>
-              <a:t>3/24/2025</a:t>
+              <a:t>3/25/2025</a:t>
             </a:fld>
             <a:endParaRPr lang="en-US"/>
           </a:p>
@@ -10676,13 +10676,13 @@
           <p:nvPr>
             <p:extLst>
               <p:ext uri="{D42A27DB-BD31-4B8C-83A1-F6EECF244321}">
-                <p14:modId xmlns:p14="http://schemas.microsoft.com/office/powerpoint/2010/main" val="2642129003"/>
+                <p14:modId xmlns:p14="http://schemas.microsoft.com/office/powerpoint/2010/main" val="1591249840"/>
               </p:ext>
             </p:extLst>
           </p:nvPr>
         </p:nvGraphicFramePr>
         <p:xfrm>
-          <a:off x="211014" y="24547510"/>
+          <a:off x="6923581" y="5938801"/>
           <a:ext cx="16420110" cy="5462263"/>
         </p:xfrm>
         <a:graphic>
@@ -10759,7 +10759,7 @@
         </p:nvSpPr>
         <p:spPr>
           <a:xfrm>
-            <a:off x="711078" y="2934257"/>
+            <a:off x="198437" y="3018127"/>
             <a:ext cx="6344749" cy="1107996"/>
           </a:xfrm>
           <a:prstGeom prst="rect">
@@ -10798,7 +10798,7 @@
         </p:nvSpPr>
         <p:spPr>
           <a:xfrm>
-            <a:off x="2566292" y="24486056"/>
+            <a:off x="2815950" y="8011228"/>
             <a:ext cx="3168111" cy="1107996"/>
           </a:xfrm>
           <a:prstGeom prst="rect">
@@ -10995,7 +10995,7 @@
         </p:nvSpPr>
         <p:spPr bwMode="auto">
           <a:xfrm>
-            <a:off x="211014" y="3804835"/>
+            <a:off x="198437" y="4153761"/>
             <a:ext cx="29870399" cy="2554545"/>
           </a:xfrm>
           <a:prstGeom prst="rect">
@@ -11078,45 +11078,6 @@
       </p:sp>
       <p:sp>
         <p:nvSpPr>
-          <p:cNvPr id="2" name="TextBox 1">
-            <a:extLst>
-              <a:ext uri="{FF2B5EF4-FFF2-40B4-BE49-F238E27FC236}">
-                <a16:creationId xmlns:a16="http://schemas.microsoft.com/office/drawing/2014/main" id="{64F5D3C5-2D56-1E60-3907-90FA26A01EF3}"/>
-              </a:ext>
-            </a:extLst>
-          </p:cNvPr>
-          <p:cNvSpPr txBox="1"/>
-          <p:nvPr/>
-        </p:nvSpPr>
-        <p:spPr>
-          <a:xfrm>
-            <a:off x="14286140" y="16072776"/>
-            <a:ext cx="7167475" cy="1107996"/>
-          </a:xfrm>
-          <a:prstGeom prst="rect">
-            <a:avLst/>
-          </a:prstGeom>
-          <a:noFill/>
-        </p:spPr>
-        <p:txBody>
-          <a:bodyPr wrap="none" rtlCol="0">
-            <a:spAutoFit/>
-          </a:bodyPr>
-          <a:lstStyle/>
-          <a:p>
-            <a:r>
-              <a:rPr lang="en-US" sz="6600" noProof="0" dirty="0">
-                <a:solidFill>
-                  <a:srgbClr val="9B0A7D"/>
-                </a:solidFill>
-              </a:rPr>
-              <a:t>Research Questions:</a:t>
-            </a:r>
-          </a:p>
-        </p:txBody>
-      </p:sp>
-      <p:sp>
-        <p:nvSpPr>
           <p:cNvPr id="4" name="TextBox 3">
             <a:extLst>
               <a:ext uri="{FF2B5EF4-FFF2-40B4-BE49-F238E27FC236}">
@@ -11129,7 +11090,7 @@
         </p:nvSpPr>
         <p:spPr>
           <a:xfrm>
-            <a:off x="9613293" y="17219804"/>
+            <a:off x="42226893" y="12389558"/>
             <a:ext cx="20170055" cy="7294305"/>
           </a:xfrm>
           <a:prstGeom prst="rect">
@@ -11362,7 +11323,7 @@
         </p:nvSpPr>
         <p:spPr>
           <a:xfrm>
-            <a:off x="18203171" y="34614699"/>
+            <a:off x="32776620" y="6154396"/>
             <a:ext cx="4111382" cy="1107996"/>
           </a:xfrm>
           <a:prstGeom prst="rect">
@@ -11400,13 +11361,13 @@
           <p:nvPr>
             <p:extLst>
               <p:ext uri="{D42A27DB-BD31-4B8C-83A1-F6EECF244321}">
-                <p14:modId xmlns:p14="http://schemas.microsoft.com/office/powerpoint/2010/main" val="4115548726"/>
+                <p14:modId xmlns:p14="http://schemas.microsoft.com/office/powerpoint/2010/main" val="3844824289"/>
               </p:ext>
             </p:extLst>
           </p:nvPr>
         </p:nvGraphicFramePr>
         <p:xfrm>
-          <a:off x="14872051" y="34565457"/>
+          <a:off x="30750858" y="5935958"/>
           <a:ext cx="15209362" cy="5580374"/>
         </p:xfrm>
         <a:graphic>
@@ -11443,8 +11404,8 @@
         </p:blipFill>
         <p:spPr>
           <a:xfrm>
-            <a:off x="369581" y="6408334"/>
-            <a:ext cx="13708974" cy="7699551"/>
+            <a:off x="198437" y="12186935"/>
+            <a:ext cx="11079965" cy="6222986"/>
           </a:xfrm>
           <a:prstGeom prst="rect">
             <a:avLst/>
@@ -11485,8 +11446,8 @@
         </p:blipFill>
         <p:spPr>
           <a:xfrm>
-            <a:off x="15706882" y="8631407"/>
-            <a:ext cx="14190812" cy="7180911"/>
+            <a:off x="17749527" y="12070329"/>
+            <a:ext cx="12233643" cy="6339591"/>
           </a:xfrm>
           <a:prstGeom prst="rect">
             <a:avLst/>
@@ -11526,8 +11487,8 @@
         </p:blipFill>
         <p:spPr>
           <a:xfrm>
-            <a:off x="17396090" y="26183003"/>
-            <a:ext cx="12027816" cy="8095380"/>
+            <a:off x="17812895" y="21986458"/>
+            <a:ext cx="12063643" cy="6655326"/>
           </a:xfrm>
           <a:prstGeom prst="rect">
             <a:avLst/>
@@ -11567,8 +11528,8 @@
         </p:blipFill>
         <p:spPr>
           <a:xfrm>
-            <a:off x="369581" y="29972302"/>
-            <a:ext cx="10729644" cy="7699550"/>
+            <a:off x="373597" y="24325762"/>
+            <a:ext cx="9295115" cy="6670138"/>
           </a:xfrm>
           <a:prstGeom prst="rect">
             <a:avLst/>
@@ -11609,15 +11570,15 @@
         </p:blipFill>
         <p:spPr>
           <a:xfrm>
-            <a:off x="483927" y="16036711"/>
-            <a:ext cx="8690553" cy="6494213"/>
+            <a:off x="369581" y="31548973"/>
+            <a:ext cx="9295115" cy="6945986"/>
           </a:xfrm>
           <a:prstGeom prst="rect">
             <a:avLst/>
           </a:prstGeom>
           <a:ln w="57150">
             <a:solidFill>
-              <a:srgbClr val="00CC99"/>
+              <a:srgbClr val="FF3399"/>
             </a:solidFill>
             <a:prstDash val="lgDash"/>
           </a:ln>
@@ -11637,8 +11598,8 @@
         </p:nvSpPr>
         <p:spPr>
           <a:xfrm>
-            <a:off x="14572847" y="5985120"/>
-            <a:ext cx="15483413" cy="2554545"/>
+            <a:off x="80338" y="18813079"/>
+            <a:ext cx="11198064" cy="3539430"/>
           </a:xfrm>
           <a:prstGeom prst="rect">
             <a:avLst/>
@@ -11654,7 +11615,14 @@
             <a:pPr algn="just"/>
             <a:r>
               <a:rPr lang="en-GB" sz="3200" dirty="0"/>
-              <a:t>The scatter plot shows virtually no correlation (r = 0.0084, p-value = 0.9057) between Spotify news sentiment scores and next-day stock returns, with data points distributed across all four sentiment-return quadrants regardless of article volume (indicated by point size). This suggests that media coverage sentiment has negligible predictive power for Spotify's short-term stock performance</a:t>
+              <a:t>The scatter plot shows virtually no correlation </a:t>
+            </a:r>
+            <a:br>
+              <a:rPr lang="en-GB" sz="3200" dirty="0"/>
+            </a:br>
+            <a:r>
+              <a:rPr lang="en-GB" sz="3200" dirty="0"/>
+              <a:t>(r = 0.0084, p-value = 0.9057) between Spotify news sentiment scores and next-day stock returns, with data points distributed across all four sentiment-return quadrants regardless of article volume (indicated by point size). This suggests that media coverage sentiment has negligible predictive power for Spotify's short-term stock performance</a:t>
             </a:r>
             <a:endParaRPr lang="LID4096" sz="3200" dirty="0"/>
           </a:p>
@@ -11674,8 +11642,8 @@
         </p:nvSpPr>
         <p:spPr>
           <a:xfrm>
-            <a:off x="483927" y="14275926"/>
-            <a:ext cx="14895526" cy="1569660"/>
+            <a:off x="17579527" y="18813079"/>
+            <a:ext cx="12233643" cy="1569660"/>
           </a:xfrm>
           <a:prstGeom prst="rect">
             <a:avLst/>
@@ -11730,8 +11698,8 @@
           </a:stretch>
         </p:blipFill>
         <p:spPr>
-          <a:xfrm rot="16801729" flipH="1" flipV="1">
-            <a:off x="13783898" y="5806233"/>
+          <a:xfrm rot="2730619" flipH="1" flipV="1">
+            <a:off x="10869555" y="18251932"/>
             <a:ext cx="817694" cy="817694"/>
           </a:xfrm>
           <a:prstGeom prst="rect">
@@ -11767,7 +11735,7 @@
         </p:blipFill>
         <p:spPr>
           <a:xfrm rot="8957071">
-            <a:off x="11274695" y="37037577"/>
+            <a:off x="9840166" y="31475972"/>
             <a:ext cx="947233" cy="947233"/>
           </a:xfrm>
           <a:prstGeom prst="rect">
@@ -11789,8 +11757,8 @@
         </p:nvSpPr>
         <p:spPr>
           <a:xfrm>
-            <a:off x="153489" y="37727694"/>
-            <a:ext cx="14559995" cy="2062103"/>
+            <a:off x="9887893" y="24923654"/>
+            <a:ext cx="5626286" cy="5016758"/>
           </a:xfrm>
           <a:prstGeom prst="rect">
             <a:avLst/>
@@ -11803,6 +11771,7 @@
           </a:bodyPr>
           <a:lstStyle/>
           <a:p>
+            <a:pPr algn="just"/>
             <a:r>
               <a:rPr lang="en-GB" sz="3200" dirty="0"/>
               <a:t>The chart illustrates the growth of ad-supported users and premium subscribers from 2019 to 2024, measured in millions. While both categories show a steady increase, ad-supported users grow more rapidly, reaching 1608 million in 2024, compared to 1000 million premium subscribers.</a:t>
@@ -11838,8 +11807,8 @@
           </a:stretch>
         </p:blipFill>
         <p:spPr>
-          <a:xfrm rot="19576490">
-            <a:off x="14375995" y="15136315"/>
+          <a:xfrm rot="12736838">
+            <a:off x="29509554" y="18589662"/>
             <a:ext cx="947233" cy="947233"/>
           </a:xfrm>
           <a:prstGeom prst="rect">
@@ -11861,8 +11830,8 @@
         </p:nvSpPr>
         <p:spPr>
           <a:xfrm>
-            <a:off x="17571813" y="24818711"/>
-            <a:ext cx="12211535" cy="1077218"/>
+            <a:off x="17749527" y="29056863"/>
+            <a:ext cx="12063643" cy="1569660"/>
           </a:xfrm>
           <a:prstGeom prst="rect">
             <a:avLst/>
@@ -11911,8 +11880,8 @@
           </a:stretch>
         </p:blipFill>
         <p:spPr>
-          <a:xfrm rot="8957071">
-            <a:off x="28570595" y="25215525"/>
+          <a:xfrm rot="12030980">
+            <a:off x="29529130" y="28840546"/>
             <a:ext cx="947233" cy="947233"/>
           </a:xfrm>
           <a:prstGeom prst="rect">
@@ -11934,8 +11903,8 @@
         </p:nvSpPr>
         <p:spPr>
           <a:xfrm>
-            <a:off x="369581" y="22748355"/>
-            <a:ext cx="8256259" cy="1569660"/>
+            <a:off x="9887893" y="32648637"/>
+            <a:ext cx="5626286" cy="2554545"/>
           </a:xfrm>
           <a:prstGeom prst="rect">
             <a:avLst/>
@@ -11985,7 +11954,7 @@
         </p:blipFill>
         <p:spPr>
           <a:xfrm rot="3911327" flipH="1" flipV="1">
-            <a:off x="8472173" y="22741363"/>
+            <a:off x="-17889102" y="27891919"/>
             <a:ext cx="817694" cy="817694"/>
           </a:xfrm>
           <a:prstGeom prst="rect">
@@ -11993,6 +11962,198 @@
           </a:prstGeom>
         </p:spPr>
       </p:pic>
+      <p:sp>
+        <p:nvSpPr>
+          <p:cNvPr id="3" name="TextBox 2">
+            <a:extLst>
+              <a:ext uri="{FF2B5EF4-FFF2-40B4-BE49-F238E27FC236}">
+                <a16:creationId xmlns:a16="http://schemas.microsoft.com/office/drawing/2014/main" id="{C5C1A9A6-E4B0-2916-0E48-F17180BCFD87}"/>
+              </a:ext>
+            </a:extLst>
+          </p:cNvPr>
+          <p:cNvSpPr txBox="1"/>
+          <p:nvPr/>
+        </p:nvSpPr>
+        <p:spPr>
+          <a:xfrm>
+            <a:off x="198437" y="10962334"/>
+            <a:ext cx="9160200" cy="1107996"/>
+          </a:xfrm>
+          <a:prstGeom prst="rect">
+            <a:avLst/>
+          </a:prstGeom>
+          <a:noFill/>
+        </p:spPr>
+        <p:txBody>
+          <a:bodyPr wrap="none" rtlCol="0">
+            <a:spAutoFit/>
+          </a:bodyPr>
+          <a:lstStyle/>
+          <a:p>
+            <a:r>
+              <a:rPr lang="en-US" sz="6600" noProof="0" dirty="0">
+                <a:solidFill>
+                  <a:srgbClr val="9B0A7D"/>
+                </a:solidFill>
+              </a:rPr>
+              <a:t>RQ 2: Sentiment Analysis :</a:t>
+            </a:r>
+          </a:p>
+        </p:txBody>
+      </p:sp>
+      <p:sp>
+        <p:nvSpPr>
+          <p:cNvPr id="13" name="TextBox 12">
+            <a:extLst>
+              <a:ext uri="{FF2B5EF4-FFF2-40B4-BE49-F238E27FC236}">
+                <a16:creationId xmlns:a16="http://schemas.microsoft.com/office/drawing/2014/main" id="{DCDFECC4-C1BA-1084-7B4C-CF7F43CF1C3D}"/>
+              </a:ext>
+            </a:extLst>
+          </p:cNvPr>
+          <p:cNvSpPr txBox="1"/>
+          <p:nvPr/>
+        </p:nvSpPr>
+        <p:spPr>
+          <a:xfrm>
+            <a:off x="19992084" y="10962334"/>
+            <a:ext cx="7748531" cy="1107996"/>
+          </a:xfrm>
+          <a:prstGeom prst="rect">
+            <a:avLst/>
+          </a:prstGeom>
+          <a:noFill/>
+        </p:spPr>
+        <p:txBody>
+          <a:bodyPr wrap="none" rtlCol="0">
+            <a:spAutoFit/>
+          </a:bodyPr>
+          <a:lstStyle/>
+          <a:p>
+            <a:r>
+              <a:rPr lang="en-US" sz="6600" noProof="0" dirty="0">
+                <a:solidFill>
+                  <a:srgbClr val="9B0A7D"/>
+                </a:solidFill>
+              </a:rPr>
+              <a:t>RQ 3: Global Regions :</a:t>
+            </a:r>
+          </a:p>
+        </p:txBody>
+      </p:sp>
+      <p:sp>
+        <p:nvSpPr>
+          <p:cNvPr id="14" name="TextBox 13">
+            <a:extLst>
+              <a:ext uri="{FF2B5EF4-FFF2-40B4-BE49-F238E27FC236}">
+                <a16:creationId xmlns:a16="http://schemas.microsoft.com/office/drawing/2014/main" id="{A40DB6F9-670E-DB35-A889-319D08E9122E}"/>
+              </a:ext>
+            </a:extLst>
+          </p:cNvPr>
+          <p:cNvSpPr txBox="1"/>
+          <p:nvPr/>
+        </p:nvSpPr>
+        <p:spPr>
+          <a:xfrm>
+            <a:off x="233696" y="23138068"/>
+            <a:ext cx="14842846" cy="1107996"/>
+          </a:xfrm>
+          <a:prstGeom prst="rect">
+            <a:avLst/>
+          </a:prstGeom>
+          <a:noFill/>
+        </p:spPr>
+        <p:txBody>
+          <a:bodyPr wrap="none" rtlCol="0">
+            <a:spAutoFit/>
+          </a:bodyPr>
+          <a:lstStyle/>
+          <a:p>
+            <a:r>
+              <a:rPr lang="en-US" sz="6600" noProof="0" dirty="0">
+                <a:solidFill>
+                  <a:srgbClr val="9B0A7D"/>
+                </a:solidFill>
+              </a:rPr>
+              <a:t>RQ 4: Ratio for Spotify’s Plans &amp; Revenue :</a:t>
+            </a:r>
+          </a:p>
+        </p:txBody>
+      </p:sp>
+      <p:pic>
+        <p:nvPicPr>
+          <p:cNvPr id="17" name="Graphic 16" descr="Line arrow: Clockwise curve with solid fill">
+            <a:extLst>
+              <a:ext uri="{FF2B5EF4-FFF2-40B4-BE49-F238E27FC236}">
+                <a16:creationId xmlns:a16="http://schemas.microsoft.com/office/drawing/2014/main" id="{395E96C7-1860-54BE-4149-1DD6BF7D8FA2}"/>
+              </a:ext>
+            </a:extLst>
+          </p:cNvPr>
+          <p:cNvPicPr>
+            <a:picLocks noChangeAspect="1"/>
+          </p:cNvPicPr>
+          <p:nvPr/>
+        </p:nvPicPr>
+        <p:blipFill>
+          <a:blip r:embed="rId21">
+            <a:extLst>
+              <a:ext uri="{96DAC541-7B7A-43D3-8B79-37D633B846F1}">
+                <asvg:svgBlip xmlns:asvg="http://schemas.microsoft.com/office/drawing/2016/SVG/main" r:embed="rId22"/>
+              </a:ext>
+            </a:extLst>
+          </a:blip>
+          <a:stretch>
+            <a:fillRect/>
+          </a:stretch>
+        </p:blipFill>
+        <p:spPr>
+          <a:xfrm rot="12642929" flipV="1">
+            <a:off x="9778772" y="30320955"/>
+            <a:ext cx="947233" cy="947233"/>
+          </a:xfrm>
+          <a:prstGeom prst="rect">
+            <a:avLst/>
+          </a:prstGeom>
+        </p:spPr>
+      </p:pic>
+      <p:sp>
+        <p:nvSpPr>
+          <p:cNvPr id="18" name="TextBox 17">
+            <a:extLst>
+              <a:ext uri="{FF2B5EF4-FFF2-40B4-BE49-F238E27FC236}">
+                <a16:creationId xmlns:a16="http://schemas.microsoft.com/office/drawing/2014/main" id="{EC925F21-0050-1A23-0315-0EF3956DAE2F}"/>
+              </a:ext>
+            </a:extLst>
+          </p:cNvPr>
+          <p:cNvSpPr txBox="1"/>
+          <p:nvPr/>
+        </p:nvSpPr>
+        <p:spPr>
+          <a:xfrm>
+            <a:off x="20055452" y="20783952"/>
+            <a:ext cx="8915326" cy="1107996"/>
+          </a:xfrm>
+          <a:prstGeom prst="rect">
+            <a:avLst/>
+          </a:prstGeom>
+          <a:noFill/>
+        </p:spPr>
+        <p:txBody>
+          <a:bodyPr wrap="none" rtlCol="0">
+            <a:spAutoFit/>
+          </a:bodyPr>
+          <a:lstStyle/>
+          <a:p>
+            <a:r>
+              <a:rPr lang="en-US" sz="6600" noProof="0" dirty="0">
+                <a:solidFill>
+                  <a:srgbClr val="9B0A7D"/>
+                </a:solidFill>
+              </a:rPr>
+              <a:t>RQ 8: Tendency of Tracks:</a:t>
+            </a:r>
+          </a:p>
+        </p:txBody>
+      </p:sp>
     </p:spTree>
     <p:extLst>
       <p:ext uri="{BB962C8B-B14F-4D97-AF65-F5344CB8AC3E}">

--- a/Poster/DS Project Poster.pptx
+++ b/Poster/DS Project Poster.pptx
@@ -898,15 +898,15 @@
 </file>
 
 <file path=ppt/diagrams/colors2.xml><?xml version="1.0" encoding="utf-8"?>
-<dgm:colorsDef xmlns:dgm="http://schemas.openxmlformats.org/drawingml/2006/diagram" xmlns:a="http://schemas.openxmlformats.org/drawingml/2006/main" uniqueId="urn:microsoft.com/office/officeart/2005/8/colors/colorful4">
+<dgm:colorsDef xmlns:dgm="http://schemas.openxmlformats.org/drawingml/2006/diagram" xmlns:a="http://schemas.openxmlformats.org/drawingml/2006/main" uniqueId="urn:microsoft.com/office/officeart/2005/8/colors/accent1_2">
   <dgm:title val=""/>
   <dgm:desc val=""/>
   <dgm:catLst>
-    <dgm:cat type="colorful" pri="10400"/>
+    <dgm:cat type="accent1" pri="11200"/>
   </dgm:catLst>
   <dgm:styleLbl name="node0">
     <dgm:fillClrLst meth="repeat">
-      <a:schemeClr val="accent3"/>
+      <a:schemeClr val="accent1"/>
     </dgm:fillClrLst>
     <dgm:linClrLst meth="repeat">
       <a:schemeClr val="lt1"/>
@@ -916,10 +916,21 @@
     <dgm:txFillClrLst/>
     <dgm:txEffectClrLst/>
   </dgm:styleLbl>
+  <dgm:styleLbl name="alignNode1">
+    <dgm:fillClrLst meth="repeat">
+      <a:schemeClr val="accent1"/>
+    </dgm:fillClrLst>
+    <dgm:linClrLst meth="repeat">
+      <a:schemeClr val="accent1"/>
+    </dgm:linClrLst>
+    <dgm:effectClrLst/>
+    <dgm:txLinClrLst/>
+    <dgm:txFillClrLst/>
+    <dgm:txEffectClrLst/>
+  </dgm:styleLbl>
   <dgm:styleLbl name="node1">
-    <dgm:fillClrLst>
-      <a:schemeClr val="accent4"/>
-      <a:schemeClr val="accent5"/>
+    <dgm:fillClrLst meth="repeat">
+      <a:schemeClr val="accent1"/>
     </dgm:fillClrLst>
     <dgm:linClrLst meth="repeat">
       <a:schemeClr val="lt1"/>
@@ -929,24 +940,9 @@
     <dgm:txFillClrLst/>
     <dgm:txEffectClrLst/>
   </dgm:styleLbl>
-  <dgm:styleLbl name="alignNode1">
-    <dgm:fillClrLst>
-      <a:schemeClr val="accent4"/>
-      <a:schemeClr val="accent5"/>
-    </dgm:fillClrLst>
-    <dgm:linClrLst>
-      <a:schemeClr val="accent4"/>
-      <a:schemeClr val="accent5"/>
-    </dgm:linClrLst>
-    <dgm:effectClrLst/>
-    <dgm:txLinClrLst/>
-    <dgm:txFillClrLst/>
-    <dgm:txEffectClrLst/>
-  </dgm:styleLbl>
   <dgm:styleLbl name="lnNode1">
-    <dgm:fillClrLst>
-      <a:schemeClr val="accent4"/>
-      <a:schemeClr val="accent5"/>
+    <dgm:fillClrLst meth="repeat">
+      <a:schemeClr val="accent1"/>
     </dgm:fillClrLst>
     <dgm:linClrLst meth="repeat">
       <a:schemeClr val="lt1"/>
@@ -957,11 +953,8 @@
     <dgm:txEffectClrLst/>
   </dgm:styleLbl>
   <dgm:styleLbl name="vennNode1">
-    <dgm:fillClrLst>
-      <a:schemeClr val="accent4">
-        <a:alpha val="50000"/>
-      </a:schemeClr>
-      <a:schemeClr val="accent5">
+    <dgm:fillClrLst meth="repeat">
+      <a:schemeClr val="accent1">
         <a:alpha val="50000"/>
       </a:schemeClr>
     </dgm:fillClrLst>
@@ -974,31 +967,7 @@
     <dgm:txEffectClrLst/>
   </dgm:styleLbl>
   <dgm:styleLbl name="node2">
-    <dgm:fillClrLst>
-      <a:schemeClr val="accent5"/>
-    </dgm:fillClrLst>
-    <dgm:linClrLst meth="repeat">
-      <a:schemeClr val="lt1"/>
-    </dgm:linClrLst>
-    <dgm:effectClrLst/>
-    <dgm:txLinClrLst/>
-    <dgm:txFillClrLst/>
-    <dgm:txEffectClrLst/>
-  </dgm:styleLbl>
-  <dgm:styleLbl name="node3">
-    <dgm:fillClrLst>
-      <a:schemeClr val="accent6"/>
-    </dgm:fillClrLst>
-    <dgm:linClrLst meth="repeat">
-      <a:schemeClr val="lt1"/>
-    </dgm:linClrLst>
-    <dgm:effectClrLst/>
-    <dgm:txLinClrLst/>
-    <dgm:txFillClrLst/>
-    <dgm:txEffectClrLst/>
-  </dgm:styleLbl>
-  <dgm:styleLbl name="node4">
-    <dgm:fillClrLst>
+    <dgm:fillClrLst meth="repeat">
       <a:schemeClr val="accent1"/>
     </dgm:fillClrLst>
     <dgm:linClrLst meth="repeat">
@@ -1009,12 +978,33 @@
     <dgm:txFillClrLst/>
     <dgm:txEffectClrLst/>
   </dgm:styleLbl>
+  <dgm:styleLbl name="node3">
+    <dgm:fillClrLst meth="repeat">
+      <a:schemeClr val="accent1"/>
+    </dgm:fillClrLst>
+    <dgm:linClrLst meth="repeat">
+      <a:schemeClr val="lt1"/>
+    </dgm:linClrLst>
+    <dgm:effectClrLst/>
+    <dgm:txLinClrLst/>
+    <dgm:txFillClrLst/>
+    <dgm:txEffectClrLst/>
+  </dgm:styleLbl>
+  <dgm:styleLbl name="node4">
+    <dgm:fillClrLst meth="repeat">
+      <a:schemeClr val="accent1"/>
+    </dgm:fillClrLst>
+    <dgm:linClrLst meth="repeat">
+      <a:schemeClr val="lt1"/>
+    </dgm:linClrLst>
+    <dgm:effectClrLst/>
+    <dgm:txLinClrLst/>
+    <dgm:txFillClrLst/>
+    <dgm:txEffectClrLst/>
+  </dgm:styleLbl>
   <dgm:styleLbl name="fgImgPlace1">
-    <dgm:fillClrLst>
-      <a:schemeClr val="accent4">
-        <a:tint val="50000"/>
-      </a:schemeClr>
-      <a:schemeClr val="accent5">
+    <dgm:fillClrLst meth="repeat">
+      <a:schemeClr val="accent1">
         <a:tint val="50000"/>
       </a:schemeClr>
     </dgm:fillClrLst>
@@ -1029,12 +1019,9 @@
     <dgm:txEffectClrLst/>
   </dgm:styleLbl>
   <dgm:styleLbl name="alignImgPlace1">
-    <dgm:fillClrLst>
-      <a:schemeClr val="accent4">
+    <dgm:fillClrLst meth="repeat">
+      <a:schemeClr val="accent1">
         <a:tint val="50000"/>
-      </a:schemeClr>
-      <a:schemeClr val="accent5">
-        <a:tint val="20000"/>
       </a:schemeClr>
     </dgm:fillClrLst>
     <dgm:linClrLst meth="repeat">
@@ -1048,12 +1035,9 @@
     <dgm:txEffectClrLst/>
   </dgm:styleLbl>
   <dgm:styleLbl name="bgImgPlace1">
-    <dgm:fillClrLst>
-      <a:schemeClr val="accent4">
+    <dgm:fillClrLst meth="repeat">
+      <a:schemeClr val="accent1">
         <a:tint val="50000"/>
-      </a:schemeClr>
-      <a:schemeClr val="accent5">
-        <a:tint val="20000"/>
       </a:schemeClr>
     </dgm:fillClrLst>
     <dgm:linClrLst meth="repeat">
@@ -1067,84 +1051,14 @@
     <dgm:txEffectClrLst/>
   </dgm:styleLbl>
   <dgm:styleLbl name="sibTrans2D1">
-    <dgm:fillClrLst>
-      <a:schemeClr val="accent4"/>
-      <a:schemeClr val="accent5"/>
+    <dgm:fillClrLst meth="repeat">
+      <a:schemeClr val="accent1">
+        <a:tint val="60000"/>
+      </a:schemeClr>
     </dgm:fillClrLst>
     <dgm:linClrLst meth="repeat">
-      <a:schemeClr val="lt1"/>
-    </dgm:linClrLst>
-    <dgm:effectClrLst/>
-    <dgm:txLinClrLst/>
-    <dgm:txFillClrLst/>
-    <dgm:txEffectClrLst/>
-  </dgm:styleLbl>
-  <dgm:styleLbl name="fgSibTrans2D1">
-    <dgm:fillClrLst>
-      <a:schemeClr val="accent4"/>
-      <a:schemeClr val="accent5"/>
-    </dgm:fillClrLst>
-    <dgm:linClrLst meth="repeat">
-      <a:schemeClr val="lt1"/>
-    </dgm:linClrLst>
-    <dgm:effectClrLst/>
-    <dgm:txLinClrLst/>
-    <dgm:txFillClrLst meth="repeat">
-      <a:schemeClr val="lt1"/>
-    </dgm:txFillClrLst>
-    <dgm:txEffectClrLst/>
-  </dgm:styleLbl>
-  <dgm:styleLbl name="bgSibTrans2D1">
-    <dgm:fillClrLst>
-      <a:schemeClr val="accent4"/>
-      <a:schemeClr val="accent5"/>
-    </dgm:fillClrLst>
-    <dgm:linClrLst meth="repeat">
-      <a:schemeClr val="lt1"/>
-    </dgm:linClrLst>
-    <dgm:effectClrLst/>
-    <dgm:txLinClrLst/>
-    <dgm:txFillClrLst meth="repeat">
-      <a:schemeClr val="lt1"/>
-    </dgm:txFillClrLst>
-    <dgm:txEffectClrLst/>
-  </dgm:styleLbl>
-  <dgm:styleLbl name="sibTrans1D1">
-    <dgm:fillClrLst/>
-    <dgm:linClrLst>
-      <a:schemeClr val="accent4"/>
-      <a:schemeClr val="accent5"/>
-    </dgm:linClrLst>
-    <dgm:effectClrLst/>
-    <dgm:txLinClrLst/>
-    <dgm:txFillClrLst meth="repeat">
-      <a:schemeClr val="tx1"/>
-    </dgm:txFillClrLst>
-    <dgm:txEffectClrLst/>
-  </dgm:styleLbl>
-  <dgm:styleLbl name="callout">
-    <dgm:fillClrLst meth="repeat">
-      <a:schemeClr val="accent4"/>
-    </dgm:fillClrLst>
-    <dgm:linClrLst meth="repeat">
-      <a:schemeClr val="accent4">
-        <a:tint val="50000"/>
-      </a:schemeClr>
-    </dgm:linClrLst>
-    <dgm:effectClrLst/>
-    <dgm:txLinClrLst/>
-    <dgm:txFillClrLst meth="repeat">
-      <a:schemeClr val="tx1"/>
-    </dgm:txFillClrLst>
-    <dgm:txEffectClrLst/>
-  </dgm:styleLbl>
-  <dgm:styleLbl name="asst0">
-    <dgm:fillClrLst meth="repeat">
-      <a:schemeClr val="accent4"/>
-    </dgm:fillClrLst>
-    <dgm:linClrLst meth="repeat">
-      <a:schemeClr val="lt1">
-        <a:shade val="80000"/>
+      <a:schemeClr val="accent1">
+        <a:tint val="60000"/>
       </a:schemeClr>
     </dgm:linClrLst>
     <dgm:effectClrLst/>
@@ -1152,13 +1066,15 @@
     <dgm:txFillClrLst/>
     <dgm:txEffectClrLst/>
   </dgm:styleLbl>
-  <dgm:styleLbl name="asst1">
+  <dgm:styleLbl name="fgSibTrans2D1">
     <dgm:fillClrLst meth="repeat">
-      <a:schemeClr val="accent5"/>
+      <a:schemeClr val="accent1">
+        <a:tint val="60000"/>
+      </a:schemeClr>
     </dgm:fillClrLst>
     <dgm:linClrLst meth="repeat">
-      <a:schemeClr val="lt1">
-        <a:shade val="80000"/>
+      <a:schemeClr val="accent1">
+        <a:tint val="60000"/>
       </a:schemeClr>
     </dgm:linClrLst>
     <dgm:effectClrLst/>
@@ -1166,145 +1082,25 @@
     <dgm:txFillClrLst/>
     <dgm:txEffectClrLst/>
   </dgm:styleLbl>
-  <dgm:styleLbl name="asst2">
-    <dgm:fillClrLst>
-      <a:schemeClr val="accent6"/>
+  <dgm:styleLbl name="bgSibTrans2D1">
+    <dgm:fillClrLst meth="repeat">
+      <a:schemeClr val="accent1">
+        <a:tint val="60000"/>
+      </a:schemeClr>
     </dgm:fillClrLst>
     <dgm:linClrLst meth="repeat">
-      <a:schemeClr val="lt1"/>
+      <a:schemeClr val="accent1">
+        <a:tint val="60000"/>
+      </a:schemeClr>
     </dgm:linClrLst>
     <dgm:effectClrLst/>
     <dgm:txLinClrLst/>
     <dgm:txFillClrLst/>
     <dgm:txEffectClrLst/>
   </dgm:styleLbl>
-  <dgm:styleLbl name="asst3">
-    <dgm:fillClrLst>
+  <dgm:styleLbl name="sibTrans1D1">
+    <dgm:fillClrLst meth="repeat">
       <a:schemeClr val="accent1"/>
-    </dgm:fillClrLst>
-    <dgm:linClrLst meth="repeat">
-      <a:schemeClr val="lt1"/>
-    </dgm:linClrLst>
-    <dgm:effectClrLst/>
-    <dgm:txLinClrLst/>
-    <dgm:txFillClrLst/>
-    <dgm:txEffectClrLst/>
-  </dgm:styleLbl>
-  <dgm:styleLbl name="asst4">
-    <dgm:fillClrLst>
-      <a:schemeClr val="accent2"/>
-    </dgm:fillClrLst>
-    <dgm:linClrLst meth="repeat">
-      <a:schemeClr val="lt1"/>
-    </dgm:linClrLst>
-    <dgm:effectClrLst/>
-    <dgm:txLinClrLst/>
-    <dgm:txFillClrLst/>
-    <dgm:txEffectClrLst/>
-  </dgm:styleLbl>
-  <dgm:styleLbl name="parChTrans2D1">
-    <dgm:fillClrLst meth="repeat">
-      <a:schemeClr val="accent4"/>
-    </dgm:fillClrLst>
-    <dgm:linClrLst meth="repeat">
-      <a:schemeClr val="lt1"/>
-    </dgm:linClrLst>
-    <dgm:effectClrLst/>
-    <dgm:txLinClrLst/>
-    <dgm:txFillClrLst meth="repeat">
-      <a:schemeClr val="lt1"/>
-    </dgm:txFillClrLst>
-    <dgm:txEffectClrLst/>
-  </dgm:styleLbl>
-  <dgm:styleLbl name="parChTrans2D2">
-    <dgm:fillClrLst meth="repeat">
-      <a:schemeClr val="accent5"/>
-    </dgm:fillClrLst>
-    <dgm:linClrLst meth="repeat">
-      <a:schemeClr val="lt1"/>
-    </dgm:linClrLst>
-    <dgm:effectClrLst/>
-    <dgm:txLinClrLst/>
-    <dgm:txFillClrLst/>
-    <dgm:txEffectClrLst/>
-  </dgm:styleLbl>
-  <dgm:styleLbl name="parChTrans2D3">
-    <dgm:fillClrLst meth="repeat">
-      <a:schemeClr val="accent5"/>
-    </dgm:fillClrLst>
-    <dgm:linClrLst meth="repeat">
-      <a:schemeClr val="lt1"/>
-    </dgm:linClrLst>
-    <dgm:effectClrLst/>
-    <dgm:txLinClrLst/>
-    <dgm:txFillClrLst/>
-    <dgm:txEffectClrLst/>
-  </dgm:styleLbl>
-  <dgm:styleLbl name="parChTrans2D4">
-    <dgm:fillClrLst meth="repeat">
-      <a:schemeClr val="accent6"/>
-    </dgm:fillClrLst>
-    <dgm:linClrLst meth="repeat">
-      <a:schemeClr val="lt1"/>
-    </dgm:linClrLst>
-    <dgm:effectClrLst/>
-    <dgm:txLinClrLst/>
-    <dgm:txFillClrLst meth="repeat">
-      <a:schemeClr val="lt1"/>
-    </dgm:txFillClrLst>
-    <dgm:txEffectClrLst/>
-  </dgm:styleLbl>
-  <dgm:styleLbl name="parChTrans1D1">
-    <dgm:fillClrLst meth="repeat">
-      <a:schemeClr val="accent4"/>
-    </dgm:fillClrLst>
-    <dgm:linClrLst meth="repeat">
-      <a:schemeClr val="accent4"/>
-    </dgm:linClrLst>
-    <dgm:effectClrLst/>
-    <dgm:txLinClrLst/>
-    <dgm:txFillClrLst meth="repeat">
-      <a:schemeClr val="tx1"/>
-    </dgm:txFillClrLst>
-    <dgm:txEffectClrLst/>
-  </dgm:styleLbl>
-  <dgm:styleLbl name="parChTrans1D2">
-    <dgm:fillClrLst meth="repeat">
-      <a:schemeClr val="accent4">
-        <a:tint val="90000"/>
-      </a:schemeClr>
-    </dgm:fillClrLst>
-    <dgm:linClrLst meth="repeat">
-      <a:schemeClr val="accent5"/>
-    </dgm:linClrLst>
-    <dgm:effectClrLst/>
-    <dgm:txLinClrLst/>
-    <dgm:txFillClrLst meth="repeat">
-      <a:schemeClr val="tx1"/>
-    </dgm:txFillClrLst>
-    <dgm:txEffectClrLst/>
-  </dgm:styleLbl>
-  <dgm:styleLbl name="parChTrans1D3">
-    <dgm:fillClrLst meth="repeat">
-      <a:schemeClr val="accent4">
-        <a:tint val="70000"/>
-      </a:schemeClr>
-    </dgm:fillClrLst>
-    <dgm:linClrLst meth="repeat">
-      <a:schemeClr val="accent6"/>
-    </dgm:linClrLst>
-    <dgm:effectClrLst/>
-    <dgm:txLinClrLst/>
-    <dgm:txFillClrLst meth="repeat">
-      <a:schemeClr val="tx1"/>
-    </dgm:txFillClrLst>
-    <dgm:txEffectClrLst/>
-  </dgm:styleLbl>
-  <dgm:styleLbl name="parChTrans1D4">
-    <dgm:fillClrLst meth="repeat">
-      <a:schemeClr val="accent4">
-        <a:tint val="50000"/>
-      </a:schemeClr>
     </dgm:fillClrLst>
     <dgm:linClrLst meth="repeat">
       <a:schemeClr val="accent1"/>
@@ -1316,15 +1112,214 @@
     </dgm:txFillClrLst>
     <dgm:txEffectClrLst/>
   </dgm:styleLbl>
+  <dgm:styleLbl name="callout">
+    <dgm:fillClrLst meth="repeat">
+      <a:schemeClr val="accent1"/>
+    </dgm:fillClrLst>
+    <dgm:linClrLst meth="repeat">
+      <a:schemeClr val="accent1">
+        <a:tint val="50000"/>
+      </a:schemeClr>
+    </dgm:linClrLst>
+    <dgm:effectClrLst/>
+    <dgm:txLinClrLst/>
+    <dgm:txFillClrLst meth="repeat">
+      <a:schemeClr val="tx1"/>
+    </dgm:txFillClrLst>
+    <dgm:txEffectClrLst/>
+  </dgm:styleLbl>
+  <dgm:styleLbl name="asst0">
+    <dgm:fillClrLst meth="repeat">
+      <a:schemeClr val="accent1"/>
+    </dgm:fillClrLst>
+    <dgm:linClrLst meth="repeat">
+      <a:schemeClr val="lt1"/>
+    </dgm:linClrLst>
+    <dgm:effectClrLst/>
+    <dgm:txLinClrLst/>
+    <dgm:txFillClrLst/>
+    <dgm:txEffectClrLst/>
+  </dgm:styleLbl>
+  <dgm:styleLbl name="asst1">
+    <dgm:fillClrLst meth="repeat">
+      <a:schemeClr val="accent1"/>
+    </dgm:fillClrLst>
+    <dgm:linClrLst meth="repeat">
+      <a:schemeClr val="lt1"/>
+    </dgm:linClrLst>
+    <dgm:effectClrLst/>
+    <dgm:txLinClrLst/>
+    <dgm:txFillClrLst/>
+    <dgm:txEffectClrLst/>
+  </dgm:styleLbl>
+  <dgm:styleLbl name="asst2">
+    <dgm:fillClrLst meth="repeat">
+      <a:schemeClr val="accent1"/>
+    </dgm:fillClrLst>
+    <dgm:linClrLst meth="repeat">
+      <a:schemeClr val="lt1"/>
+    </dgm:linClrLst>
+    <dgm:effectClrLst/>
+    <dgm:txLinClrLst/>
+    <dgm:txFillClrLst/>
+    <dgm:txEffectClrLst/>
+  </dgm:styleLbl>
+  <dgm:styleLbl name="asst3">
+    <dgm:fillClrLst meth="repeat">
+      <a:schemeClr val="accent1"/>
+    </dgm:fillClrLst>
+    <dgm:linClrLst meth="repeat">
+      <a:schemeClr val="lt1"/>
+    </dgm:linClrLst>
+    <dgm:effectClrLst/>
+    <dgm:txLinClrLst/>
+    <dgm:txFillClrLst/>
+    <dgm:txEffectClrLst/>
+  </dgm:styleLbl>
+  <dgm:styleLbl name="asst4">
+    <dgm:fillClrLst meth="repeat">
+      <a:schemeClr val="accent1"/>
+    </dgm:fillClrLst>
+    <dgm:linClrLst meth="repeat">
+      <a:schemeClr val="lt1"/>
+    </dgm:linClrLst>
+    <dgm:effectClrLst/>
+    <dgm:txLinClrLst/>
+    <dgm:txFillClrLst/>
+    <dgm:txEffectClrLst/>
+  </dgm:styleLbl>
+  <dgm:styleLbl name="parChTrans2D1">
+    <dgm:fillClrLst meth="repeat">
+      <a:schemeClr val="accent1">
+        <a:tint val="60000"/>
+      </a:schemeClr>
+    </dgm:fillClrLst>
+    <dgm:linClrLst meth="repeat">
+      <a:schemeClr val="accent1">
+        <a:tint val="60000"/>
+      </a:schemeClr>
+    </dgm:linClrLst>
+    <dgm:effectClrLst/>
+    <dgm:txLinClrLst/>
+    <dgm:txFillClrLst meth="repeat">
+      <a:schemeClr val="lt1"/>
+    </dgm:txFillClrLst>
+    <dgm:txEffectClrLst/>
+  </dgm:styleLbl>
+  <dgm:styleLbl name="parChTrans2D2">
+    <dgm:fillClrLst meth="repeat">
+      <a:schemeClr val="accent1"/>
+    </dgm:fillClrLst>
+    <dgm:linClrLst meth="repeat">
+      <a:schemeClr val="accent1"/>
+    </dgm:linClrLst>
+    <dgm:effectClrLst/>
+    <dgm:txLinClrLst/>
+    <dgm:txFillClrLst meth="repeat">
+      <a:schemeClr val="lt1"/>
+    </dgm:txFillClrLst>
+    <dgm:txEffectClrLst/>
+  </dgm:styleLbl>
+  <dgm:styleLbl name="parChTrans2D3">
+    <dgm:fillClrLst meth="repeat">
+      <a:schemeClr val="accent1"/>
+    </dgm:fillClrLst>
+    <dgm:linClrLst meth="repeat">
+      <a:schemeClr val="accent1"/>
+    </dgm:linClrLst>
+    <dgm:effectClrLst/>
+    <dgm:txLinClrLst/>
+    <dgm:txFillClrLst meth="repeat">
+      <a:schemeClr val="lt1"/>
+    </dgm:txFillClrLst>
+    <dgm:txEffectClrLst/>
+  </dgm:styleLbl>
+  <dgm:styleLbl name="parChTrans2D4">
+    <dgm:fillClrLst meth="repeat">
+      <a:schemeClr val="accent1"/>
+    </dgm:fillClrLst>
+    <dgm:linClrLst meth="repeat">
+      <a:schemeClr val="accent1"/>
+    </dgm:linClrLst>
+    <dgm:effectClrLst/>
+    <dgm:txLinClrLst/>
+    <dgm:txFillClrLst meth="repeat">
+      <a:schemeClr val="lt1"/>
+    </dgm:txFillClrLst>
+    <dgm:txEffectClrLst/>
+  </dgm:styleLbl>
+  <dgm:styleLbl name="parChTrans1D1">
+    <dgm:fillClrLst meth="repeat">
+      <a:schemeClr val="accent1"/>
+    </dgm:fillClrLst>
+    <dgm:linClrLst meth="repeat">
+      <a:schemeClr val="accent1">
+        <a:shade val="60000"/>
+      </a:schemeClr>
+    </dgm:linClrLst>
+    <dgm:effectClrLst/>
+    <dgm:txLinClrLst/>
+    <dgm:txFillClrLst meth="repeat">
+      <a:schemeClr val="tx1"/>
+    </dgm:txFillClrLst>
+    <dgm:txEffectClrLst/>
+  </dgm:styleLbl>
+  <dgm:styleLbl name="parChTrans1D2">
+    <dgm:fillClrLst meth="repeat">
+      <a:schemeClr val="accent1"/>
+    </dgm:fillClrLst>
+    <dgm:linClrLst meth="repeat">
+      <a:schemeClr val="accent1">
+        <a:shade val="60000"/>
+      </a:schemeClr>
+    </dgm:linClrLst>
+    <dgm:effectClrLst/>
+    <dgm:txLinClrLst/>
+    <dgm:txFillClrLst meth="repeat">
+      <a:schemeClr val="tx1"/>
+    </dgm:txFillClrLst>
+    <dgm:txEffectClrLst/>
+  </dgm:styleLbl>
+  <dgm:styleLbl name="parChTrans1D3">
+    <dgm:fillClrLst meth="repeat">
+      <a:schemeClr val="accent1"/>
+    </dgm:fillClrLst>
+    <dgm:linClrLst meth="repeat">
+      <a:schemeClr val="accent1">
+        <a:shade val="80000"/>
+      </a:schemeClr>
+    </dgm:linClrLst>
+    <dgm:effectClrLst/>
+    <dgm:txLinClrLst/>
+    <dgm:txFillClrLst meth="repeat">
+      <a:schemeClr val="tx1"/>
+    </dgm:txFillClrLst>
+    <dgm:txEffectClrLst/>
+  </dgm:styleLbl>
+  <dgm:styleLbl name="parChTrans1D4">
+    <dgm:fillClrLst meth="repeat">
+      <a:schemeClr val="accent1"/>
+    </dgm:fillClrLst>
+    <dgm:linClrLst meth="repeat">
+      <a:schemeClr val="accent1">
+        <a:shade val="80000"/>
+      </a:schemeClr>
+    </dgm:linClrLst>
+    <dgm:effectClrLst/>
+    <dgm:txLinClrLst/>
+    <dgm:txFillClrLst meth="repeat">
+      <a:schemeClr val="tx1"/>
+    </dgm:txFillClrLst>
+    <dgm:txEffectClrLst/>
+  </dgm:styleLbl>
   <dgm:styleLbl name="fgAcc1">
     <dgm:fillClrLst meth="repeat">
       <a:schemeClr val="lt1">
         <a:alpha val="90000"/>
       </a:schemeClr>
     </dgm:fillClrLst>
-    <dgm:linClrLst>
-      <a:schemeClr val="accent4"/>
-      <a:schemeClr val="accent5"/>
+    <dgm:linClrLst meth="repeat">
+      <a:schemeClr val="accent1"/>
     </dgm:linClrLst>
     <dgm:effectClrLst/>
     <dgm:txLinClrLst/>
@@ -1339,9 +1334,8 @@
         <a:alpha val="90000"/>
       </a:schemeClr>
     </dgm:fillClrLst>
-    <dgm:linClrLst>
-      <a:schemeClr val="accent4"/>
-      <a:schemeClr val="accent5"/>
+    <dgm:linClrLst meth="repeat">
+      <a:schemeClr val="accent1"/>
     </dgm:linClrLst>
     <dgm:effectClrLst/>
     <dgm:txLinClrLst/>
@@ -1356,9 +1350,8 @@
         <a:alpha val="90000"/>
       </a:schemeClr>
     </dgm:fillClrLst>
-    <dgm:linClrLst>
-      <a:schemeClr val="accent4"/>
-      <a:schemeClr val="accent5"/>
+    <dgm:linClrLst meth="repeat">
+      <a:schemeClr val="accent1"/>
     </dgm:linClrLst>
     <dgm:effectClrLst/>
     <dgm:txLinClrLst/>
@@ -1374,7 +1367,7 @@
       </a:schemeClr>
     </dgm:fillClrLst>
     <dgm:linClrLst meth="repeat">
-      <a:schemeClr val="accent4"/>
+      <a:schemeClr val="accent1"/>
     </dgm:linClrLst>
     <dgm:effectClrLst/>
     <dgm:txLinClrLst/>
@@ -1389,9 +1382,8 @@
         <a:alpha val="90000"/>
       </a:schemeClr>
     </dgm:fillClrLst>
-    <dgm:linClrLst>
-      <a:schemeClr val="accent4"/>
-      <a:schemeClr val="accent5"/>
+    <dgm:linClrLst meth="repeat">
+      <a:schemeClr val="accent1"/>
     </dgm:linClrLst>
     <dgm:effectClrLst/>
     <dgm:txLinClrLst/>
@@ -1404,9 +1396,8 @@
     <dgm:fillClrLst meth="repeat">
       <a:schemeClr val="lt1"/>
     </dgm:fillClrLst>
-    <dgm:linClrLst>
-      <a:schemeClr val="accent4"/>
-      <a:schemeClr val="accent5"/>
+    <dgm:linClrLst meth="repeat">
+      <a:schemeClr val="accent1"/>
     </dgm:linClrLst>
     <dgm:effectClrLst/>
     <dgm:txLinClrLst/>
@@ -1419,9 +1410,8 @@
     <dgm:fillClrLst meth="repeat">
       <a:schemeClr val="lt1"/>
     </dgm:fillClrLst>
-    <dgm:linClrLst>
-      <a:schemeClr val="accent4"/>
-      <a:schemeClr val="accent5"/>
+    <dgm:linClrLst meth="repeat">
+      <a:schemeClr val="accent1"/>
     </dgm:linClrLst>
     <dgm:effectClrLst/>
     <dgm:txLinClrLst/>
@@ -1434,9 +1424,8 @@
     <dgm:fillClrLst meth="repeat">
       <a:schemeClr val="lt1"/>
     </dgm:fillClrLst>
-    <dgm:linClrLst>
-      <a:schemeClr val="accent4"/>
-      <a:schemeClr val="accent5"/>
+    <dgm:linClrLst meth="repeat">
+      <a:schemeClr val="accent1"/>
     </dgm:linClrLst>
     <dgm:effectClrLst/>
     <dgm:txLinClrLst/>
@@ -1446,24 +1435,16 @@
     <dgm:txEffectClrLst/>
   </dgm:styleLbl>
   <dgm:styleLbl name="fgAccFollowNode1">
-    <dgm:fillClrLst>
-      <a:schemeClr val="accent4">
+    <dgm:fillClrLst meth="repeat">
+      <a:schemeClr val="accent1">
+        <a:alpha val="90000"/>
         <a:tint val="40000"/>
-        <a:alpha val="90000"/>
-      </a:schemeClr>
-      <a:schemeClr val="accent5">
-        <a:tint val="40000"/>
-        <a:alpha val="90000"/>
       </a:schemeClr>
     </dgm:fillClrLst>
-    <dgm:linClrLst>
-      <a:schemeClr val="accent4">
+    <dgm:linClrLst meth="repeat">
+      <a:schemeClr val="accent1">
+        <a:alpha val="90000"/>
         <a:tint val="40000"/>
-        <a:alpha val="90000"/>
-      </a:schemeClr>
-      <a:schemeClr val="accent5">
-        <a:tint val="40000"/>
-        <a:alpha val="90000"/>
       </a:schemeClr>
     </dgm:linClrLst>
     <dgm:effectClrLst/>
@@ -1474,24 +1455,16 @@
     <dgm:txEffectClrLst/>
   </dgm:styleLbl>
   <dgm:styleLbl name="alignAccFollowNode1">
-    <dgm:fillClrLst>
-      <a:schemeClr val="accent4">
+    <dgm:fillClrLst meth="repeat">
+      <a:schemeClr val="accent1">
+        <a:alpha val="90000"/>
         <a:tint val="40000"/>
-        <a:alpha val="90000"/>
-      </a:schemeClr>
-      <a:schemeClr val="accent5">
-        <a:tint val="40000"/>
-        <a:alpha val="90000"/>
       </a:schemeClr>
     </dgm:fillClrLst>
-    <dgm:linClrLst>
-      <a:schemeClr val="accent4">
+    <dgm:linClrLst meth="repeat">
+      <a:schemeClr val="accent1">
+        <a:alpha val="90000"/>
         <a:tint val="40000"/>
-        <a:alpha val="90000"/>
-      </a:schemeClr>
-      <a:schemeClr val="accent5">
-        <a:tint val="40000"/>
-        <a:alpha val="90000"/>
       </a:schemeClr>
     </dgm:linClrLst>
     <dgm:effectClrLst/>
@@ -1502,24 +1475,16 @@
     <dgm:txEffectClrLst/>
   </dgm:styleLbl>
   <dgm:styleLbl name="bgAccFollowNode1">
-    <dgm:fillClrLst>
-      <a:schemeClr val="accent4">
+    <dgm:fillClrLst meth="repeat">
+      <a:schemeClr val="accent1">
+        <a:alpha val="90000"/>
         <a:tint val="40000"/>
-        <a:alpha val="90000"/>
-      </a:schemeClr>
-      <a:schemeClr val="accent5">
-        <a:tint val="40000"/>
-        <a:alpha val="90000"/>
       </a:schemeClr>
     </dgm:fillClrLst>
-    <dgm:linClrLst>
-      <a:schemeClr val="accent4">
+    <dgm:linClrLst meth="repeat">
+      <a:schemeClr val="accent1">
+        <a:alpha val="90000"/>
         <a:tint val="40000"/>
-        <a:alpha val="90000"/>
-      </a:schemeClr>
-      <a:schemeClr val="accent5">
-        <a:tint val="40000"/>
-        <a:alpha val="90000"/>
       </a:schemeClr>
     </dgm:linClrLst>
     <dgm:effectClrLst/>
@@ -1535,55 +1500,7 @@
         <a:alpha val="90000"/>
       </a:schemeClr>
     </dgm:fillClrLst>
-    <dgm:linClrLst>
-      <a:schemeClr val="accent3"/>
-    </dgm:linClrLst>
-    <dgm:effectClrLst/>
-    <dgm:txLinClrLst/>
-    <dgm:txFillClrLst meth="repeat">
-      <a:schemeClr val="dk1"/>
-    </dgm:txFillClrLst>
-    <dgm:txEffectClrLst/>
-  </dgm:styleLbl>
-  <dgm:styleLbl name="fgAcc2">
-    <dgm:fillClrLst meth="repeat">
-      <a:schemeClr val="lt1">
-        <a:alpha val="90000"/>
-      </a:schemeClr>
-    </dgm:fillClrLst>
-    <dgm:linClrLst>
-      <a:schemeClr val="accent5"/>
-    </dgm:linClrLst>
-    <dgm:effectClrLst/>
-    <dgm:txLinClrLst/>
-    <dgm:txFillClrLst meth="repeat">
-      <a:schemeClr val="dk1"/>
-    </dgm:txFillClrLst>
-    <dgm:txEffectClrLst/>
-  </dgm:styleLbl>
-  <dgm:styleLbl name="fgAcc3">
-    <dgm:fillClrLst meth="repeat">
-      <a:schemeClr val="lt1">
-        <a:alpha val="90000"/>
-      </a:schemeClr>
-    </dgm:fillClrLst>
-    <dgm:linClrLst>
-      <a:schemeClr val="accent6"/>
-    </dgm:linClrLst>
-    <dgm:effectClrLst/>
-    <dgm:txLinClrLst/>
-    <dgm:txFillClrLst meth="repeat">
-      <a:schemeClr val="dk1"/>
-    </dgm:txFillClrLst>
-    <dgm:txEffectClrLst/>
-  </dgm:styleLbl>
-  <dgm:styleLbl name="fgAcc4">
-    <dgm:fillClrLst meth="repeat">
-      <a:schemeClr val="lt1">
-        <a:alpha val="90000"/>
-      </a:schemeClr>
-    </dgm:fillClrLst>
-    <dgm:linClrLst>
+    <dgm:linClrLst meth="repeat">
       <a:schemeClr val="accent1"/>
     </dgm:linClrLst>
     <dgm:effectClrLst/>
@@ -1593,14 +1510,14 @@
     </dgm:txFillClrLst>
     <dgm:txEffectClrLst/>
   </dgm:styleLbl>
-  <dgm:styleLbl name="bgShp">
+  <dgm:styleLbl name="fgAcc2">
     <dgm:fillClrLst meth="repeat">
-      <a:schemeClr val="accent4">
-        <a:tint val="40000"/>
+      <a:schemeClr val="lt1">
+        <a:alpha val="90000"/>
       </a:schemeClr>
     </dgm:fillClrLst>
     <dgm:linClrLst meth="repeat">
-      <a:schemeClr val="dk1"/>
+      <a:schemeClr val="accent1"/>
     </dgm:linClrLst>
     <dgm:effectClrLst/>
     <dgm:txLinClrLst/>
@@ -1609,14 +1526,62 @@
     </dgm:txFillClrLst>
     <dgm:txEffectClrLst/>
   </dgm:styleLbl>
-  <dgm:styleLbl name="dkBgShp">
+  <dgm:styleLbl name="fgAcc3">
     <dgm:fillClrLst meth="repeat">
-      <a:schemeClr val="accent4">
-        <a:shade val="90000"/>
+      <a:schemeClr val="lt1">
+        <a:alpha val="90000"/>
       </a:schemeClr>
     </dgm:fillClrLst>
     <dgm:linClrLst meth="repeat">
+      <a:schemeClr val="accent1"/>
+    </dgm:linClrLst>
+    <dgm:effectClrLst/>
+    <dgm:txLinClrLst/>
+    <dgm:txFillClrLst meth="repeat">
       <a:schemeClr val="dk1"/>
+    </dgm:txFillClrLst>
+    <dgm:txEffectClrLst/>
+  </dgm:styleLbl>
+  <dgm:styleLbl name="fgAcc4">
+    <dgm:fillClrLst meth="repeat">
+      <a:schemeClr val="lt1">
+        <a:alpha val="90000"/>
+      </a:schemeClr>
+    </dgm:fillClrLst>
+    <dgm:linClrLst meth="repeat">
+      <a:schemeClr val="accent1"/>
+    </dgm:linClrLst>
+    <dgm:effectClrLst/>
+    <dgm:txLinClrLst/>
+    <dgm:txFillClrLst meth="repeat">
+      <a:schemeClr val="dk1"/>
+    </dgm:txFillClrLst>
+    <dgm:txEffectClrLst/>
+  </dgm:styleLbl>
+  <dgm:styleLbl name="bgShp">
+    <dgm:fillClrLst meth="repeat">
+      <a:schemeClr val="accent1">
+        <a:tint val="40000"/>
+      </a:schemeClr>
+    </dgm:fillClrLst>
+    <dgm:linClrLst meth="repeat">
+      <a:schemeClr val="accent1"/>
+    </dgm:linClrLst>
+    <dgm:effectClrLst/>
+    <dgm:txLinClrLst/>
+    <dgm:txFillClrLst meth="repeat">
+      <a:schemeClr val="dk1"/>
+    </dgm:txFillClrLst>
+    <dgm:txEffectClrLst/>
+  </dgm:styleLbl>
+  <dgm:styleLbl name="dkBgShp">
+    <dgm:fillClrLst meth="repeat">
+      <a:schemeClr val="accent1">
+        <a:shade val="80000"/>
+      </a:schemeClr>
+    </dgm:fillClrLst>
+    <dgm:linClrLst meth="repeat">
+      <a:schemeClr val="accent1"/>
     </dgm:linClrLst>
     <dgm:effectClrLst/>
     <dgm:txLinClrLst/>
@@ -1627,13 +1592,13 @@
   </dgm:styleLbl>
   <dgm:styleLbl name="trBgShp">
     <dgm:fillClrLst meth="repeat">
-      <a:schemeClr val="accent4">
+      <a:schemeClr val="accent1">
         <a:tint val="50000"/>
         <a:alpha val="40000"/>
       </a:schemeClr>
     </dgm:fillClrLst>
     <dgm:linClrLst meth="repeat">
-      <a:schemeClr val="accent4"/>
+      <a:schemeClr val="accent1"/>
     </dgm:linClrLst>
     <dgm:effectClrLst/>
     <dgm:txLinClrLst/>
@@ -1644,8 +1609,8 @@
   </dgm:styleLbl>
   <dgm:styleLbl name="fgShp">
     <dgm:fillClrLst meth="repeat">
-      <a:schemeClr val="accent4">
-        <a:tint val="40000"/>
+      <a:schemeClr val="accent1">
+        <a:tint val="60000"/>
       </a:schemeClr>
     </dgm:fillClrLst>
     <dgm:linClrLst meth="repeat">
@@ -2135,7 +2100,7 @@
 <dgm:dataModel xmlns:dgm="http://schemas.openxmlformats.org/drawingml/2006/diagram" xmlns:a="http://schemas.openxmlformats.org/drawingml/2006/main">
   <dgm:ptLst>
     <dgm:pt modelId="{D0F7897D-62C2-429C-97E7-8838E1CD8C1A}" type="doc">
-      <dgm:prSet loTypeId="urn:microsoft.com/office/officeart/2009/3/layout/StepUpProcess" loCatId="process" qsTypeId="urn:microsoft.com/office/officeart/2005/8/quickstyle/3d3" qsCatId="3D" csTypeId="urn:microsoft.com/office/officeart/2005/8/colors/colorful4" csCatId="colorful" phldr="1"/>
+      <dgm:prSet loTypeId="urn:microsoft.com/office/officeart/2005/8/layout/chevronAccent+Icon" loCatId="process" qsTypeId="urn:microsoft.com/office/officeart/2005/8/quickstyle/3d3" qsCatId="3D" csTypeId="urn:microsoft.com/office/officeart/2005/8/colors/accent1_2" csCatId="accent1" phldr="1"/>
       <dgm:spPr/>
       <dgm:t>
         <a:bodyPr/>
@@ -2147,12 +2112,7 @@
     </dgm:pt>
     <dgm:pt modelId="{A30E1B7A-B276-4AF4-8044-DF6D12002234}">
       <dgm:prSet phldrT="[Text]"/>
-      <dgm:spPr>
-        <a:noFill/>
-        <a:ln w="38100">
-          <a:noFill/>
-        </a:ln>
-      </dgm:spPr>
+      <dgm:spPr/>
       <dgm:t>
         <a:bodyPr/>
         <a:lstStyle/>
@@ -2188,12 +2148,7 @@
     </dgm:pt>
     <dgm:pt modelId="{4AC14AFE-7552-488B-9AFB-8DA019C588F7}">
       <dgm:prSet phldrT="[Text]"/>
-      <dgm:spPr>
-        <a:noFill/>
-        <a:ln w="38100">
-          <a:noFill/>
-        </a:ln>
-      </dgm:spPr>
+      <dgm:spPr/>
       <dgm:t>
         <a:bodyPr/>
         <a:lstStyle/>
@@ -2229,12 +2184,7 @@
     </dgm:pt>
     <dgm:pt modelId="{543D2001-AE54-429E-87AC-3B49D893ED70}">
       <dgm:prSet phldrT="[Text]"/>
-      <dgm:spPr>
-        <a:noFill/>
-        <a:ln w="38100">
-          <a:noFill/>
-        </a:ln>
-      </dgm:spPr>
+      <dgm:spPr/>
       <dgm:t>
         <a:bodyPr/>
         <a:lstStyle/>
@@ -2270,12 +2220,7 @@
     </dgm:pt>
     <dgm:pt modelId="{A97158B2-53F9-41CF-93E3-B3D25FA89B48}">
       <dgm:prSet phldrT="[Text]"/>
-      <dgm:spPr>
-        <a:noFill/>
-        <a:ln w="38100">
-          <a:noFill/>
-        </a:ln>
-      </dgm:spPr>
+      <dgm:spPr/>
       <dgm:t>
         <a:bodyPr/>
         <a:lstStyle/>
@@ -2311,12 +2256,7 @@
     </dgm:pt>
     <dgm:pt modelId="{2BD8A2DE-F7AD-4E86-9161-DA6EA741FB9A}">
       <dgm:prSet phldrT="[Text]"/>
-      <dgm:spPr>
-        <a:noFill/>
-        <a:ln w="38100">
-          <a:noFill/>
-        </a:ln>
-      </dgm:spPr>
+      <dgm:spPr/>
       <dgm:t>
         <a:bodyPr/>
         <a:lstStyle/>
@@ -2352,19 +2292,21 @@
     </dgm:pt>
     <dgm:pt modelId="{FE279E3C-F896-4318-BC71-DC6A09FA110E}">
       <dgm:prSet phldrT="[Text]"/>
-      <dgm:spPr>
-        <a:noFill/>
-        <a:ln w="38100">
-          <a:noFill/>
-        </a:ln>
-      </dgm:spPr>
+      <dgm:spPr/>
       <dgm:t>
         <a:bodyPr/>
         <a:lstStyle/>
         <a:p>
           <a:r>
             <a:rPr lang="en-US" b="1" noProof="0" dirty="0"/>
-            <a:t>Acceptable &amp; publicly available</a:t>
+            <a:t>Acceptable &amp; </a:t>
+          </a:r>
+          <a:br>
+            <a:rPr lang="en-US" b="1" noProof="0" dirty="0"/>
+          </a:br>
+          <a:r>
+            <a:rPr lang="en-US" b="1" noProof="0" dirty="0"/>
+            <a:t>publicly available</a:t>
           </a:r>
         </a:p>
       </dgm:t>
@@ -2393,12 +2335,7 @@
     </dgm:pt>
     <dgm:pt modelId="{AAC7D2A0-D8A3-486E-9E2A-1E747D8B9E31}">
       <dgm:prSet phldrT="[Text]"/>
-      <dgm:spPr>
-        <a:noFill/>
-        <a:ln w="38100">
-          <a:noFill/>
-        </a:ln>
-      </dgm:spPr>
+      <dgm:spPr/>
       <dgm:t>
         <a:bodyPr/>
         <a:lstStyle/>
@@ -2434,12 +2371,7 @@
     </dgm:pt>
     <dgm:pt modelId="{D753EE0B-7F6E-4BE9-9239-10C6E52D6A2D}">
       <dgm:prSet phldrT="[Text]"/>
-      <dgm:spPr>
-        <a:noFill/>
-        <a:ln w="38100">
-          <a:noFill/>
-        </a:ln>
-      </dgm:spPr>
+      <dgm:spPr/>
       <dgm:t>
         <a:bodyPr/>
         <a:lstStyle/>
@@ -2473,120 +2405,102 @@
         </a:p>
       </dgm:t>
     </dgm:pt>
-    <dgm:pt modelId="{84E35A4D-FE83-4829-9474-1EE978234263}" type="pres">
-      <dgm:prSet presAssocID="{D0F7897D-62C2-429C-97E7-8838E1CD8C1A}" presName="rootnode" presStyleCnt="0">
+    <dgm:pt modelId="{5F0F2996-FDE7-4CF2-B0AA-B525AA8D7AC1}" type="pres">
+      <dgm:prSet presAssocID="{D0F7897D-62C2-429C-97E7-8838E1CD8C1A}" presName="Name0" presStyleCnt="0">
         <dgm:presLayoutVars>
-          <dgm:chMax/>
-          <dgm:chPref/>
           <dgm:dir/>
-          <dgm:animLvl val="lvl"/>
+          <dgm:resizeHandles val="exact"/>
         </dgm:presLayoutVars>
       </dgm:prSet>
       <dgm:spPr/>
     </dgm:pt>
-    <dgm:pt modelId="{CC6B9EA6-1AAD-48E1-9EC6-8C23F654C547}" type="pres">
+    <dgm:pt modelId="{D516D4DE-1502-42E0-9CCC-8C7C94A32DAE}" type="pres">
       <dgm:prSet presAssocID="{A30E1B7A-B276-4AF4-8044-DF6D12002234}" presName="composite" presStyleCnt="0"/>
       <dgm:spPr/>
     </dgm:pt>
-    <dgm:pt modelId="{8A51D88B-F66C-4B6A-A1B1-C49C7CBE41D1}" type="pres">
-      <dgm:prSet presAssocID="{A30E1B7A-B276-4AF4-8044-DF6D12002234}" presName="LShape" presStyleLbl="alignNode1" presStyleIdx="0" presStyleCnt="7"/>
-      <dgm:spPr/>
+    <dgm:pt modelId="{250643B1-547E-4380-9D86-11D5AE788706}" type="pres">
+      <dgm:prSet presAssocID="{A30E1B7A-B276-4AF4-8044-DF6D12002234}" presName="bgChev" presStyleLbl="node1" presStyleIdx="0" presStyleCnt="4"/>
+      <dgm:spPr>
+        <a:solidFill>
+          <a:srgbClr val="9966FF"/>
+        </a:solidFill>
+      </dgm:spPr>
     </dgm:pt>
-    <dgm:pt modelId="{08A90178-AFB4-46FB-A82B-8BD014115DC6}" type="pres">
-      <dgm:prSet presAssocID="{A30E1B7A-B276-4AF4-8044-DF6D12002234}" presName="ParentText" presStyleLbl="revTx" presStyleIdx="0" presStyleCnt="4">
+    <dgm:pt modelId="{9486F9C6-A37F-4FC1-9B7C-46EDFB88112D}" type="pres">
+      <dgm:prSet presAssocID="{A30E1B7A-B276-4AF4-8044-DF6D12002234}" presName="txNode" presStyleLbl="fgAcc1" presStyleIdx="0" presStyleCnt="4" custLinFactNeighborX="-9521" custLinFactNeighborY="-9888">
         <dgm:presLayoutVars>
-          <dgm:chMax val="0"/>
-          <dgm:chPref val="0"/>
           <dgm:bulletEnabled val="1"/>
         </dgm:presLayoutVars>
       </dgm:prSet>
       <dgm:spPr/>
     </dgm:pt>
-    <dgm:pt modelId="{D3084B8E-8821-47F9-B32E-60CE9DE55F2C}" type="pres">
-      <dgm:prSet presAssocID="{A30E1B7A-B276-4AF4-8044-DF6D12002234}" presName="Triangle" presStyleLbl="alignNode1" presStyleIdx="1" presStyleCnt="7"/>
+    <dgm:pt modelId="{E8D61B42-76B0-4A6B-AC17-FC5B55AC6CA5}" type="pres">
+      <dgm:prSet presAssocID="{5F319D6C-21E5-483A-B79A-4968EDC9A011}" presName="compositeSpace" presStyleCnt="0"/>
       <dgm:spPr/>
     </dgm:pt>
-    <dgm:pt modelId="{3A7487C4-F247-4F5B-B474-381C4EAB24AD}" type="pres">
-      <dgm:prSet presAssocID="{5F319D6C-21E5-483A-B79A-4968EDC9A011}" presName="sibTrans" presStyleCnt="0"/>
-      <dgm:spPr/>
-    </dgm:pt>
-    <dgm:pt modelId="{6703E5B6-E07C-47F8-8E44-DB5F24650B62}" type="pres">
-      <dgm:prSet presAssocID="{5F319D6C-21E5-483A-B79A-4968EDC9A011}" presName="space" presStyleCnt="0"/>
-      <dgm:spPr/>
-    </dgm:pt>
-    <dgm:pt modelId="{4D054223-760D-4A8A-BEE1-B4C02EED732C}" type="pres">
+    <dgm:pt modelId="{9BF45F68-CBBF-46C8-96B3-FD0E487E9E20}" type="pres">
       <dgm:prSet presAssocID="{2BD8A2DE-F7AD-4E86-9161-DA6EA741FB9A}" presName="composite" presStyleCnt="0"/>
       <dgm:spPr/>
     </dgm:pt>
-    <dgm:pt modelId="{8D313E22-3E10-4EF4-9890-BBD6B9E180CD}" type="pres">
-      <dgm:prSet presAssocID="{2BD8A2DE-F7AD-4E86-9161-DA6EA741FB9A}" presName="LShape" presStyleLbl="alignNode1" presStyleIdx="2" presStyleCnt="7"/>
-      <dgm:spPr/>
+    <dgm:pt modelId="{5DCD1280-1AB2-4B13-93CC-444259117F40}" type="pres">
+      <dgm:prSet presAssocID="{2BD8A2DE-F7AD-4E86-9161-DA6EA741FB9A}" presName="bgChev" presStyleLbl="node1" presStyleIdx="1" presStyleCnt="4"/>
+      <dgm:spPr>
+        <a:solidFill>
+          <a:srgbClr val="9966FF"/>
+        </a:solidFill>
+      </dgm:spPr>
     </dgm:pt>
-    <dgm:pt modelId="{BD3E516C-0E14-490F-9AB8-C1D26C65D6D5}" type="pres">
-      <dgm:prSet presAssocID="{2BD8A2DE-F7AD-4E86-9161-DA6EA741FB9A}" presName="ParentText" presStyleLbl="revTx" presStyleIdx="1" presStyleCnt="4">
+    <dgm:pt modelId="{97C400A3-3A90-4B4C-A498-E0C149F353FC}" type="pres">
+      <dgm:prSet presAssocID="{2BD8A2DE-F7AD-4E86-9161-DA6EA741FB9A}" presName="txNode" presStyleLbl="fgAcc1" presStyleIdx="1" presStyleCnt="4" custLinFactNeighborX="-544" custLinFactNeighborY="-9569">
         <dgm:presLayoutVars>
-          <dgm:chMax val="0"/>
-          <dgm:chPref val="0"/>
           <dgm:bulletEnabled val="1"/>
         </dgm:presLayoutVars>
       </dgm:prSet>
       <dgm:spPr/>
     </dgm:pt>
-    <dgm:pt modelId="{4980D0FC-A1FC-4BF9-A956-92F1A59D3D7C}" type="pres">
-      <dgm:prSet presAssocID="{2BD8A2DE-F7AD-4E86-9161-DA6EA741FB9A}" presName="Triangle" presStyleLbl="alignNode1" presStyleIdx="3" presStyleCnt="7"/>
+    <dgm:pt modelId="{32A36097-4020-4260-8458-0A3723B7DDAB}" type="pres">
+      <dgm:prSet presAssocID="{1E51413B-E3E5-4AA7-952D-389BA90C55E3}" presName="compositeSpace" presStyleCnt="0"/>
       <dgm:spPr/>
     </dgm:pt>
-    <dgm:pt modelId="{F2A3E8AA-0190-4A04-9407-431EBAC0A934}" type="pres">
-      <dgm:prSet presAssocID="{1E51413B-E3E5-4AA7-952D-389BA90C55E3}" presName="sibTrans" presStyleCnt="0"/>
-      <dgm:spPr/>
-    </dgm:pt>
-    <dgm:pt modelId="{A84C9FAA-B102-4635-AF44-0DB2FD53E6EB}" type="pres">
-      <dgm:prSet presAssocID="{1E51413B-E3E5-4AA7-952D-389BA90C55E3}" presName="space" presStyleCnt="0"/>
-      <dgm:spPr/>
-    </dgm:pt>
-    <dgm:pt modelId="{EE6416B7-B90B-41F0-B919-74BCA6E8422F}" type="pres">
+    <dgm:pt modelId="{81DCDDA6-C101-49C7-9EEB-6C54289DB3CD}" type="pres">
       <dgm:prSet presAssocID="{AAC7D2A0-D8A3-486E-9E2A-1E747D8B9E31}" presName="composite" presStyleCnt="0"/>
       <dgm:spPr/>
     </dgm:pt>
-    <dgm:pt modelId="{DD96ABF2-AEA7-40E1-80D9-330BBB0859B8}" type="pres">
-      <dgm:prSet presAssocID="{AAC7D2A0-D8A3-486E-9E2A-1E747D8B9E31}" presName="LShape" presStyleLbl="alignNode1" presStyleIdx="4" presStyleCnt="7"/>
-      <dgm:spPr/>
+    <dgm:pt modelId="{3FA0475D-798D-4A11-8125-14E7CF4B9ED5}" type="pres">
+      <dgm:prSet presAssocID="{AAC7D2A0-D8A3-486E-9E2A-1E747D8B9E31}" presName="bgChev" presStyleLbl="node1" presStyleIdx="2" presStyleCnt="4"/>
+      <dgm:spPr>
+        <a:solidFill>
+          <a:srgbClr val="9966FF"/>
+        </a:solidFill>
+      </dgm:spPr>
     </dgm:pt>
-    <dgm:pt modelId="{235FB1A6-76C9-4277-8911-846335E2E861}" type="pres">
-      <dgm:prSet presAssocID="{AAC7D2A0-D8A3-486E-9E2A-1E747D8B9E31}" presName="ParentText" presStyleLbl="revTx" presStyleIdx="2" presStyleCnt="4">
+    <dgm:pt modelId="{AB23043B-1D50-4241-BB3E-F1A868E93E45}" type="pres">
+      <dgm:prSet presAssocID="{AAC7D2A0-D8A3-486E-9E2A-1E747D8B9E31}" presName="txNode" presStyleLbl="fgAcc1" presStyleIdx="2" presStyleCnt="4" custLinFactNeighborX="-7075" custLinFactNeighborY="-9177">
         <dgm:presLayoutVars>
-          <dgm:chMax val="0"/>
-          <dgm:chPref val="0"/>
           <dgm:bulletEnabled val="1"/>
         </dgm:presLayoutVars>
       </dgm:prSet>
       <dgm:spPr/>
     </dgm:pt>
-    <dgm:pt modelId="{E2FD3C68-0BF8-4776-BBEC-E22F46F247EA}" type="pres">
-      <dgm:prSet presAssocID="{AAC7D2A0-D8A3-486E-9E2A-1E747D8B9E31}" presName="Triangle" presStyleLbl="alignNode1" presStyleIdx="5" presStyleCnt="7"/>
+    <dgm:pt modelId="{1BB872CB-DA61-427D-B077-230A0875183D}" type="pres">
+      <dgm:prSet presAssocID="{10752E10-AA6C-4EC9-8F60-56C7628D4FD1}" presName="compositeSpace" presStyleCnt="0"/>
       <dgm:spPr/>
     </dgm:pt>
-    <dgm:pt modelId="{62609389-C283-4392-8B7D-1E3EC157C167}" type="pres">
-      <dgm:prSet presAssocID="{10752E10-AA6C-4EC9-8F60-56C7628D4FD1}" presName="sibTrans" presStyleCnt="0"/>
-      <dgm:spPr/>
-    </dgm:pt>
-    <dgm:pt modelId="{BE1FBD00-73A8-45F8-800C-93D30F0E1956}" type="pres">
-      <dgm:prSet presAssocID="{10752E10-AA6C-4EC9-8F60-56C7628D4FD1}" presName="space" presStyleCnt="0"/>
-      <dgm:spPr/>
-    </dgm:pt>
-    <dgm:pt modelId="{3FA699A4-0728-4861-93BD-0C9526070D81}" type="pres">
+    <dgm:pt modelId="{FE7940D6-2B7C-445B-A996-3FCD64E4BD64}" type="pres">
       <dgm:prSet presAssocID="{543D2001-AE54-429E-87AC-3B49D893ED70}" presName="composite" presStyleCnt="0"/>
       <dgm:spPr/>
     </dgm:pt>
-    <dgm:pt modelId="{284DBE2B-6146-4670-896D-CB628D57DBEE}" type="pres">
-      <dgm:prSet presAssocID="{543D2001-AE54-429E-87AC-3B49D893ED70}" presName="LShape" presStyleLbl="alignNode1" presStyleIdx="6" presStyleCnt="7"/>
-      <dgm:spPr/>
+    <dgm:pt modelId="{925173C9-A294-4D12-915E-7FE2033FF5C2}" type="pres">
+      <dgm:prSet presAssocID="{543D2001-AE54-429E-87AC-3B49D893ED70}" presName="bgChev" presStyleLbl="node1" presStyleIdx="3" presStyleCnt="4"/>
+      <dgm:spPr>
+        <a:solidFill>
+          <a:srgbClr val="9966FF"/>
+        </a:solidFill>
+      </dgm:spPr>
     </dgm:pt>
-    <dgm:pt modelId="{128EE79A-E379-49D5-8E2E-D27635E9542C}" type="pres">
-      <dgm:prSet presAssocID="{543D2001-AE54-429E-87AC-3B49D893ED70}" presName="ParentText" presStyleLbl="revTx" presStyleIdx="3" presStyleCnt="4">
+    <dgm:pt modelId="{1AFE4E6F-EF44-4D4A-B897-522B74975968}" type="pres">
+      <dgm:prSet presAssocID="{543D2001-AE54-429E-87AC-3B49D893ED70}" presName="txNode" presStyleLbl="fgAcc1" presStyleIdx="3" presStyleCnt="4" custLinFactNeighborX="-18862" custLinFactNeighborY="-9008">
         <dgm:presLayoutVars>
-          <dgm:chMax val="0"/>
-          <dgm:chPref val="0"/>
           <dgm:bulletEnabled val="1"/>
         </dgm:presLayoutVars>
       </dgm:prSet>
@@ -2594,44 +2508,38 @@
     </dgm:pt>
   </dgm:ptLst>
   <dgm:cxnLst>
-    <dgm:cxn modelId="{DFBE4403-1DBF-4065-821C-4E08002D451D}" type="presOf" srcId="{D753EE0B-7F6E-4BE9-9239-10C6E52D6A2D}" destId="{128EE79A-E379-49D5-8E2E-D27635E9542C}" srcOrd="0" destOrd="1" presId="urn:microsoft.com/office/officeart/2009/3/layout/StepUpProcess"/>
-    <dgm:cxn modelId="{F2E3DD1B-12A1-4B90-9A47-3D44A093AA75}" type="presOf" srcId="{A30E1B7A-B276-4AF4-8044-DF6D12002234}" destId="{08A90178-AFB4-46FB-A82B-8BD014115DC6}" srcOrd="0" destOrd="0" presId="urn:microsoft.com/office/officeart/2009/3/layout/StepUpProcess"/>
-    <dgm:cxn modelId="{5AA91B35-8834-43DF-BDEE-A6056F2029AA}" type="presOf" srcId="{4AC14AFE-7552-488B-9AFB-8DA019C588F7}" destId="{235FB1A6-76C9-4277-8911-846335E2E861}" srcOrd="0" destOrd="1" presId="urn:microsoft.com/office/officeart/2009/3/layout/StepUpProcess"/>
-    <dgm:cxn modelId="{D2DD2238-6C4E-4553-991A-44D445AE3D44}" type="presOf" srcId="{543D2001-AE54-429E-87AC-3B49D893ED70}" destId="{128EE79A-E379-49D5-8E2E-D27635E9542C}" srcOrd="0" destOrd="0" presId="urn:microsoft.com/office/officeart/2009/3/layout/StepUpProcess"/>
-    <dgm:cxn modelId="{15334638-A4F5-49C2-8F04-C7DAB3D0B99A}" type="presOf" srcId="{AAC7D2A0-D8A3-486E-9E2A-1E747D8B9E31}" destId="{235FB1A6-76C9-4277-8911-846335E2E861}" srcOrd="0" destOrd="0" presId="urn:microsoft.com/office/officeart/2009/3/layout/StepUpProcess"/>
-    <dgm:cxn modelId="{7F55D33B-50FB-4FBB-A2A2-068CFB31FCAE}" type="presOf" srcId="{FE279E3C-F896-4318-BC71-DC6A09FA110E}" destId="{BD3E516C-0E14-490F-9AB8-C1D26C65D6D5}" srcOrd="0" destOrd="1" presId="urn:microsoft.com/office/officeart/2009/3/layout/StepUpProcess"/>
-    <dgm:cxn modelId="{3B523941-ABC4-4B94-957E-704E9B89F59E}" type="presOf" srcId="{A97158B2-53F9-41CF-93E3-B3D25FA89B48}" destId="{08A90178-AFB4-46FB-A82B-8BD014115DC6}" srcOrd="0" destOrd="1" presId="urn:microsoft.com/office/officeart/2009/3/layout/StepUpProcess"/>
+    <dgm:cxn modelId="{54D48B03-048B-47A4-9C20-6C07ED2F7BB7}" type="presOf" srcId="{D753EE0B-7F6E-4BE9-9239-10C6E52D6A2D}" destId="{1AFE4E6F-EF44-4D4A-B897-522B74975968}" srcOrd="0" destOrd="1" presId="urn:microsoft.com/office/officeart/2005/8/layout/chevronAccent+Icon"/>
+    <dgm:cxn modelId="{314E170E-D987-4853-9A1B-63CEFE70C32B}" type="presOf" srcId="{543D2001-AE54-429E-87AC-3B49D893ED70}" destId="{1AFE4E6F-EF44-4D4A-B897-522B74975968}" srcOrd="0" destOrd="0" presId="urn:microsoft.com/office/officeart/2005/8/layout/chevronAccent+Icon"/>
+    <dgm:cxn modelId="{E97F445D-33D5-4E31-BAB4-AE2589D2B97B}" type="presOf" srcId="{AAC7D2A0-D8A3-486E-9E2A-1E747D8B9E31}" destId="{AB23043B-1D50-4241-BB3E-F1A868E93E45}" srcOrd="0" destOrd="0" presId="urn:microsoft.com/office/officeart/2005/8/layout/chevronAccent+Icon"/>
     <dgm:cxn modelId="{14099342-64EA-4D65-8A5B-A728A6467E47}" srcId="{A30E1B7A-B276-4AF4-8044-DF6D12002234}" destId="{A97158B2-53F9-41CF-93E3-B3D25FA89B48}" srcOrd="0" destOrd="0" parTransId="{3D9246C2-6633-480E-A0B7-FB592AFE4E07}" sibTransId="{482F9DE5-4A5F-4CD7-AC4F-173BCC588644}"/>
-    <dgm:cxn modelId="{462D2775-5268-49C6-A18D-E28CE4D157B2}" type="presOf" srcId="{D0F7897D-62C2-429C-97E7-8838E1CD8C1A}" destId="{84E35A4D-FE83-4829-9474-1EE978234263}" srcOrd="0" destOrd="0" presId="urn:microsoft.com/office/officeart/2009/3/layout/StepUpProcess"/>
+    <dgm:cxn modelId="{A1A1DA73-3FE4-4BD7-94B3-55A5886A967F}" type="presOf" srcId="{D0F7897D-62C2-429C-97E7-8838E1CD8C1A}" destId="{5F0F2996-FDE7-4CF2-B0AA-B525AA8D7AC1}" srcOrd="0" destOrd="0" presId="urn:microsoft.com/office/officeart/2005/8/layout/chevronAccent+Icon"/>
     <dgm:cxn modelId="{1835297B-3116-4BC2-9F5E-60CFFEE42794}" srcId="{D0F7897D-62C2-429C-97E7-8838E1CD8C1A}" destId="{543D2001-AE54-429E-87AC-3B49D893ED70}" srcOrd="3" destOrd="0" parTransId="{858EE5D5-B4FF-4DAE-95F4-52C93AB7A565}" sibTransId="{837D05BB-2F82-46AB-8D90-B8329ADCD9B7}"/>
+    <dgm:cxn modelId="{FAF82089-9266-4A7B-930D-E44C2415F54D}" type="presOf" srcId="{FE279E3C-F896-4318-BC71-DC6A09FA110E}" destId="{97C400A3-3A90-4B4C-A498-E0C149F353FC}" srcOrd="0" destOrd="1" presId="urn:microsoft.com/office/officeart/2005/8/layout/chevronAccent+Icon"/>
+    <dgm:cxn modelId="{CE392D9A-F667-4BD5-8189-6C1E51548337}" type="presOf" srcId="{4AC14AFE-7552-488B-9AFB-8DA019C588F7}" destId="{AB23043B-1D50-4241-BB3E-F1A868E93E45}" srcOrd="0" destOrd="1" presId="urn:microsoft.com/office/officeart/2005/8/layout/chevronAccent+Icon"/>
     <dgm:cxn modelId="{AF5E549D-BC92-4992-A5C3-4ED01A853D75}" srcId="{AAC7D2A0-D8A3-486E-9E2A-1E747D8B9E31}" destId="{4AC14AFE-7552-488B-9AFB-8DA019C588F7}" srcOrd="0" destOrd="0" parTransId="{F82AF530-B1C6-4051-8CC7-F57AC3612FEC}" sibTransId="{9238E296-4761-47BA-84B0-CAA95E16C225}"/>
     <dgm:cxn modelId="{7A0BDDA5-948F-4AEA-A63E-13D2A3B8F42A}" srcId="{D0F7897D-62C2-429C-97E7-8838E1CD8C1A}" destId="{AAC7D2A0-D8A3-486E-9E2A-1E747D8B9E31}" srcOrd="2" destOrd="0" parTransId="{750E23CB-B7DD-4BFE-8955-F2653786E7C8}" sibTransId="{10752E10-AA6C-4EC9-8F60-56C7628D4FD1}"/>
+    <dgm:cxn modelId="{E4E9E3AA-FDB3-4486-A518-7097CFEAFEAF}" type="presOf" srcId="{A97158B2-53F9-41CF-93E3-B3D25FA89B48}" destId="{9486F9C6-A37F-4FC1-9B7C-46EDFB88112D}" srcOrd="0" destOrd="1" presId="urn:microsoft.com/office/officeart/2005/8/layout/chevronAccent+Icon"/>
     <dgm:cxn modelId="{F54632BB-5644-4770-8F38-0D49E1CF98DF}" srcId="{543D2001-AE54-429E-87AC-3B49D893ED70}" destId="{D753EE0B-7F6E-4BE9-9239-10C6E52D6A2D}" srcOrd="0" destOrd="0" parTransId="{DB4753DC-3027-4A3E-8F07-E27F1FA5EF24}" sibTransId="{AA338A12-41D2-4162-97C8-F6F5748F0806}"/>
     <dgm:cxn modelId="{6E9C74D5-BF6B-4990-BB41-FB9357BCAC4C}" srcId="{D0F7897D-62C2-429C-97E7-8838E1CD8C1A}" destId="{2BD8A2DE-F7AD-4E86-9161-DA6EA741FB9A}" srcOrd="1" destOrd="0" parTransId="{3724638A-7B95-46F0-B8E8-412B0D0B6E49}" sibTransId="{1E51413B-E3E5-4AA7-952D-389BA90C55E3}"/>
-    <dgm:cxn modelId="{40BF60E3-CC03-4F6C-AD5D-43CC5025A9CD}" type="presOf" srcId="{2BD8A2DE-F7AD-4E86-9161-DA6EA741FB9A}" destId="{BD3E516C-0E14-490F-9AB8-C1D26C65D6D5}" srcOrd="0" destOrd="0" presId="urn:microsoft.com/office/officeart/2009/3/layout/StepUpProcess"/>
+    <dgm:cxn modelId="{C2825AE3-2CAF-4188-A569-1B6364CA15BD}" type="presOf" srcId="{2BD8A2DE-F7AD-4E86-9161-DA6EA741FB9A}" destId="{97C400A3-3A90-4B4C-A498-E0C149F353FC}" srcOrd="0" destOrd="0" presId="urn:microsoft.com/office/officeart/2005/8/layout/chevronAccent+Icon"/>
     <dgm:cxn modelId="{68FB1AE7-C90E-403B-A100-D3DE843230DD}" srcId="{2BD8A2DE-F7AD-4E86-9161-DA6EA741FB9A}" destId="{FE279E3C-F896-4318-BC71-DC6A09FA110E}" srcOrd="0" destOrd="0" parTransId="{420AB9DF-9B02-4076-A0D5-7EB5BB4E8297}" sibTransId="{35981FBC-C63D-43D4-8F95-7AFC0052D38C}"/>
+    <dgm:cxn modelId="{A5F277ED-F9E3-4347-AD0B-DE078E49EF58}" type="presOf" srcId="{A30E1B7A-B276-4AF4-8044-DF6D12002234}" destId="{9486F9C6-A37F-4FC1-9B7C-46EDFB88112D}" srcOrd="0" destOrd="0" presId="urn:microsoft.com/office/officeart/2005/8/layout/chevronAccent+Icon"/>
     <dgm:cxn modelId="{26268CF3-ACDA-4FF2-9726-40C6D1C71D95}" srcId="{D0F7897D-62C2-429C-97E7-8838E1CD8C1A}" destId="{A30E1B7A-B276-4AF4-8044-DF6D12002234}" srcOrd="0" destOrd="0" parTransId="{BCBF4FA0-4E4F-4AD9-8B02-1ABB6E238BA5}" sibTransId="{5F319D6C-21E5-483A-B79A-4968EDC9A011}"/>
-    <dgm:cxn modelId="{0F838061-675B-4389-9164-B7C16F370A50}" type="presParOf" srcId="{84E35A4D-FE83-4829-9474-1EE978234263}" destId="{CC6B9EA6-1AAD-48E1-9EC6-8C23F654C547}" srcOrd="0" destOrd="0" presId="urn:microsoft.com/office/officeart/2009/3/layout/StepUpProcess"/>
-    <dgm:cxn modelId="{95920E00-5F3C-4D7F-9C95-2526123E6D69}" type="presParOf" srcId="{CC6B9EA6-1AAD-48E1-9EC6-8C23F654C547}" destId="{8A51D88B-F66C-4B6A-A1B1-C49C7CBE41D1}" srcOrd="0" destOrd="0" presId="urn:microsoft.com/office/officeart/2009/3/layout/StepUpProcess"/>
-    <dgm:cxn modelId="{9B3146E9-D95F-44B5-8517-593A4A280F03}" type="presParOf" srcId="{CC6B9EA6-1AAD-48E1-9EC6-8C23F654C547}" destId="{08A90178-AFB4-46FB-A82B-8BD014115DC6}" srcOrd="1" destOrd="0" presId="urn:microsoft.com/office/officeart/2009/3/layout/StepUpProcess"/>
-    <dgm:cxn modelId="{E614512C-E91E-4209-BD38-CBEE77DE8AA3}" type="presParOf" srcId="{CC6B9EA6-1AAD-48E1-9EC6-8C23F654C547}" destId="{D3084B8E-8821-47F9-B32E-60CE9DE55F2C}" srcOrd="2" destOrd="0" presId="urn:microsoft.com/office/officeart/2009/3/layout/StepUpProcess"/>
-    <dgm:cxn modelId="{969BA416-A092-4603-8A82-57D4DF89664A}" type="presParOf" srcId="{84E35A4D-FE83-4829-9474-1EE978234263}" destId="{3A7487C4-F247-4F5B-B474-381C4EAB24AD}" srcOrd="1" destOrd="0" presId="urn:microsoft.com/office/officeart/2009/3/layout/StepUpProcess"/>
-    <dgm:cxn modelId="{829EF620-4C36-43C4-AF12-C62D0924834C}" type="presParOf" srcId="{3A7487C4-F247-4F5B-B474-381C4EAB24AD}" destId="{6703E5B6-E07C-47F8-8E44-DB5F24650B62}" srcOrd="0" destOrd="0" presId="urn:microsoft.com/office/officeart/2009/3/layout/StepUpProcess"/>
-    <dgm:cxn modelId="{DDB09DC5-1ECE-4ACB-A502-54AA55F33C27}" type="presParOf" srcId="{84E35A4D-FE83-4829-9474-1EE978234263}" destId="{4D054223-760D-4A8A-BEE1-B4C02EED732C}" srcOrd="2" destOrd="0" presId="urn:microsoft.com/office/officeart/2009/3/layout/StepUpProcess"/>
-    <dgm:cxn modelId="{CCFE2460-C974-45B8-822B-4A22E20B3EC1}" type="presParOf" srcId="{4D054223-760D-4A8A-BEE1-B4C02EED732C}" destId="{8D313E22-3E10-4EF4-9890-BBD6B9E180CD}" srcOrd="0" destOrd="0" presId="urn:microsoft.com/office/officeart/2009/3/layout/StepUpProcess"/>
-    <dgm:cxn modelId="{D4E9AA6F-8404-40F4-9B74-029317048DE5}" type="presParOf" srcId="{4D054223-760D-4A8A-BEE1-B4C02EED732C}" destId="{BD3E516C-0E14-490F-9AB8-C1D26C65D6D5}" srcOrd="1" destOrd="0" presId="urn:microsoft.com/office/officeart/2009/3/layout/StepUpProcess"/>
-    <dgm:cxn modelId="{715CBFAC-0733-458F-B65E-2388ECA515C5}" type="presParOf" srcId="{4D054223-760D-4A8A-BEE1-B4C02EED732C}" destId="{4980D0FC-A1FC-4BF9-A956-92F1A59D3D7C}" srcOrd="2" destOrd="0" presId="urn:microsoft.com/office/officeart/2009/3/layout/StepUpProcess"/>
-    <dgm:cxn modelId="{B636F7EB-7BD4-4733-94F3-7991AFE8AA0C}" type="presParOf" srcId="{84E35A4D-FE83-4829-9474-1EE978234263}" destId="{F2A3E8AA-0190-4A04-9407-431EBAC0A934}" srcOrd="3" destOrd="0" presId="urn:microsoft.com/office/officeart/2009/3/layout/StepUpProcess"/>
-    <dgm:cxn modelId="{9CDFEE35-8E98-498B-85DB-BAB8CFFE7FF5}" type="presParOf" srcId="{F2A3E8AA-0190-4A04-9407-431EBAC0A934}" destId="{A84C9FAA-B102-4635-AF44-0DB2FD53E6EB}" srcOrd="0" destOrd="0" presId="urn:microsoft.com/office/officeart/2009/3/layout/StepUpProcess"/>
-    <dgm:cxn modelId="{8F563534-2773-424E-BBDB-E65D88C116B2}" type="presParOf" srcId="{84E35A4D-FE83-4829-9474-1EE978234263}" destId="{EE6416B7-B90B-41F0-B919-74BCA6E8422F}" srcOrd="4" destOrd="0" presId="urn:microsoft.com/office/officeart/2009/3/layout/StepUpProcess"/>
-    <dgm:cxn modelId="{573DE89E-905F-4ED6-8F54-74903B5F0C08}" type="presParOf" srcId="{EE6416B7-B90B-41F0-B919-74BCA6E8422F}" destId="{DD96ABF2-AEA7-40E1-80D9-330BBB0859B8}" srcOrd="0" destOrd="0" presId="urn:microsoft.com/office/officeart/2009/3/layout/StepUpProcess"/>
-    <dgm:cxn modelId="{D9ACA597-D946-4AC7-9D03-DBC68540BCF9}" type="presParOf" srcId="{EE6416B7-B90B-41F0-B919-74BCA6E8422F}" destId="{235FB1A6-76C9-4277-8911-846335E2E861}" srcOrd="1" destOrd="0" presId="urn:microsoft.com/office/officeart/2009/3/layout/StepUpProcess"/>
-    <dgm:cxn modelId="{B00373CA-4CC5-4E90-8994-5BFD435D417F}" type="presParOf" srcId="{EE6416B7-B90B-41F0-B919-74BCA6E8422F}" destId="{E2FD3C68-0BF8-4776-BBEC-E22F46F247EA}" srcOrd="2" destOrd="0" presId="urn:microsoft.com/office/officeart/2009/3/layout/StepUpProcess"/>
-    <dgm:cxn modelId="{F50F1E9C-9CD5-48D6-9B70-0883DFEB402B}" type="presParOf" srcId="{84E35A4D-FE83-4829-9474-1EE978234263}" destId="{62609389-C283-4392-8B7D-1E3EC157C167}" srcOrd="5" destOrd="0" presId="urn:microsoft.com/office/officeart/2009/3/layout/StepUpProcess"/>
-    <dgm:cxn modelId="{95071073-663E-4C68-854F-B86CCDEB3150}" type="presParOf" srcId="{62609389-C283-4392-8B7D-1E3EC157C167}" destId="{BE1FBD00-73A8-45F8-800C-93D30F0E1956}" srcOrd="0" destOrd="0" presId="urn:microsoft.com/office/officeart/2009/3/layout/StepUpProcess"/>
-    <dgm:cxn modelId="{F00AF072-C18A-4755-ACD9-E4F54F1AAD84}" type="presParOf" srcId="{84E35A4D-FE83-4829-9474-1EE978234263}" destId="{3FA699A4-0728-4861-93BD-0C9526070D81}" srcOrd="6" destOrd="0" presId="urn:microsoft.com/office/officeart/2009/3/layout/StepUpProcess"/>
-    <dgm:cxn modelId="{A0F34525-81F1-4884-92B5-4BEB0054B408}" type="presParOf" srcId="{3FA699A4-0728-4861-93BD-0C9526070D81}" destId="{284DBE2B-6146-4670-896D-CB628D57DBEE}" srcOrd="0" destOrd="0" presId="urn:microsoft.com/office/officeart/2009/3/layout/StepUpProcess"/>
-    <dgm:cxn modelId="{5972E8A1-4B16-4531-81BB-DA10AF334FE1}" type="presParOf" srcId="{3FA699A4-0728-4861-93BD-0C9526070D81}" destId="{128EE79A-E379-49D5-8E2E-D27635E9542C}" srcOrd="1" destOrd="0" presId="urn:microsoft.com/office/officeart/2009/3/layout/StepUpProcess"/>
+    <dgm:cxn modelId="{617857D3-02EA-4C4F-AD9E-6B3D4CD716AF}" type="presParOf" srcId="{5F0F2996-FDE7-4CF2-B0AA-B525AA8D7AC1}" destId="{D516D4DE-1502-42E0-9CCC-8C7C94A32DAE}" srcOrd="0" destOrd="0" presId="urn:microsoft.com/office/officeart/2005/8/layout/chevronAccent+Icon"/>
+    <dgm:cxn modelId="{0181B894-6F9E-4950-9EC8-49DC3E4AC341}" type="presParOf" srcId="{D516D4DE-1502-42E0-9CCC-8C7C94A32DAE}" destId="{250643B1-547E-4380-9D86-11D5AE788706}" srcOrd="0" destOrd="0" presId="urn:microsoft.com/office/officeart/2005/8/layout/chevronAccent+Icon"/>
+    <dgm:cxn modelId="{D50531FA-852C-43F0-8C2F-6D383E28063B}" type="presParOf" srcId="{D516D4DE-1502-42E0-9CCC-8C7C94A32DAE}" destId="{9486F9C6-A37F-4FC1-9B7C-46EDFB88112D}" srcOrd="1" destOrd="0" presId="urn:microsoft.com/office/officeart/2005/8/layout/chevronAccent+Icon"/>
+    <dgm:cxn modelId="{1FEE13DC-C856-4B5A-B545-2E1400E3453B}" type="presParOf" srcId="{5F0F2996-FDE7-4CF2-B0AA-B525AA8D7AC1}" destId="{E8D61B42-76B0-4A6B-AC17-FC5B55AC6CA5}" srcOrd="1" destOrd="0" presId="urn:microsoft.com/office/officeart/2005/8/layout/chevronAccent+Icon"/>
+    <dgm:cxn modelId="{2B2460A9-5AAA-4170-B611-72AD55D99C28}" type="presParOf" srcId="{5F0F2996-FDE7-4CF2-B0AA-B525AA8D7AC1}" destId="{9BF45F68-CBBF-46C8-96B3-FD0E487E9E20}" srcOrd="2" destOrd="0" presId="urn:microsoft.com/office/officeart/2005/8/layout/chevronAccent+Icon"/>
+    <dgm:cxn modelId="{F8B57AA9-5190-46BC-B0EB-414EE52CF450}" type="presParOf" srcId="{9BF45F68-CBBF-46C8-96B3-FD0E487E9E20}" destId="{5DCD1280-1AB2-4B13-93CC-444259117F40}" srcOrd="0" destOrd="0" presId="urn:microsoft.com/office/officeart/2005/8/layout/chevronAccent+Icon"/>
+    <dgm:cxn modelId="{C5B63321-397B-46F6-9AA2-B89C7B410871}" type="presParOf" srcId="{9BF45F68-CBBF-46C8-96B3-FD0E487E9E20}" destId="{97C400A3-3A90-4B4C-A498-E0C149F353FC}" srcOrd="1" destOrd="0" presId="urn:microsoft.com/office/officeart/2005/8/layout/chevronAccent+Icon"/>
+    <dgm:cxn modelId="{60F794CD-FBEE-405E-94AA-A10A79D07450}" type="presParOf" srcId="{5F0F2996-FDE7-4CF2-B0AA-B525AA8D7AC1}" destId="{32A36097-4020-4260-8458-0A3723B7DDAB}" srcOrd="3" destOrd="0" presId="urn:microsoft.com/office/officeart/2005/8/layout/chevronAccent+Icon"/>
+    <dgm:cxn modelId="{CA7AE214-BDEF-4B2F-9B6C-826C2E8AF4A0}" type="presParOf" srcId="{5F0F2996-FDE7-4CF2-B0AA-B525AA8D7AC1}" destId="{81DCDDA6-C101-49C7-9EEB-6C54289DB3CD}" srcOrd="4" destOrd="0" presId="urn:microsoft.com/office/officeart/2005/8/layout/chevronAccent+Icon"/>
+    <dgm:cxn modelId="{15AC553B-A97B-4369-A49A-7CB8E2BF7E40}" type="presParOf" srcId="{81DCDDA6-C101-49C7-9EEB-6C54289DB3CD}" destId="{3FA0475D-798D-4A11-8125-14E7CF4B9ED5}" srcOrd="0" destOrd="0" presId="urn:microsoft.com/office/officeart/2005/8/layout/chevronAccent+Icon"/>
+    <dgm:cxn modelId="{5CBDDB6A-4D89-4DF4-BEBF-39816C47313B}" type="presParOf" srcId="{81DCDDA6-C101-49C7-9EEB-6C54289DB3CD}" destId="{AB23043B-1D50-4241-BB3E-F1A868E93E45}" srcOrd="1" destOrd="0" presId="urn:microsoft.com/office/officeart/2005/8/layout/chevronAccent+Icon"/>
+    <dgm:cxn modelId="{3B048FAE-87D7-4659-AC99-DB7EF8DFDF75}" type="presParOf" srcId="{5F0F2996-FDE7-4CF2-B0AA-B525AA8D7AC1}" destId="{1BB872CB-DA61-427D-B077-230A0875183D}" srcOrd="5" destOrd="0" presId="urn:microsoft.com/office/officeart/2005/8/layout/chevronAccent+Icon"/>
+    <dgm:cxn modelId="{288FA131-2921-4FD3-8F7E-F64CA096B153}" type="presParOf" srcId="{5F0F2996-FDE7-4CF2-B0AA-B525AA8D7AC1}" destId="{FE7940D6-2B7C-445B-A996-3FCD64E4BD64}" srcOrd="6" destOrd="0" presId="urn:microsoft.com/office/officeart/2005/8/layout/chevronAccent+Icon"/>
+    <dgm:cxn modelId="{7E1352B2-1251-461B-B422-3A81DF6389A9}" type="presParOf" srcId="{FE7940D6-2B7C-445B-A996-3FCD64E4BD64}" destId="{925173C9-A294-4D12-915E-7FE2033FF5C2}" srcOrd="0" destOrd="0" presId="urn:microsoft.com/office/officeart/2005/8/layout/chevronAccent+Icon"/>
+    <dgm:cxn modelId="{DE0C67F1-9ED8-42FC-8869-946DC9D4E6AB}" type="presParOf" srcId="{FE7940D6-2B7C-445B-A996-3FCD64E4BD64}" destId="{1AFE4E6F-EF44-4D4A-B897-522B74975968}" srcOrd="1" destOrd="0" presId="urn:microsoft.com/office/officeart/2005/8/layout/chevronAccent+Icon"/>
   </dgm:cxnLst>
   <dgm:bg>
     <a:noFill/>
@@ -2664,8 +2572,8 @@
       </dsp:nvSpPr>
       <dsp:spPr>
         <a:xfrm>
-          <a:off x="0" y="1638678"/>
-          <a:ext cx="16420110" cy="2184905"/>
+          <a:off x="0" y="1492071"/>
+          <a:ext cx="13589459" cy="1989428"/>
         </a:xfrm>
         <a:prstGeom prst="notchedRightArrow">
           <a:avLst/>
@@ -2716,8 +2624,8 @@
       </dsp:nvSpPr>
       <dsp:spPr>
         <a:xfrm>
-          <a:off x="4058" y="0"/>
-          <a:ext cx="2363196" cy="2184905"/>
+          <a:off x="3359" y="0"/>
+          <a:ext cx="1955807" cy="1989428"/>
         </a:xfrm>
         <a:prstGeom prst="rect">
           <a:avLst/>
@@ -2751,12 +2659,12 @@
         <a:fontRef idx="minor"/>
       </dsp:style>
       <dsp:txBody>
-        <a:bodyPr spcFirstLastPara="0" vert="horz" wrap="square" lIns="248920" tIns="248920" rIns="248920" bIns="248920" numCol="1" spcCol="1270" anchor="b" anchorCtr="0">
+        <a:bodyPr spcFirstLastPara="0" vert="horz" wrap="square" lIns="206248" tIns="206248" rIns="206248" bIns="206248" numCol="1" spcCol="1270" anchor="b" anchorCtr="0">
           <a:noAutofit/>
         </a:bodyPr>
         <a:lstStyle/>
         <a:p>
-          <a:pPr marL="0" lvl="0" indent="0" algn="ctr" defTabSz="1555750">
+          <a:pPr marL="0" lvl="0" indent="0" algn="ctr" defTabSz="1289050">
             <a:lnSpc>
               <a:spcPct val="90000"/>
             </a:lnSpc>
@@ -2769,14 +2677,14 @@
             <a:buNone/>
           </a:pPr>
           <a:r>
-            <a:rPr lang="en-US" sz="3500" b="1" kern="1200" noProof="0" dirty="0"/>
+            <a:rPr lang="en-US" sz="2900" b="1" kern="1200" noProof="0" dirty="0"/>
             <a:t>Finalize Questions</a:t>
           </a:r>
         </a:p>
       </dsp:txBody>
       <dsp:txXfrm>
-        <a:off x="4058" y="0"/>
-        <a:ext cx="2363196" cy="2184905"/>
+        <a:off x="3359" y="0"/>
+        <a:ext cx="1955807" cy="1989428"/>
       </dsp:txXfrm>
     </dsp:sp>
     <dsp:sp modelId="{6460B9C2-0D98-4EFF-909F-50FADDF18C21}">
@@ -2786,8 +2694,8 @@
       </dsp:nvSpPr>
       <dsp:spPr>
         <a:xfrm>
-          <a:off x="912544" y="2458018"/>
-          <a:ext cx="546226" cy="546226"/>
+          <a:off x="732584" y="2238106"/>
+          <a:ext cx="497357" cy="497357"/>
         </a:xfrm>
         <a:prstGeom prst="ellipse">
           <a:avLst/>
@@ -2839,8 +2747,8 @@
       </dsp:nvSpPr>
       <dsp:spPr>
         <a:xfrm>
-          <a:off x="2485415" y="3277357"/>
-          <a:ext cx="2363196" cy="2184905"/>
+          <a:off x="2056956" y="2984142"/>
+          <a:ext cx="1955807" cy="1989428"/>
         </a:xfrm>
         <a:prstGeom prst="rect">
           <a:avLst/>
@@ -2874,12 +2782,12 @@
         <a:fontRef idx="minor"/>
       </dsp:style>
       <dsp:txBody>
-        <a:bodyPr spcFirstLastPara="0" vert="horz" wrap="square" lIns="248920" tIns="248920" rIns="248920" bIns="248920" numCol="1" spcCol="1270" anchor="t" anchorCtr="0">
+        <a:bodyPr spcFirstLastPara="0" vert="horz" wrap="square" lIns="206248" tIns="206248" rIns="206248" bIns="206248" numCol="1" spcCol="1270" anchor="t" anchorCtr="0">
           <a:noAutofit/>
         </a:bodyPr>
         <a:lstStyle/>
         <a:p>
-          <a:pPr marL="0" lvl="0" indent="0" algn="ctr" defTabSz="1555750">
+          <a:pPr marL="0" lvl="0" indent="0" algn="ctr" defTabSz="1289050">
             <a:lnSpc>
               <a:spcPct val="90000"/>
             </a:lnSpc>
@@ -2892,14 +2800,14 @@
             <a:buNone/>
           </a:pPr>
           <a:r>
-            <a:rPr lang="en-US" sz="3500" b="1" kern="1200" noProof="0" dirty="0"/>
+            <a:rPr lang="en-US" sz="2900" b="1" kern="1200" noProof="0" dirty="0"/>
             <a:t>Look Sources</a:t>
           </a:r>
         </a:p>
       </dsp:txBody>
       <dsp:txXfrm>
-        <a:off x="2485415" y="3277357"/>
-        <a:ext cx="2363196" cy="2184905"/>
+        <a:off x="2056956" y="2984142"/>
+        <a:ext cx="1955807" cy="1989428"/>
       </dsp:txXfrm>
     </dsp:sp>
     <dsp:sp modelId="{0F466A33-DF45-4CA9-A225-F7A979FC156E}">
@@ -2909,8 +2817,8 @@
       </dsp:nvSpPr>
       <dsp:spPr>
         <a:xfrm>
-          <a:off x="3393901" y="2458018"/>
-          <a:ext cx="546226" cy="546226"/>
+          <a:off x="2786181" y="2238106"/>
+          <a:ext cx="497357" cy="497357"/>
         </a:xfrm>
         <a:prstGeom prst="ellipse">
           <a:avLst/>
@@ -2962,8 +2870,8 @@
       </dsp:nvSpPr>
       <dsp:spPr>
         <a:xfrm>
-          <a:off x="4966772" y="0"/>
-          <a:ext cx="2363196" cy="2184905"/>
+          <a:off x="4110554" y="0"/>
+          <a:ext cx="1955807" cy="1989428"/>
         </a:xfrm>
         <a:prstGeom prst="rect">
           <a:avLst/>
@@ -2997,12 +2905,12 @@
         <a:fontRef idx="minor"/>
       </dsp:style>
       <dsp:txBody>
-        <a:bodyPr spcFirstLastPara="0" vert="horz" wrap="square" lIns="248920" tIns="248920" rIns="248920" bIns="248920" numCol="1" spcCol="1270" anchor="b" anchorCtr="0">
+        <a:bodyPr spcFirstLastPara="0" vert="horz" wrap="square" lIns="206248" tIns="206248" rIns="206248" bIns="206248" numCol="1" spcCol="1270" anchor="b" anchorCtr="0">
           <a:noAutofit/>
         </a:bodyPr>
         <a:lstStyle/>
         <a:p>
-          <a:pPr marL="0" lvl="0" indent="0" algn="ctr" defTabSz="1555750">
+          <a:pPr marL="0" lvl="0" indent="0" algn="ctr" defTabSz="1289050">
             <a:lnSpc>
               <a:spcPct val="90000"/>
             </a:lnSpc>
@@ -3015,14 +2923,14 @@
             <a:buNone/>
           </a:pPr>
           <a:r>
-            <a:rPr lang="en-US" sz="3500" b="1" kern="1200" noProof="0" dirty="0"/>
+            <a:rPr lang="en-US" sz="2900" b="1" kern="1200" noProof="0" dirty="0"/>
             <a:t>Gather Data</a:t>
           </a:r>
         </a:p>
       </dsp:txBody>
       <dsp:txXfrm>
-        <a:off x="4966772" y="0"/>
-        <a:ext cx="2363196" cy="2184905"/>
+        <a:off x="4110554" y="0"/>
+        <a:ext cx="1955807" cy="1989428"/>
       </dsp:txXfrm>
     </dsp:sp>
     <dsp:sp modelId="{02581AD8-67CD-49C7-8B2C-74B0E7419951}">
@@ -3032,8 +2940,8 @@
       </dsp:nvSpPr>
       <dsp:spPr>
         <a:xfrm>
-          <a:off x="5875257" y="2458018"/>
-          <a:ext cx="546226" cy="546226"/>
+          <a:off x="4839779" y="2238106"/>
+          <a:ext cx="497357" cy="497357"/>
         </a:xfrm>
         <a:prstGeom prst="ellipse">
           <a:avLst/>
@@ -3085,8 +2993,8 @@
       </dsp:nvSpPr>
       <dsp:spPr>
         <a:xfrm>
-          <a:off x="7448129" y="3277357"/>
-          <a:ext cx="2363196" cy="2184905"/>
+          <a:off x="6164151" y="2984142"/>
+          <a:ext cx="1955807" cy="1989428"/>
         </a:xfrm>
         <a:prstGeom prst="rect">
           <a:avLst/>
@@ -3120,12 +3028,12 @@
         <a:fontRef idx="minor"/>
       </dsp:style>
       <dsp:txBody>
-        <a:bodyPr spcFirstLastPara="0" vert="horz" wrap="square" lIns="248920" tIns="248920" rIns="248920" bIns="248920" numCol="1" spcCol="1270" anchor="t" anchorCtr="0">
+        <a:bodyPr spcFirstLastPara="0" vert="horz" wrap="square" lIns="206248" tIns="206248" rIns="206248" bIns="206248" numCol="1" spcCol="1270" anchor="t" anchorCtr="0">
           <a:noAutofit/>
         </a:bodyPr>
         <a:lstStyle/>
         <a:p>
-          <a:pPr marL="0" lvl="0" indent="0" algn="ctr" defTabSz="1555750">
+          <a:pPr marL="0" lvl="0" indent="0" algn="ctr" defTabSz="1289050">
             <a:lnSpc>
               <a:spcPct val="90000"/>
             </a:lnSpc>
@@ -3138,14 +3046,14 @@
             <a:buNone/>
           </a:pPr>
           <a:r>
-            <a:rPr lang="en-US" sz="3500" b="1" kern="1200" noProof="0" dirty="0"/>
+            <a:rPr lang="en-US" sz="2900" b="1" kern="1200" noProof="0" dirty="0"/>
             <a:t>Filter Data</a:t>
           </a:r>
         </a:p>
       </dsp:txBody>
       <dsp:txXfrm>
-        <a:off x="7448129" y="3277357"/>
-        <a:ext cx="2363196" cy="2184905"/>
+        <a:off x="6164151" y="2984142"/>
+        <a:ext cx="1955807" cy="1989428"/>
       </dsp:txXfrm>
     </dsp:sp>
     <dsp:sp modelId="{7E78518F-820A-4816-9DBE-A26CB1A3313B}">
@@ -3155,8 +3063,8 @@
       </dsp:nvSpPr>
       <dsp:spPr>
         <a:xfrm>
-          <a:off x="8356614" y="2458018"/>
-          <a:ext cx="546226" cy="546226"/>
+          <a:off x="6893376" y="2238106"/>
+          <a:ext cx="497357" cy="497357"/>
         </a:xfrm>
         <a:prstGeom prst="ellipse">
           <a:avLst/>
@@ -3208,8 +3116,8 @@
       </dsp:nvSpPr>
       <dsp:spPr>
         <a:xfrm>
-          <a:off x="9929486" y="0"/>
-          <a:ext cx="2363196" cy="2184905"/>
+          <a:off x="8217749" y="0"/>
+          <a:ext cx="1955807" cy="1989428"/>
         </a:xfrm>
         <a:prstGeom prst="rect">
           <a:avLst/>
@@ -3243,12 +3151,12 @@
         <a:fontRef idx="minor"/>
       </dsp:style>
       <dsp:txBody>
-        <a:bodyPr spcFirstLastPara="0" vert="horz" wrap="square" lIns="248920" tIns="248920" rIns="248920" bIns="248920" numCol="1" spcCol="1270" anchor="b" anchorCtr="0">
+        <a:bodyPr spcFirstLastPara="0" vert="horz" wrap="square" lIns="206248" tIns="206248" rIns="206248" bIns="206248" numCol="1" spcCol="1270" anchor="b" anchorCtr="0">
           <a:noAutofit/>
         </a:bodyPr>
         <a:lstStyle/>
         <a:p>
-          <a:pPr marL="0" lvl="0" indent="0" algn="ctr" defTabSz="1555750">
+          <a:pPr marL="0" lvl="0" indent="0" algn="ctr" defTabSz="1289050">
             <a:lnSpc>
               <a:spcPct val="90000"/>
             </a:lnSpc>
@@ -3261,14 +3169,14 @@
             <a:buNone/>
           </a:pPr>
           <a:r>
-            <a:rPr lang="en-US" sz="3500" b="1" kern="1200" noProof="0" dirty="0"/>
+            <a:rPr lang="en-US" sz="2900" b="1" kern="1200" noProof="0" dirty="0"/>
             <a:t>Clean Data</a:t>
           </a:r>
         </a:p>
       </dsp:txBody>
       <dsp:txXfrm>
-        <a:off x="9929486" y="0"/>
-        <a:ext cx="2363196" cy="2184905"/>
+        <a:off x="8217749" y="0"/>
+        <a:ext cx="1955807" cy="1989428"/>
       </dsp:txXfrm>
     </dsp:sp>
     <dsp:sp modelId="{C3EE5465-0136-48D3-9D1D-4F22747BFFA8}">
@@ -3278,8 +3186,8 @@
       </dsp:nvSpPr>
       <dsp:spPr>
         <a:xfrm>
-          <a:off x="10837971" y="2458018"/>
-          <a:ext cx="546226" cy="546226"/>
+          <a:off x="8946974" y="2238106"/>
+          <a:ext cx="497357" cy="497357"/>
         </a:xfrm>
         <a:prstGeom prst="ellipse">
           <a:avLst/>
@@ -3331,8 +3239,8 @@
       </dsp:nvSpPr>
       <dsp:spPr>
         <a:xfrm>
-          <a:off x="12410843" y="3277357"/>
-          <a:ext cx="2363196" cy="2184905"/>
+          <a:off x="10271346" y="2984142"/>
+          <a:ext cx="1955807" cy="1989428"/>
         </a:xfrm>
         <a:prstGeom prst="rect">
           <a:avLst/>
@@ -3366,12 +3274,12 @@
         <a:fontRef idx="minor"/>
       </dsp:style>
       <dsp:txBody>
-        <a:bodyPr spcFirstLastPara="0" vert="horz" wrap="square" lIns="248920" tIns="248920" rIns="248920" bIns="248920" numCol="1" spcCol="1270" anchor="t" anchorCtr="0">
+        <a:bodyPr spcFirstLastPara="0" vert="horz" wrap="square" lIns="206248" tIns="206248" rIns="206248" bIns="206248" numCol="1" spcCol="1270" anchor="t" anchorCtr="0">
           <a:noAutofit/>
         </a:bodyPr>
         <a:lstStyle/>
         <a:p>
-          <a:pPr marL="0" lvl="0" indent="0" algn="ctr" defTabSz="1555750">
+          <a:pPr marL="0" lvl="0" indent="0" algn="ctr" defTabSz="1289050">
             <a:lnSpc>
               <a:spcPct val="90000"/>
             </a:lnSpc>
@@ -3384,14 +3292,14 @@
             <a:buNone/>
           </a:pPr>
           <a:r>
-            <a:rPr lang="en-US" sz="3500" b="1" kern="1200" noProof="0" dirty="0"/>
+            <a:rPr lang="en-US" sz="2900" b="1" kern="1200" noProof="0" dirty="0"/>
             <a:t>Visualize Data</a:t>
           </a:r>
         </a:p>
       </dsp:txBody>
       <dsp:txXfrm>
-        <a:off x="12410843" y="3277357"/>
-        <a:ext cx="2363196" cy="2184905"/>
+        <a:off x="10271346" y="2984142"/>
+        <a:ext cx="1955807" cy="1989428"/>
       </dsp:txXfrm>
     </dsp:sp>
     <dsp:sp modelId="{B6C63920-C8F7-4B79-85CF-B01D2924F739}">
@@ -3401,8 +3309,8 @@
       </dsp:nvSpPr>
       <dsp:spPr>
         <a:xfrm>
-          <a:off x="13319328" y="2458018"/>
-          <a:ext cx="546226" cy="546226"/>
+          <a:off x="11000571" y="2238106"/>
+          <a:ext cx="497357" cy="497357"/>
         </a:xfrm>
         <a:prstGeom prst="ellipse">
           <a:avLst/>
@@ -3459,29 +3367,23 @@
       <dsp:cNvGrpSpPr/>
     </dsp:nvGrpSpPr>
     <dsp:grpSpPr/>
-    <dsp:sp modelId="{8A51D88B-F66C-4B6A-A1B1-C49C7CBE41D1}">
+    <dsp:sp modelId="{250643B1-547E-4380-9D86-11D5AE788706}">
       <dsp:nvSpPr>
         <dsp:cNvPr id="0" name=""/>
         <dsp:cNvSpPr/>
       </dsp:nvSpPr>
       <dsp:spPr>
-        <a:xfrm rot="5400000">
-          <a:off x="1218991" y="2025577"/>
-          <a:ext cx="1958658" cy="3259164"/>
+        <a:xfrm>
+          <a:off x="7045" y="1750367"/>
+          <a:ext cx="3316127" cy="1280025"/>
         </a:xfrm>
-        <a:prstGeom prst="corner">
+        <a:prstGeom prst="chevron">
           <a:avLst>
-            <a:gd name="adj1" fmla="val 16120"/>
-            <a:gd name="adj2" fmla="val 16110"/>
+            <a:gd name="adj" fmla="val 40000"/>
           </a:avLst>
         </a:prstGeom>
         <a:solidFill>
-          <a:schemeClr val="accent4">
-            <a:hueOff val="0"/>
-            <a:satOff val="0"/>
-            <a:lumOff val="0"/>
-            <a:alphaOff val="0"/>
-          </a:schemeClr>
+          <a:srgbClr val="9966FF"/>
         </a:solidFill>
         <a:ln>
           <a:noFill/>
@@ -3515,32 +3417,52 @@
         </a:fontRef>
       </dsp:style>
     </dsp:sp>
-    <dsp:sp modelId="{08A90178-AFB4-46FB-A82B-8BD014115DC6}">
+    <dsp:sp modelId="{9486F9C6-A37F-4FC1-9B7C-46EDFB88112D}">
       <dsp:nvSpPr>
         <dsp:cNvPr id="0" name=""/>
         <dsp:cNvSpPr/>
       </dsp:nvSpPr>
       <dsp:spPr>
         <a:xfrm>
-          <a:off x="892043" y="2999366"/>
-          <a:ext cx="2942392" cy="2579179"/>
+          <a:off x="624731" y="1943805"/>
+          <a:ext cx="2800285" cy="1280025"/>
         </a:xfrm>
-        <a:prstGeom prst="rect">
-          <a:avLst/>
+        <a:prstGeom prst="roundRect">
+          <a:avLst>
+            <a:gd name="adj" fmla="val 10000"/>
+          </a:avLst>
         </a:prstGeom>
-        <a:noFill/>
-        <a:ln w="38100" cap="flat" cmpd="sng" algn="ctr">
+        <a:solidFill>
+          <a:schemeClr val="lt1">
+            <a:alpha val="90000"/>
+            <a:hueOff val="0"/>
+            <a:satOff val="0"/>
+            <a:lumOff val="0"/>
+            <a:alphaOff val="0"/>
+          </a:schemeClr>
+        </a:solidFill>
+        <a:ln>
           <a:noFill/>
-          <a:prstDash val="solid"/>
-          <a:miter lim="800000"/>
         </a:ln>
         <a:effectLst/>
+        <a:scene3d>
+          <a:camera prst="orthographicFront">
+            <a:rot lat="0" lon="0" rev="0"/>
+          </a:camera>
+          <a:lightRig rig="contrasting" dir="t">
+            <a:rot lat="0" lon="0" rev="1200000"/>
+          </a:lightRig>
+        </a:scene3d>
+        <a:sp3d z="300000" contourW="19050" prstMaterial="metal">
+          <a:bevelT w="88900" h="203200"/>
+          <a:bevelB w="165100" h="254000"/>
+        </a:sp3d>
       </dsp:spPr>
       <dsp:style>
-        <a:lnRef idx="1">
+        <a:lnRef idx="0">
           <a:scrgbClr r="0" g="0" b="0"/>
         </a:lnRef>
-        <a:fillRef idx="0">
+        <a:fillRef idx="1">
           <a:scrgbClr r="0" g="0" b="0"/>
         </a:fillRef>
         <a:effectRef idx="0">
@@ -3549,12 +3471,12 @@
         <a:fontRef idx="minor"/>
       </dsp:style>
       <dsp:txBody>
-        <a:bodyPr spcFirstLastPara="0" vert="horz" wrap="square" lIns="133350" tIns="133350" rIns="133350" bIns="133350" numCol="1" spcCol="1270" anchor="t" anchorCtr="0">
+        <a:bodyPr spcFirstLastPara="0" vert="horz" wrap="square" lIns="149352" tIns="149352" rIns="149352" bIns="149352" numCol="1" spcCol="1270" anchor="t" anchorCtr="0">
           <a:noAutofit/>
         </a:bodyPr>
         <a:lstStyle/>
         <a:p>
-          <a:pPr marL="0" lvl="0" indent="0" algn="l" defTabSz="1555750">
+          <a:pPr marL="0" lvl="0" indent="0" algn="l" defTabSz="933450">
             <a:lnSpc>
               <a:spcPct val="90000"/>
             </a:lnSpc>
@@ -3567,12 +3489,12 @@
             <a:buNone/>
           </a:pPr>
           <a:r>
-            <a:rPr lang="en-US" sz="3500" b="1" kern="1200" noProof="0" dirty="0"/>
+            <a:rPr lang="en-US" sz="2100" b="1" kern="1200" noProof="0" dirty="0"/>
             <a:t>Research Questions:</a:t>
           </a:r>
         </a:p>
         <a:p>
-          <a:pPr marL="228600" lvl="1" indent="-228600" algn="l" defTabSz="1200150">
+          <a:pPr marL="171450" lvl="1" indent="-171450" algn="l" defTabSz="711200">
             <a:lnSpc>
               <a:spcPct val="90000"/>
             </a:lnSpc>
@@ -3585,38 +3507,33 @@
             <a:buChar char="•"/>
           </a:pPr>
           <a:r>
-            <a:rPr lang="en-US" sz="2700" b="1" kern="1200" noProof="0" dirty="0"/>
+            <a:rPr lang="en-US" sz="1600" b="1" kern="1200" noProof="0" dirty="0"/>
             <a:t>Suitable for a DS-Project</a:t>
           </a:r>
         </a:p>
       </dsp:txBody>
       <dsp:txXfrm>
-        <a:off x="892043" y="2999366"/>
-        <a:ext cx="2942392" cy="2579179"/>
+        <a:off x="662222" y="1981296"/>
+        <a:ext cx="2725303" cy="1205043"/>
       </dsp:txXfrm>
     </dsp:sp>
-    <dsp:sp modelId="{D3084B8E-8821-47F9-B32E-60CE9DE55F2C}">
+    <dsp:sp modelId="{5DCD1280-1AB2-4B13-93CC-444259117F40}">
       <dsp:nvSpPr>
         <dsp:cNvPr id="0" name=""/>
         <dsp:cNvSpPr/>
       </dsp:nvSpPr>
       <dsp:spPr>
         <a:xfrm>
-          <a:off x="3279266" y="1785634"/>
-          <a:ext cx="555168" cy="555168"/>
+          <a:off x="3794800" y="1750367"/>
+          <a:ext cx="3316127" cy="1280025"/>
         </a:xfrm>
-        <a:prstGeom prst="triangle">
+        <a:prstGeom prst="chevron">
           <a:avLst>
-            <a:gd name="adj" fmla="val 100000"/>
+            <a:gd name="adj" fmla="val 40000"/>
           </a:avLst>
         </a:prstGeom>
         <a:solidFill>
-          <a:schemeClr val="accent4">
-            <a:hueOff val="1633482"/>
-            <a:satOff val="-6796"/>
-            <a:lumOff val="1601"/>
-            <a:alphaOff val="0"/>
-          </a:schemeClr>
+          <a:srgbClr val="9966FF"/>
         </a:solidFill>
         <a:ln>
           <a:noFill/>
@@ -3650,29 +3567,130 @@
         </a:fontRef>
       </dsp:style>
     </dsp:sp>
-    <dsp:sp modelId="{8D313E22-3E10-4EF4-9890-BBD6B9E180CD}">
+    <dsp:sp modelId="{97C400A3-3A90-4B4C-A498-E0C149F353FC}">
       <dsp:nvSpPr>
         <dsp:cNvPr id="0" name=""/>
         <dsp:cNvSpPr/>
       </dsp:nvSpPr>
       <dsp:spPr>
-        <a:xfrm rot="5400000">
-          <a:off x="4821054" y="1134244"/>
-          <a:ext cx="1958658" cy="3259164"/>
+        <a:xfrm>
+          <a:off x="4663867" y="1947888"/>
+          <a:ext cx="2800285" cy="1280025"/>
         </a:xfrm>
-        <a:prstGeom prst="corner">
+        <a:prstGeom prst="roundRect">
           <a:avLst>
-            <a:gd name="adj1" fmla="val 16120"/>
-            <a:gd name="adj2" fmla="val 16110"/>
+            <a:gd name="adj" fmla="val 10000"/>
           </a:avLst>
         </a:prstGeom>
         <a:solidFill>
-          <a:schemeClr val="accent4">
-            <a:hueOff val="3266964"/>
-            <a:satOff val="-13592"/>
-            <a:lumOff val="3203"/>
+          <a:schemeClr val="lt1">
+            <a:alpha val="90000"/>
+            <a:hueOff val="0"/>
+            <a:satOff val="0"/>
+            <a:lumOff val="0"/>
             <a:alphaOff val="0"/>
           </a:schemeClr>
+        </a:solidFill>
+        <a:ln>
+          <a:noFill/>
+        </a:ln>
+        <a:effectLst/>
+        <a:scene3d>
+          <a:camera prst="orthographicFront">
+            <a:rot lat="0" lon="0" rev="0"/>
+          </a:camera>
+          <a:lightRig rig="contrasting" dir="t">
+            <a:rot lat="0" lon="0" rev="1200000"/>
+          </a:lightRig>
+        </a:scene3d>
+        <a:sp3d z="300000" contourW="19050" prstMaterial="metal">
+          <a:bevelT w="88900" h="203200"/>
+          <a:bevelB w="165100" h="254000"/>
+        </a:sp3d>
+      </dsp:spPr>
+      <dsp:style>
+        <a:lnRef idx="0">
+          <a:scrgbClr r="0" g="0" b="0"/>
+        </a:lnRef>
+        <a:fillRef idx="1">
+          <a:scrgbClr r="0" g="0" b="0"/>
+        </a:fillRef>
+        <a:effectRef idx="0">
+          <a:scrgbClr r="0" g="0" b="0"/>
+        </a:effectRef>
+        <a:fontRef idx="minor"/>
+      </dsp:style>
+      <dsp:txBody>
+        <a:bodyPr spcFirstLastPara="0" vert="horz" wrap="square" lIns="149352" tIns="149352" rIns="149352" bIns="149352" numCol="1" spcCol="1270" anchor="t" anchorCtr="0">
+          <a:noAutofit/>
+        </a:bodyPr>
+        <a:lstStyle/>
+        <a:p>
+          <a:pPr marL="0" lvl="0" indent="0" algn="l" defTabSz="933450">
+            <a:lnSpc>
+              <a:spcPct val="90000"/>
+            </a:lnSpc>
+            <a:spcBef>
+              <a:spcPct val="0"/>
+            </a:spcBef>
+            <a:spcAft>
+              <a:spcPct val="35000"/>
+            </a:spcAft>
+            <a:buNone/>
+          </a:pPr>
+          <a:r>
+            <a:rPr lang="en-US" sz="2100" b="1" kern="1200" noProof="0" dirty="0"/>
+            <a:t>Sources:</a:t>
+          </a:r>
+        </a:p>
+        <a:p>
+          <a:pPr marL="171450" lvl="1" indent="-171450" algn="l" defTabSz="711200">
+            <a:lnSpc>
+              <a:spcPct val="90000"/>
+            </a:lnSpc>
+            <a:spcBef>
+              <a:spcPct val="0"/>
+            </a:spcBef>
+            <a:spcAft>
+              <a:spcPct val="15000"/>
+            </a:spcAft>
+            <a:buChar char="•"/>
+          </a:pPr>
+          <a:r>
+            <a:rPr lang="en-US" sz="1600" b="1" kern="1200" noProof="0" dirty="0"/>
+            <a:t>Acceptable &amp; </a:t>
+          </a:r>
+          <a:br>
+            <a:rPr lang="en-US" sz="1600" b="1" kern="1200" noProof="0" dirty="0"/>
+          </a:br>
+          <a:r>
+            <a:rPr lang="en-US" sz="1600" b="1" kern="1200" noProof="0" dirty="0"/>
+            <a:t>publicly available</a:t>
+          </a:r>
+        </a:p>
+      </dsp:txBody>
+      <dsp:txXfrm>
+        <a:off x="4701358" y="1985379"/>
+        <a:ext cx="2725303" cy="1205043"/>
+      </dsp:txXfrm>
+    </dsp:sp>
+    <dsp:sp modelId="{3FA0475D-798D-4A11-8125-14E7CF4B9ED5}">
+      <dsp:nvSpPr>
+        <dsp:cNvPr id="0" name=""/>
+        <dsp:cNvSpPr/>
+      </dsp:nvSpPr>
+      <dsp:spPr>
+        <a:xfrm>
+          <a:off x="7582554" y="1750367"/>
+          <a:ext cx="3316127" cy="1280025"/>
+        </a:xfrm>
+        <a:prstGeom prst="chevron">
+          <a:avLst>
+            <a:gd name="adj" fmla="val 40000"/>
+          </a:avLst>
+        </a:prstGeom>
+        <a:solidFill>
+          <a:srgbClr val="9966FF"/>
         </a:solidFill>
         <a:ln>
           <a:noFill/>
@@ -3706,32 +3724,52 @@
         </a:fontRef>
       </dsp:style>
     </dsp:sp>
-    <dsp:sp modelId="{BD3E516C-0E14-490F-9AB8-C1D26C65D6D5}">
+    <dsp:sp modelId="{AB23043B-1D50-4241-BB3E-F1A868E93E45}">
       <dsp:nvSpPr>
         <dsp:cNvPr id="0" name=""/>
         <dsp:cNvSpPr/>
       </dsp:nvSpPr>
       <dsp:spPr>
         <a:xfrm>
-          <a:off x="4494105" y="2108032"/>
-          <a:ext cx="2942392" cy="2579179"/>
+          <a:off x="8268735" y="1952906"/>
+          <a:ext cx="2800285" cy="1280025"/>
         </a:xfrm>
-        <a:prstGeom prst="rect">
-          <a:avLst/>
+        <a:prstGeom prst="roundRect">
+          <a:avLst>
+            <a:gd name="adj" fmla="val 10000"/>
+          </a:avLst>
         </a:prstGeom>
-        <a:noFill/>
-        <a:ln w="38100" cap="flat" cmpd="sng" algn="ctr">
+        <a:solidFill>
+          <a:schemeClr val="lt1">
+            <a:alpha val="90000"/>
+            <a:hueOff val="0"/>
+            <a:satOff val="0"/>
+            <a:lumOff val="0"/>
+            <a:alphaOff val="0"/>
+          </a:schemeClr>
+        </a:solidFill>
+        <a:ln>
           <a:noFill/>
-          <a:prstDash val="solid"/>
-          <a:miter lim="800000"/>
         </a:ln>
         <a:effectLst/>
+        <a:scene3d>
+          <a:camera prst="orthographicFront">
+            <a:rot lat="0" lon="0" rev="0"/>
+          </a:camera>
+          <a:lightRig rig="contrasting" dir="t">
+            <a:rot lat="0" lon="0" rev="1200000"/>
+          </a:lightRig>
+        </a:scene3d>
+        <a:sp3d z="300000" contourW="19050" prstMaterial="metal">
+          <a:bevelT w="88900" h="203200"/>
+          <a:bevelB w="165100" h="254000"/>
+        </a:sp3d>
       </dsp:spPr>
       <dsp:style>
-        <a:lnRef idx="1">
+        <a:lnRef idx="0">
           <a:scrgbClr r="0" g="0" b="0"/>
         </a:lnRef>
-        <a:fillRef idx="0">
+        <a:fillRef idx="1">
           <a:scrgbClr r="0" g="0" b="0"/>
         </a:fillRef>
         <a:effectRef idx="0">
@@ -3740,12 +3778,12 @@
         <a:fontRef idx="minor"/>
       </dsp:style>
       <dsp:txBody>
-        <a:bodyPr spcFirstLastPara="0" vert="horz" wrap="square" lIns="133350" tIns="133350" rIns="133350" bIns="133350" numCol="1" spcCol="1270" anchor="t" anchorCtr="0">
+        <a:bodyPr spcFirstLastPara="0" vert="horz" wrap="square" lIns="149352" tIns="149352" rIns="149352" bIns="149352" numCol="1" spcCol="1270" anchor="t" anchorCtr="0">
           <a:noAutofit/>
         </a:bodyPr>
         <a:lstStyle/>
         <a:p>
-          <a:pPr marL="0" lvl="0" indent="0" algn="l" defTabSz="1555750">
+          <a:pPr marL="0" lvl="0" indent="0" algn="l" defTabSz="933450">
             <a:lnSpc>
               <a:spcPct val="90000"/>
             </a:lnSpc>
@@ -3758,12 +3796,12 @@
             <a:buNone/>
           </a:pPr>
           <a:r>
-            <a:rPr lang="en-US" sz="3500" b="1" kern="1200" noProof="0" dirty="0"/>
-            <a:t>Sources:</a:t>
+            <a:rPr lang="en-US" sz="2100" b="1" kern="1200" noProof="0" dirty="0"/>
+            <a:t>Data:</a:t>
           </a:r>
         </a:p>
         <a:p>
-          <a:pPr marL="228600" lvl="1" indent="-228600" algn="l" defTabSz="1200150">
+          <a:pPr marL="171450" lvl="1" indent="-171450" algn="l" defTabSz="711200">
             <a:lnSpc>
               <a:spcPct val="90000"/>
             </a:lnSpc>
@@ -3776,38 +3814,33 @@
             <a:buChar char="•"/>
           </a:pPr>
           <a:r>
-            <a:rPr lang="en-US" sz="2700" b="1" kern="1200" noProof="0" dirty="0"/>
-            <a:t>Acceptable &amp; publicly available</a:t>
+            <a:rPr lang="en-US" sz="1600" b="1" kern="1200" noProof="0" dirty="0"/>
+            <a:t>Filter &amp; Clean </a:t>
           </a:r>
         </a:p>
       </dsp:txBody>
       <dsp:txXfrm>
-        <a:off x="4494105" y="2108032"/>
-        <a:ext cx="2942392" cy="2579179"/>
+        <a:off x="8306226" y="1990397"/>
+        <a:ext cx="2725303" cy="1205043"/>
       </dsp:txXfrm>
     </dsp:sp>
-    <dsp:sp modelId="{4980D0FC-A1FC-4BF9-A956-92F1A59D3D7C}">
+    <dsp:sp modelId="{925173C9-A294-4D12-915E-7FE2033FF5C2}">
       <dsp:nvSpPr>
         <dsp:cNvPr id="0" name=""/>
         <dsp:cNvSpPr/>
       </dsp:nvSpPr>
       <dsp:spPr>
         <a:xfrm>
-          <a:off x="6881329" y="894300"/>
-          <a:ext cx="555168" cy="555168"/>
+          <a:off x="11370309" y="1750367"/>
+          <a:ext cx="3316127" cy="1280025"/>
         </a:xfrm>
-        <a:prstGeom prst="triangle">
+        <a:prstGeom prst="chevron">
           <a:avLst>
-            <a:gd name="adj" fmla="val 100000"/>
+            <a:gd name="adj" fmla="val 40000"/>
           </a:avLst>
         </a:prstGeom>
         <a:solidFill>
-          <a:schemeClr val="accent4">
-            <a:hueOff val="4900445"/>
-            <a:satOff val="-20388"/>
-            <a:lumOff val="4804"/>
-            <a:alphaOff val="0"/>
-          </a:schemeClr>
+          <a:srgbClr val="9966FF"/>
         </a:solidFill>
         <a:ln>
           <a:noFill/>
@@ -3841,27 +3874,27 @@
         </a:fontRef>
       </dsp:style>
     </dsp:sp>
-    <dsp:sp modelId="{DD96ABF2-AEA7-40E1-80D9-330BBB0859B8}">
+    <dsp:sp modelId="{1AFE4E6F-EF44-4D4A-B897-522B74975968}">
       <dsp:nvSpPr>
         <dsp:cNvPr id="0" name=""/>
         <dsp:cNvSpPr/>
       </dsp:nvSpPr>
       <dsp:spPr>
-        <a:xfrm rot="5400000">
-          <a:off x="8423117" y="242910"/>
-          <a:ext cx="1958658" cy="3259164"/>
+        <a:xfrm>
+          <a:off x="11726420" y="1955069"/>
+          <a:ext cx="2800285" cy="1280025"/>
         </a:xfrm>
-        <a:prstGeom prst="corner">
+        <a:prstGeom prst="roundRect">
           <a:avLst>
-            <a:gd name="adj1" fmla="val 16120"/>
-            <a:gd name="adj2" fmla="val 16110"/>
+            <a:gd name="adj" fmla="val 10000"/>
           </a:avLst>
         </a:prstGeom>
         <a:solidFill>
-          <a:schemeClr val="accent4">
-            <a:hueOff val="6533927"/>
-            <a:satOff val="-27185"/>
-            <a:lumOff val="6405"/>
+          <a:schemeClr val="lt1">
+            <a:alpha val="90000"/>
+            <a:hueOff val="0"/>
+            <a:satOff val="0"/>
+            <a:lumOff val="0"/>
             <a:alphaOff val="0"/>
           </a:schemeClr>
         </a:solidFill>
@@ -3877,7 +3910,7 @@
             <a:rot lat="0" lon="0" rev="1200000"/>
           </a:lightRig>
         </a:scene3d>
-        <a:sp3d contourW="19050" prstMaterial="metal">
+        <a:sp3d z="300000" contourW="19050" prstMaterial="metal">
           <a:bevelT w="88900" h="203200"/>
           <a:bevelB w="165100" h="254000"/>
         </a:sp3d>
@@ -3889,54 +3922,18 @@
         <a:fillRef idx="1">
           <a:scrgbClr r="0" g="0" b="0"/>
         </a:fillRef>
-        <a:effectRef idx="2">
-          <a:scrgbClr r="0" g="0" b="0"/>
-        </a:effectRef>
-        <a:fontRef idx="minor">
-          <a:schemeClr val="lt1"/>
-        </a:fontRef>
-      </dsp:style>
-    </dsp:sp>
-    <dsp:sp modelId="{235FB1A6-76C9-4277-8911-846335E2E861}">
-      <dsp:nvSpPr>
-        <dsp:cNvPr id="0" name=""/>
-        <dsp:cNvSpPr/>
-      </dsp:nvSpPr>
-      <dsp:spPr>
-        <a:xfrm>
-          <a:off x="8096168" y="1216698"/>
-          <a:ext cx="2942392" cy="2579179"/>
-        </a:xfrm>
-        <a:prstGeom prst="rect">
-          <a:avLst/>
-        </a:prstGeom>
-        <a:noFill/>
-        <a:ln w="38100" cap="flat" cmpd="sng" algn="ctr">
-          <a:noFill/>
-          <a:prstDash val="solid"/>
-          <a:miter lim="800000"/>
-        </a:ln>
-        <a:effectLst/>
-      </dsp:spPr>
-      <dsp:style>
-        <a:lnRef idx="1">
-          <a:scrgbClr r="0" g="0" b="0"/>
-        </a:lnRef>
-        <a:fillRef idx="0">
-          <a:scrgbClr r="0" g="0" b="0"/>
-        </a:fillRef>
         <a:effectRef idx="0">
           <a:scrgbClr r="0" g="0" b="0"/>
         </a:effectRef>
         <a:fontRef idx="minor"/>
       </dsp:style>
       <dsp:txBody>
-        <a:bodyPr spcFirstLastPara="0" vert="horz" wrap="square" lIns="133350" tIns="133350" rIns="133350" bIns="133350" numCol="1" spcCol="1270" anchor="t" anchorCtr="0">
+        <a:bodyPr spcFirstLastPara="0" vert="horz" wrap="square" lIns="149352" tIns="149352" rIns="149352" bIns="149352" numCol="1" spcCol="1270" anchor="t" anchorCtr="0">
           <a:noAutofit/>
         </a:bodyPr>
         <a:lstStyle/>
         <a:p>
-          <a:pPr marL="0" lvl="0" indent="0" algn="l" defTabSz="1555750">
+          <a:pPr marL="0" lvl="0" indent="0" algn="l" defTabSz="933450">
             <a:lnSpc>
               <a:spcPct val="90000"/>
             </a:lnSpc>
@@ -3949,12 +3946,12 @@
             <a:buNone/>
           </a:pPr>
           <a:r>
-            <a:rPr lang="en-US" sz="3500" b="1" kern="1200" noProof="0" dirty="0"/>
-            <a:t>Data:</a:t>
+            <a:rPr lang="en-US" sz="2100" b="1" kern="1200" noProof="0" dirty="0"/>
+            <a:t>Data Visualization:</a:t>
           </a:r>
         </a:p>
         <a:p>
-          <a:pPr marL="228600" lvl="1" indent="-228600" algn="l" defTabSz="1200150">
+          <a:pPr marL="171450" lvl="1" indent="-171450" algn="l" defTabSz="711200">
             <a:lnSpc>
               <a:spcPct val="90000"/>
             </a:lnSpc>
@@ -3967,205 +3964,14 @@
             <a:buChar char="•"/>
           </a:pPr>
           <a:r>
-            <a:rPr lang="en-US" sz="2700" b="1" kern="1200" noProof="0" dirty="0"/>
-            <a:t>Filter &amp; Clean </a:t>
-          </a:r>
-        </a:p>
-      </dsp:txBody>
-      <dsp:txXfrm>
-        <a:off x="8096168" y="1216698"/>
-        <a:ext cx="2942392" cy="2579179"/>
-      </dsp:txXfrm>
-    </dsp:sp>
-    <dsp:sp modelId="{E2FD3C68-0BF8-4776-BBEC-E22F46F247EA}">
-      <dsp:nvSpPr>
-        <dsp:cNvPr id="0" name=""/>
-        <dsp:cNvSpPr/>
-      </dsp:nvSpPr>
-      <dsp:spPr>
-        <a:xfrm>
-          <a:off x="10483391" y="2966"/>
-          <a:ext cx="555168" cy="555168"/>
-        </a:xfrm>
-        <a:prstGeom prst="triangle">
-          <a:avLst>
-            <a:gd name="adj" fmla="val 100000"/>
-          </a:avLst>
-        </a:prstGeom>
-        <a:solidFill>
-          <a:schemeClr val="accent4">
-            <a:hueOff val="8167408"/>
-            <a:satOff val="-33981"/>
-            <a:lumOff val="8007"/>
-            <a:alphaOff val="0"/>
-          </a:schemeClr>
-        </a:solidFill>
-        <a:ln>
-          <a:noFill/>
-        </a:ln>
-        <a:effectLst/>
-        <a:scene3d>
-          <a:camera prst="orthographicFront">
-            <a:rot lat="0" lon="0" rev="0"/>
-          </a:camera>
-          <a:lightRig rig="contrasting" dir="t">
-            <a:rot lat="0" lon="0" rev="1200000"/>
-          </a:lightRig>
-        </a:scene3d>
-        <a:sp3d contourW="19050" prstMaterial="metal">
-          <a:bevelT w="88900" h="203200"/>
-          <a:bevelB w="165100" h="254000"/>
-        </a:sp3d>
-      </dsp:spPr>
-      <dsp:style>
-        <a:lnRef idx="0">
-          <a:scrgbClr r="0" g="0" b="0"/>
-        </a:lnRef>
-        <a:fillRef idx="1">
-          <a:scrgbClr r="0" g="0" b="0"/>
-        </a:fillRef>
-        <a:effectRef idx="2">
-          <a:scrgbClr r="0" g="0" b="0"/>
-        </a:effectRef>
-        <a:fontRef idx="minor">
-          <a:schemeClr val="lt1"/>
-        </a:fontRef>
-      </dsp:style>
-    </dsp:sp>
-    <dsp:sp modelId="{284DBE2B-6146-4670-896D-CB628D57DBEE}">
-      <dsp:nvSpPr>
-        <dsp:cNvPr id="0" name=""/>
-        <dsp:cNvSpPr/>
-      </dsp:nvSpPr>
-      <dsp:spPr>
-        <a:xfrm rot="5400000">
-          <a:off x="12025179" y="-648423"/>
-          <a:ext cx="1958658" cy="3259164"/>
-        </a:xfrm>
-        <a:prstGeom prst="corner">
-          <a:avLst>
-            <a:gd name="adj1" fmla="val 16120"/>
-            <a:gd name="adj2" fmla="val 16110"/>
-          </a:avLst>
-        </a:prstGeom>
-        <a:solidFill>
-          <a:schemeClr val="accent4">
-            <a:hueOff val="9800891"/>
-            <a:satOff val="-40777"/>
-            <a:lumOff val="9608"/>
-            <a:alphaOff val="0"/>
-          </a:schemeClr>
-        </a:solidFill>
-        <a:ln>
-          <a:noFill/>
-        </a:ln>
-        <a:effectLst/>
-        <a:scene3d>
-          <a:camera prst="orthographicFront">
-            <a:rot lat="0" lon="0" rev="0"/>
-          </a:camera>
-          <a:lightRig rig="contrasting" dir="t">
-            <a:rot lat="0" lon="0" rev="1200000"/>
-          </a:lightRig>
-        </a:scene3d>
-        <a:sp3d contourW="19050" prstMaterial="metal">
-          <a:bevelT w="88900" h="203200"/>
-          <a:bevelB w="165100" h="254000"/>
-        </a:sp3d>
-      </dsp:spPr>
-      <dsp:style>
-        <a:lnRef idx="0">
-          <a:scrgbClr r="0" g="0" b="0"/>
-        </a:lnRef>
-        <a:fillRef idx="1">
-          <a:scrgbClr r="0" g="0" b="0"/>
-        </a:fillRef>
-        <a:effectRef idx="2">
-          <a:scrgbClr r="0" g="0" b="0"/>
-        </a:effectRef>
-        <a:fontRef idx="minor">
-          <a:schemeClr val="lt1"/>
-        </a:fontRef>
-      </dsp:style>
-    </dsp:sp>
-    <dsp:sp modelId="{128EE79A-E379-49D5-8E2E-D27635E9542C}">
-      <dsp:nvSpPr>
-        <dsp:cNvPr id="0" name=""/>
-        <dsp:cNvSpPr/>
-      </dsp:nvSpPr>
-      <dsp:spPr>
-        <a:xfrm>
-          <a:off x="11698230" y="325364"/>
-          <a:ext cx="2942392" cy="2579179"/>
-        </a:xfrm>
-        <a:prstGeom prst="rect">
-          <a:avLst/>
-        </a:prstGeom>
-        <a:noFill/>
-        <a:ln w="38100" cap="flat" cmpd="sng" algn="ctr">
-          <a:noFill/>
-          <a:prstDash val="solid"/>
-          <a:miter lim="800000"/>
-        </a:ln>
-        <a:effectLst/>
-      </dsp:spPr>
-      <dsp:style>
-        <a:lnRef idx="1">
-          <a:scrgbClr r="0" g="0" b="0"/>
-        </a:lnRef>
-        <a:fillRef idx="0">
-          <a:scrgbClr r="0" g="0" b="0"/>
-        </a:fillRef>
-        <a:effectRef idx="0">
-          <a:scrgbClr r="0" g="0" b="0"/>
-        </a:effectRef>
-        <a:fontRef idx="minor"/>
-      </dsp:style>
-      <dsp:txBody>
-        <a:bodyPr spcFirstLastPara="0" vert="horz" wrap="square" lIns="133350" tIns="133350" rIns="133350" bIns="133350" numCol="1" spcCol="1270" anchor="t" anchorCtr="0">
-          <a:noAutofit/>
-        </a:bodyPr>
-        <a:lstStyle/>
-        <a:p>
-          <a:pPr marL="0" lvl="0" indent="0" algn="l" defTabSz="1555750">
-            <a:lnSpc>
-              <a:spcPct val="90000"/>
-            </a:lnSpc>
-            <a:spcBef>
-              <a:spcPct val="0"/>
-            </a:spcBef>
-            <a:spcAft>
-              <a:spcPct val="35000"/>
-            </a:spcAft>
-            <a:buNone/>
-          </a:pPr>
-          <a:r>
-            <a:rPr lang="en-US" sz="3500" b="1" kern="1200" noProof="0" dirty="0"/>
-            <a:t>Data Visualization:</a:t>
-          </a:r>
-        </a:p>
-        <a:p>
-          <a:pPr marL="228600" lvl="1" indent="-228600" algn="l" defTabSz="1200150">
-            <a:lnSpc>
-              <a:spcPct val="90000"/>
-            </a:lnSpc>
-            <a:spcBef>
-              <a:spcPct val="0"/>
-            </a:spcBef>
-            <a:spcAft>
-              <a:spcPct val="15000"/>
-            </a:spcAft>
-            <a:buChar char="•"/>
-          </a:pPr>
-          <a:r>
-            <a:rPr lang="en-US" sz="2700" b="1" kern="1200" noProof="0" dirty="0"/>
+            <a:rPr lang="en-US" sz="1600" b="1" kern="1200" noProof="0" dirty="0"/>
             <a:t>Fitting &amp; various diagrams</a:t>
           </a:r>
         </a:p>
       </dsp:txBody>
       <dsp:txXfrm>
-        <a:off x="11698230" y="325364"/>
-        <a:ext cx="2942392" cy="2579179"/>
+        <a:off x="11763911" y="1992560"/>
+        <a:ext cx="2725303" cy="1205043"/>
       </dsp:txXfrm>
     </dsp:sp>
   </dsp:spTree>
@@ -4445,31 +4251,16 @@
 </file>
 
 <file path=ppt/diagrams/layout2.xml><?xml version="1.0" encoding="utf-8"?>
-<dgm:layoutDef xmlns:dgm="http://schemas.openxmlformats.org/drawingml/2006/diagram" xmlns:a="http://schemas.openxmlformats.org/drawingml/2006/main" uniqueId="urn:microsoft.com/office/officeart/2009/3/layout/StepUpProcess">
-  <dgm:title val=""/>
-  <dgm:desc val=""/>
+<dgm:layoutDef xmlns:dgm="http://schemas.openxmlformats.org/drawingml/2006/diagram" xmlns:a="http://schemas.openxmlformats.org/drawingml/2006/main" uniqueId="urn:microsoft.com/office/officeart/2005/8/layout/chevronAccent+Icon">
+  <dgm:title val="Chevron Accent Process"/>
+  <dgm:desc val="Use to show sequential steps in a task, process, or workflow, or to emphasize movement or direction. Works best with minimal Level 1 and Level 2 text."/>
   <dgm:catLst>
-    <dgm:cat type="process" pri="1300"/>
+    <dgm:cat type="process" pri="9500"/>
+    <dgm:cat type="officeonline" pri="2000"/>
   </dgm:catLst>
-  <dgm:sampData>
+  <dgm:sampData useDef="1">
     <dgm:dataModel>
-      <dgm:ptLst>
-        <dgm:pt modelId="0" type="doc"/>
-        <dgm:pt modelId="10">
-          <dgm:prSet phldr="1"/>
-        </dgm:pt>
-        <dgm:pt modelId="20">
-          <dgm:prSet phldr="1"/>
-        </dgm:pt>
-        <dgm:pt modelId="30">
-          <dgm:prSet phldr="1"/>
-        </dgm:pt>
-      </dgm:ptLst>
-      <dgm:cxnLst>
-        <dgm:cxn modelId="60" srcId="0" destId="10" srcOrd="0" destOrd="0"/>
-        <dgm:cxn modelId="70" srcId="0" destId="20" srcOrd="1" destOrd="0"/>
-        <dgm:cxn modelId="80" srcId="0" destId="30" srcOrd="2" destOrd="0"/>
-      </dgm:cxnLst>
+      <dgm:ptLst/>
       <dgm:bg/>
       <dgm:whole/>
     </dgm:dataModel>
@@ -4478,16 +4269,12 @@
     <dgm:dataModel>
       <dgm:ptLst>
         <dgm:pt modelId="0" type="doc"/>
-        <dgm:pt modelId="10">
-          <dgm:prSet phldr="1"/>
-        </dgm:pt>
-        <dgm:pt modelId="20">
-          <dgm:prSet phldr="1"/>
-        </dgm:pt>
+        <dgm:pt modelId="1"/>
+        <dgm:pt modelId="2"/>
       </dgm:ptLst>
       <dgm:cxnLst>
-        <dgm:cxn modelId="60" srcId="0" destId="10" srcOrd="0" destOrd="0"/>
-        <dgm:cxn modelId="70" srcId="0" destId="20" srcOrd="1" destOrd="0"/>
+        <dgm:cxn modelId="4" srcId="0" destId="1" srcOrd="0" destOrd="0"/>
+        <dgm:cxn modelId="5" srcId="0" destId="2" srcOrd="1" destOrd="0"/>
       </dgm:cxnLst>
       <dgm:bg/>
       <dgm:whole/>
@@ -4497,198 +4284,126 @@
     <dgm:dataModel>
       <dgm:ptLst>
         <dgm:pt modelId="0" type="doc"/>
-        <dgm:pt modelId="10">
-          <dgm:prSet phldr="1"/>
-        </dgm:pt>
-        <dgm:pt modelId="20">
-          <dgm:prSet phldr="1"/>
-        </dgm:pt>
-        <dgm:pt modelId="30">
-          <dgm:prSet phldr="1"/>
-        </dgm:pt>
-        <dgm:pt modelId="40">
-          <dgm:prSet phldr="1"/>
-        </dgm:pt>
+        <dgm:pt modelId="1"/>
+        <dgm:pt modelId="2"/>
+        <dgm:pt modelId="3"/>
+        <dgm:pt modelId="4"/>
       </dgm:ptLst>
       <dgm:cxnLst>
-        <dgm:cxn modelId="60" srcId="0" destId="10" srcOrd="0" destOrd="0"/>
-        <dgm:cxn modelId="70" srcId="0" destId="20" srcOrd="1" destOrd="0"/>
-        <dgm:cxn modelId="80" srcId="0" destId="30" srcOrd="2" destOrd="0"/>
-        <dgm:cxn modelId="90" srcId="0" destId="40" srcOrd="3" destOrd="0"/>
+        <dgm:cxn modelId="5" srcId="0" destId="1" srcOrd="0" destOrd="0"/>
+        <dgm:cxn modelId="6" srcId="0" destId="2" srcOrd="1" destOrd="0"/>
+        <dgm:cxn modelId="7" srcId="0" destId="3" srcOrd="2" destOrd="0"/>
+        <dgm:cxn modelId="8" srcId="0" destId="4" srcOrd="3" destOrd="0"/>
       </dgm:cxnLst>
       <dgm:bg/>
       <dgm:whole/>
     </dgm:dataModel>
   </dgm:clrData>
-  <dgm:layoutNode name="rootnode">
+  <dgm:layoutNode name="Name0">
     <dgm:varLst>
-      <dgm:chMax/>
-      <dgm:chPref/>
       <dgm:dir/>
-      <dgm:animLvl val="lvl"/>
+      <dgm:resizeHandles val="exact"/>
     </dgm:varLst>
-    <dgm:choose name="Name0">
-      <dgm:if name="Name1" func="var" arg="dir" op="equ" val="norm">
-        <dgm:alg type="snake">
-          <dgm:param type="grDir" val="bL"/>
-          <dgm:param type="flowDir" val="row"/>
-          <dgm:param type="off" val="off"/>
-          <dgm:param type="bkpt" val="fixed"/>
-          <dgm:param type="bkPtFixedVal" val="1"/>
-        </dgm:alg>
+    <dgm:choose name="Name1">
+      <dgm:if name="Name2" func="var" arg="dir" op="equ" val="norm">
+        <dgm:alg type="lin"/>
       </dgm:if>
-      <dgm:else name="Name2">
-        <dgm:alg type="snake">
-          <dgm:param type="grDir" val="bR"/>
-          <dgm:param type="flowDir" val="row"/>
-          <dgm:param type="off" val="off"/>
-          <dgm:param type="bkpt" val="fixed"/>
-          <dgm:param type="bkPtFixedVal" val="1"/>
+      <dgm:else name="Name3">
+        <dgm:alg type="lin">
+          <dgm:param type="linDir" val="fromR"/>
         </dgm:alg>
       </dgm:else>
     </dgm:choose>
     <dgm:shape xmlns:r="http://schemas.openxmlformats.org/officeDocument/2006/relationships" r:blip="">
       <dgm:adjLst/>
     </dgm:shape>
+    <dgm:presOf/>
     <dgm:constrLst>
-      <dgm:constr type="alignOff" forName="rootnode" val="1"/>
-      <dgm:constr type="primFontSz" for="des" ptType="node" op="equ" val="65"/>
       <dgm:constr type="w" for="ch" forName="composite" refType="w"/>
-      <dgm:constr type="h" for="ch" forName="composite" refType="h"/>
-      <dgm:constr type="sp" refType="h" refFor="ch" refForName="composite" op="equ" fact="-0.765"/>
-      <dgm:constr type="w" for="ch" forName="sibTrans" refType="w" fact="0.103"/>
-      <dgm:constr type="h" for="ch" forName="sibTrans" refType="h" fact="0.103"/>
+      <dgm:constr type="primFontSz" for="des" forName="txNode" op="equ" val="65"/>
+      <dgm:constr type="w" for="ch" forName="compositeSpace" refType="w" refFor="ch" refForName="composite" fact="0.028"/>
     </dgm:constrLst>
-    <dgm:forEach name="nodesForEach" axis="ch" ptType="node">
+    <dgm:ruleLst/>
+    <dgm:forEach name="Name4" axis="ch" ptType="node">
       <dgm:layoutNode name="composite">
-        <dgm:alg type="composite">
-          <dgm:param type="ar" val="0.861"/>
-        </dgm:alg>
+        <dgm:alg type="composite"/>
         <dgm:shape xmlns:r="http://schemas.openxmlformats.org/officeDocument/2006/relationships" r:blip="">
           <dgm:adjLst/>
         </dgm:shape>
-        <dgm:choose name="Name3">
-          <dgm:if name="Name4" func="var" arg="dir" op="equ" val="norm">
+        <dgm:presOf/>
+        <dgm:choose name="Name5">
+          <dgm:if name="Name6" func="var" arg="dir" op="equ" val="norm">
             <dgm:constrLst>
-              <dgm:constr type="l" for="ch" forName="LShape" refType="w" fact="0"/>
-              <dgm:constr type="t" for="ch" forName="LShape" refType="h" fact="0.2347"/>
-              <dgm:constr type="w" for="ch" forName="LShape" refType="w" fact="0.998"/>
-              <dgm:constr type="h" for="ch" forName="LShape" refType="h" fact="0.5164"/>
-              <dgm:constr type="r" for="ch" forName="ParentText" refType="w"/>
-              <dgm:constr type="t" for="ch" forName="ParentText" refType="h" fact="0.32"/>
-              <dgm:constr type="w" for="ch" forName="ParentText" refType="w" fact="0.901"/>
-              <dgm:constr type="h" for="ch" forName="ParentText" refType="h" fact="0.68"/>
-              <dgm:constr type="l" for="ch" forName="Triangle" refType="w" fact="0.83"/>
-              <dgm:constr type="t" for="ch" forName="Triangle" refType="h" fact="0"/>
-              <dgm:constr type="w" for="ch" forName="Triangle" refType="w" fact="0.17"/>
-              <dgm:constr type="h" for="ch" forName="Triangle" refType="w" refFor="ch" refForName="Triangle"/>
+              <dgm:constr type="l" for="ch" forName="bgChev"/>
+              <dgm:constr type="w" for="ch" forName="bgChev" refType="w" fact="0.9"/>
+              <dgm:constr type="t" for="ch" forName="bgChev"/>
+              <dgm:constr type="h" for="ch" forName="bgChev" refType="w" refFor="ch" refForName="bgChev" fact="0.386"/>
+              <dgm:constr type="l" for="ch" forName="txNode" refType="w" fact="0.24"/>
+              <dgm:constr type="w" for="ch" forName="txNode" refType="w" fact="0.76"/>
+              <dgm:constr type="t" for="ch" forName="txNode" refType="h" refFor="ch" refForName="bgChev" fact="0.25"/>
+              <dgm:constr type="h" for="ch" forName="txNode" refType="h" refFor="ch" refForName="bgChev"/>
             </dgm:constrLst>
           </dgm:if>
-          <dgm:else name="Name5">
+          <dgm:else name="Name7">
             <dgm:constrLst>
-              <dgm:constr type="l" for="ch" forName="LShape" refType="w" fact="0.002"/>
-              <dgm:constr type="t" for="ch" forName="LShape" refType="h" fact="0.2347"/>
-              <dgm:constr type="w" for="ch" forName="LShape" refType="w"/>
-              <dgm:constr type="h" for="ch" forName="LShape" refType="h" fact="0.5164"/>
-              <dgm:constr type="l" for="ch" forName="ParentText" refType="w" fact="0"/>
-              <dgm:constr type="t" for="ch" forName="ParentText" refType="h" fact="0.32"/>
-              <dgm:constr type="w" for="ch" forName="ParentText" refType="w" fact="0.902"/>
-              <dgm:constr type="h" for="ch" forName="ParentText" refType="h" fact="0.68"/>
-              <dgm:constr type="l" for="ch" forName="Triangle" refType="w" fact="0"/>
-              <dgm:constr type="t" for="ch" forName="Triangle" refType="h" fact="0"/>
-              <dgm:constr type="w" for="ch" forName="Triangle" refType="w" fact="0.17"/>
-              <dgm:constr type="h" for="ch" forName="Triangle" refType="w" refFor="ch" refForName="Triangle"/>
+              <dgm:constr type="l" for="ch" forName="bgChev" refType="w" fact="0.1"/>
+              <dgm:constr type="w" for="ch" forName="bgChev" refType="w" fact="0.9"/>
+              <dgm:constr type="t" for="ch" forName="bgChev"/>
+              <dgm:constr type="h" for="ch" forName="bgChev" refType="w" refFor="ch" refForName="bgChev" fact="0.386"/>
+              <dgm:constr type="l" for="ch" forName="txNode"/>
+              <dgm:constr type="w" for="ch" forName="txNode" refType="w" fact="0.76"/>
+              <dgm:constr type="t" for="ch" forName="txNode" refType="h" refFor="ch" refForName="bgChev" fact="0.25"/>
+              <dgm:constr type="h" for="ch" forName="txNode" refType="h" refFor="ch" refForName="bgChev"/>
             </dgm:constrLst>
           </dgm:else>
         </dgm:choose>
-        <dgm:layoutNode name="LShape" styleLbl="alignNode1">
+        <dgm:ruleLst/>
+        <dgm:layoutNode name="bgChev" styleLbl="node1">
           <dgm:alg type="sp"/>
-          <dgm:choose name="Name6">
-            <dgm:if name="Name7" func="var" arg="dir" op="equ" val="norm">
-              <dgm:shape xmlns:r="http://schemas.openxmlformats.org/officeDocument/2006/relationships" rot="90" type="corner" r:blip="">
+          <dgm:choose name="Name8">
+            <dgm:if name="Name9" func="var" arg="dir" op="equ" val="norm">
+              <dgm:shape xmlns:r="http://schemas.openxmlformats.org/officeDocument/2006/relationships" type="chevron" r:blip="">
                 <dgm:adjLst>
-                  <dgm:adj idx="1" val="0.1612"/>
-                  <dgm:adj idx="2" val="0.1611"/>
+                  <dgm:adj idx="1" val="0.4"/>
                 </dgm:adjLst>
               </dgm:shape>
             </dgm:if>
-            <dgm:else name="Name8">
-              <dgm:shape xmlns:r="http://schemas.openxmlformats.org/officeDocument/2006/relationships" rot="180" type="corner" r:blip="">
+            <dgm:else name="Name10">
+              <dgm:shape xmlns:r="http://schemas.openxmlformats.org/officeDocument/2006/relationships" rot="180" type="chevron" r:blip="">
                 <dgm:adjLst>
-                  <dgm:adj idx="1" val="0.1612"/>
-                  <dgm:adj idx="2" val="0.1611"/>
+                  <dgm:adj idx="1" val="0.4"/>
                 </dgm:adjLst>
               </dgm:shape>
             </dgm:else>
           </dgm:choose>
           <dgm:presOf/>
+          <dgm:constrLst/>
         </dgm:layoutNode>
-        <dgm:layoutNode name="ParentText" styleLbl="revTx">
+        <dgm:layoutNode name="txNode" styleLbl="fgAcc1">
           <dgm:varLst>
-            <dgm:chMax val="0"/>
-            <dgm:chPref val="0"/>
             <dgm:bulletEnabled val="1"/>
           </dgm:varLst>
-          <dgm:alg type="tx">
-            <dgm:param type="parTxLTRAlign" val="l"/>
-            <dgm:param type="txAnchorVert" val="t"/>
-          </dgm:alg>
-          <dgm:shape xmlns:r="http://schemas.openxmlformats.org/officeDocument/2006/relationships" type="rect" r:blip="">
-            <dgm:adjLst/>
+          <dgm:alg type="tx"/>
+          <dgm:shape xmlns:r="http://schemas.openxmlformats.org/officeDocument/2006/relationships" type="roundRect" r:blip="">
+            <dgm:adjLst>
+              <dgm:adj idx="1" val="0.1"/>
+            </dgm:adjLst>
           </dgm:shape>
           <dgm:presOf axis="desOrSelf" ptType="node"/>
-          <dgm:constrLst>
-            <dgm:constr type="lMarg" refType="primFontSz" fact="0.3"/>
-            <dgm:constr type="rMarg" refType="primFontSz" fact="0.3"/>
-            <dgm:constr type="tMarg" refType="primFontSz" fact="0.3"/>
-            <dgm:constr type="bMarg" refType="primFontSz" fact="0.3"/>
-          </dgm:constrLst>
           <dgm:ruleLst>
             <dgm:rule type="primFontSz" val="5" fact="NaN" max="NaN"/>
           </dgm:ruleLst>
         </dgm:layoutNode>
-        <dgm:choose name="Name9">
-          <dgm:if name="Name10" axis="followSib" ptType="node" func="cnt" op="gte" val="1">
-            <dgm:layoutNode name="Triangle" styleLbl="alignNode1">
-              <dgm:alg type="sp"/>
-              <dgm:choose name="Name11">
-                <dgm:if name="Name12" func="var" arg="dir" op="equ" val="norm">
-                  <dgm:shape xmlns:r="http://schemas.openxmlformats.org/officeDocument/2006/relationships" type="triangle" r:blip="">
-                    <dgm:adjLst>
-                      <dgm:adj idx="1" val="1"/>
-                    </dgm:adjLst>
-                  </dgm:shape>
-                </dgm:if>
-                <dgm:else name="Name13">
-                  <dgm:shape xmlns:r="http://schemas.openxmlformats.org/officeDocument/2006/relationships" rot="90" type="triangle" r:blip="">
-                    <dgm:adjLst>
-                      <dgm:adj idx="1" val="1"/>
-                    </dgm:adjLst>
-                  </dgm:shape>
-                </dgm:else>
-              </dgm:choose>
-              <dgm:presOf/>
-            </dgm:layoutNode>
-          </dgm:if>
-          <dgm:else name="Name14"/>
-        </dgm:choose>
       </dgm:layoutNode>
-      <dgm:forEach name="sibTransForEach" axis="followSib" ptType="sibTrans" cnt="1">
-        <dgm:layoutNode name="sibTrans">
-          <dgm:alg type="composite">
-            <dgm:param type="ar" val="0.861"/>
-          </dgm:alg>
-          <dgm:constrLst>
-            <dgm:constr type="w" for="ch" forName="space" refType="w"/>
-            <dgm:constr type="h" for="ch" forName="space" refType="w"/>
-          </dgm:constrLst>
-          <dgm:layoutNode name="space" styleLbl="alignNode1">
-            <dgm:alg type="sp"/>
-            <dgm:shape xmlns:r="http://schemas.openxmlformats.org/officeDocument/2006/relationships" r:blip="">
-              <dgm:adjLst/>
-            </dgm:shape>
-            <dgm:presOf/>
-          </dgm:layoutNode>
+      <dgm:forEach name="Name11" axis="followSib" ptType="sibTrans" cnt="1">
+        <dgm:layoutNode name="compositeSpace">
+          <dgm:alg type="sp"/>
+          <dgm:shape xmlns:r="http://schemas.openxmlformats.org/officeDocument/2006/relationships" r:blip="">
+            <dgm:adjLst/>
+          </dgm:shape>
+          <dgm:presOf axis="self"/>
+          <dgm:constrLst/>
+          <dgm:ruleLst/>
         </dgm:layoutNode>
       </dgm:forEach>
     </dgm:forEach>
@@ -10676,14 +10391,14 @@
           <p:nvPr>
             <p:extLst>
               <p:ext uri="{D42A27DB-BD31-4B8C-83A1-F6EECF244321}">
-                <p14:modId xmlns:p14="http://schemas.microsoft.com/office/powerpoint/2010/main" val="1591249840"/>
+                <p14:modId xmlns:p14="http://schemas.microsoft.com/office/powerpoint/2010/main" val="955474741"/>
               </p:ext>
             </p:extLst>
           </p:nvPr>
         </p:nvGraphicFramePr>
         <p:xfrm>
-          <a:off x="6923581" y="5938801"/>
-          <a:ext cx="16420110" cy="5462263"/>
+          <a:off x="233696" y="6698286"/>
+          <a:ext cx="13589459" cy="4973571"/>
         </p:xfrm>
         <a:graphic>
           <a:graphicData uri="http://schemas.openxmlformats.org/drawingml/2006/diagram">
@@ -10745,6 +10460,34 @@
           </a:p>
         </p:txBody>
       </p:sp>
+      <p:graphicFrame>
+        <p:nvGraphicFramePr>
+          <p:cNvPr id="6" name="Diagram 5">
+            <a:extLst>
+              <a:ext uri="{FF2B5EF4-FFF2-40B4-BE49-F238E27FC236}">
+                <a16:creationId xmlns:a16="http://schemas.microsoft.com/office/drawing/2014/main" id="{4050A278-8014-E07B-EF0C-F9F35FD557E7}"/>
+              </a:ext>
+            </a:extLst>
+          </p:cNvPr>
+          <p:cNvGraphicFramePr/>
+          <p:nvPr>
+            <p:extLst>
+              <p:ext uri="{D42A27DB-BD31-4B8C-83A1-F6EECF244321}">
+                <p14:modId xmlns:p14="http://schemas.microsoft.com/office/powerpoint/2010/main" val="2738494392"/>
+              </p:ext>
+            </p:extLst>
+          </p:nvPr>
+        </p:nvGraphicFramePr>
+        <p:xfrm>
+          <a:off x="15006895" y="6597167"/>
+          <a:ext cx="15061941" cy="5100767"/>
+        </p:xfrm>
+        <a:graphic>
+          <a:graphicData uri="http://schemas.openxmlformats.org/drawingml/2006/diagram">
+            <dgm:relIds xmlns:dgm="http://schemas.openxmlformats.org/drawingml/2006/diagram" xmlns:r="http://schemas.openxmlformats.org/officeDocument/2006/relationships" r:dm="rId9" r:lo="rId10" r:qs="rId11" r:cs="rId12"/>
+          </a:graphicData>
+        </a:graphic>
+      </p:graphicFrame>
       <p:sp>
         <p:nvSpPr>
           <p:cNvPr id="8" name="TextBox 7">
@@ -10798,7 +10541,7 @@
         </p:nvSpPr>
         <p:spPr>
           <a:xfrm>
-            <a:off x="2815950" y="8011228"/>
+            <a:off x="5803336" y="6547088"/>
             <a:ext cx="3168111" cy="1107996"/>
           </a:xfrm>
           <a:prstGeom prst="rect">
@@ -10819,41 +10562,6 @@
                 </a:solidFill>
               </a:rPr>
               <a:t>Method:</a:t>
-            </a:r>
-          </a:p>
-        </p:txBody>
-      </p:sp>
-      <p:sp>
-        <p:nvSpPr>
-          <p:cNvPr id="27" name="TextBox 26">
-            <a:extLst>
-              <a:ext uri="{FF2B5EF4-FFF2-40B4-BE49-F238E27FC236}">
-                <a16:creationId xmlns:a16="http://schemas.microsoft.com/office/drawing/2014/main" id="{E15F7094-02FE-49E9-92D3-3CCC6B1995F7}"/>
-              </a:ext>
-            </a:extLst>
-          </p:cNvPr>
-          <p:cNvSpPr txBox="1"/>
-          <p:nvPr/>
-        </p:nvSpPr>
-        <p:spPr>
-          <a:xfrm>
-            <a:off x="16175053" y="40327621"/>
-            <a:ext cx="5882508" cy="1446550"/>
-          </a:xfrm>
-          <a:prstGeom prst="rect">
-            <a:avLst/>
-          </a:prstGeom>
-          <a:noFill/>
-        </p:spPr>
-        <p:txBody>
-          <a:bodyPr wrap="none" rtlCol="0">
-            <a:spAutoFit/>
-          </a:bodyPr>
-          <a:lstStyle/>
-          <a:p>
-            <a:r>
-              <a:rPr lang="en-US" sz="8800" noProof="0" dirty="0"/>
-              <a:t>Bibliography</a:t>
             </a:r>
           </a:p>
         </p:txBody>
@@ -10872,8 +10580,8 @@
         </p:nvSpPr>
         <p:spPr>
           <a:xfrm>
-            <a:off x="369581" y="40632223"/>
-            <a:ext cx="21687980" cy="1938992"/>
+            <a:off x="99220" y="39830523"/>
+            <a:ext cx="18341180" cy="2862322"/>
           </a:xfrm>
           <a:prstGeom prst="rect">
             <a:avLst/>
@@ -10886,24 +10594,164 @@
           </a:bodyPr>
           <a:lstStyle/>
           <a:p>
+            <a:pPr marL="857250" indent="-857250">
+              <a:buFont typeface="Arial" panose="020B0604020202020204" pitchFamily="34" charset="0"/>
+              <a:buChar char="•"/>
+            </a:pPr>
             <a:r>
-              <a:rPr lang="en-US" sz="6000" noProof="0" dirty="0"/>
-              <a:t>List the refences of the APIs, resources you used.</a:t>
-            </a:r>
-          </a:p>
-          <a:p>
-            <a:r>
-              <a:rPr lang="en-US" sz="6000" noProof="0" dirty="0"/>
-              <a:t>Add </a:t>
+              <a:rPr lang="en-US" sz="3600" dirty="0">
+                <a:solidFill>
+                  <a:schemeClr val="bg1"/>
+                </a:solidFill>
+                <a:hlinkClick r:id="rId14">
+                  <a:extLst>
+                    <a:ext uri="{A12FA001-AC4F-418D-AE19-62706E023703}">
+                      <ahyp:hlinkClr xmlns:ahyp="http://schemas.microsoft.com/office/drawing/2018/hyperlinkcolor" val="tx"/>
+                    </a:ext>
+                  </a:extLst>
+                </a:hlinkClick>
+              </a:rPr>
+              <a:t>Spotify </a:t>
             </a:r>
             <a:r>
-              <a:rPr lang="en-US" sz="6000" noProof="0" dirty="0" err="1"/>
-              <a:t>Github</a:t>
+              <a:rPr lang="en-US" sz="3600" dirty="0">
+                <a:solidFill>
+                  <a:schemeClr val="bg1"/>
+                </a:solidFill>
+                <a:hlinkClick r:id="rId15">
+                  <a:extLst>
+                    <a:ext uri="{A12FA001-AC4F-418D-AE19-62706E023703}">
+                      <ahyp:hlinkClr xmlns:ahyp="http://schemas.microsoft.com/office/drawing/2018/hyperlinkcolor" val="tx"/>
+                    </a:ext>
+                  </a:extLst>
+                </a:hlinkClick>
+              </a:rPr>
+              <a:t>–</a:t>
             </a:r>
             <a:r>
-              <a:rPr lang="en-US" sz="6000" noProof="0" dirty="0"/>
-              <a:t> link as well. </a:t>
+              <a:rPr lang="en-US" sz="3600" dirty="0">
+                <a:solidFill>
+                  <a:schemeClr val="bg1"/>
+                </a:solidFill>
+                <a:hlinkClick r:id="rId14">
+                  <a:extLst>
+                    <a:ext uri="{A12FA001-AC4F-418D-AE19-62706E023703}">
+                      <ahyp:hlinkClr xmlns:ahyp="http://schemas.microsoft.com/office/drawing/2018/hyperlinkcolor" val="tx"/>
+                    </a:ext>
+                  </a:extLst>
+                </a:hlinkClick>
+              </a:rPr>
+              <a:t> Financials</a:t>
             </a:r>
+            <a:endParaRPr lang="en-US" sz="3600" dirty="0">
+              <a:solidFill>
+                <a:schemeClr val="bg1"/>
+              </a:solidFill>
+            </a:endParaRPr>
+          </a:p>
+          <a:p>
+            <a:pPr marL="857250" indent="-857250">
+              <a:buFont typeface="Arial" panose="020B0604020202020204" pitchFamily="34" charset="0"/>
+              <a:buChar char="•"/>
+            </a:pPr>
+            <a:r>
+              <a:rPr lang="en-GB" sz="3600" dirty="0">
+                <a:solidFill>
+                  <a:schemeClr val="bg1"/>
+                </a:solidFill>
+                <a:hlinkClick r:id="rId16">
+                  <a:extLst>
+                    <a:ext uri="{A12FA001-AC4F-418D-AE19-62706E023703}">
+                      <ahyp:hlinkClr xmlns:ahyp="http://schemas.microsoft.com/office/drawing/2018/hyperlinkcolor" val="tx"/>
+                    </a:ext>
+                  </a:extLst>
+                </a:hlinkClick>
+              </a:rPr>
+              <a:t>Spotify Charts - Spotify Charts are made by fans</a:t>
+            </a:r>
+            <a:endParaRPr lang="en-GB" sz="3600" dirty="0">
+              <a:solidFill>
+                <a:schemeClr val="bg1"/>
+              </a:solidFill>
+            </a:endParaRPr>
+          </a:p>
+          <a:p>
+            <a:pPr marL="857250" indent="-857250">
+              <a:buFont typeface="Arial" panose="020B0604020202020204" pitchFamily="34" charset="0"/>
+              <a:buChar char="•"/>
+            </a:pPr>
+            <a:r>
+              <a:rPr lang="en-GB" sz="3600" dirty="0">
+                <a:solidFill>
+                  <a:schemeClr val="bg1"/>
+                </a:solidFill>
+                <a:hlinkClick r:id="rId17">
+                  <a:extLst>
+                    <a:ext uri="{A12FA001-AC4F-418D-AE19-62706E023703}">
+                      <ahyp:hlinkClr xmlns:ahyp="http://schemas.microsoft.com/office/drawing/2018/hyperlinkcolor" val="tx"/>
+                    </a:ext>
+                  </a:extLst>
+                </a:hlinkClick>
+              </a:rPr>
+              <a:t>Web API | Spotify for Developers</a:t>
+            </a:r>
+            <a:endParaRPr lang="en-GB" sz="3600" dirty="0">
+              <a:solidFill>
+                <a:schemeClr val="bg1"/>
+              </a:solidFill>
+            </a:endParaRPr>
+          </a:p>
+          <a:p>
+            <a:pPr marL="857250" indent="-857250">
+              <a:buFont typeface="Arial" panose="020B0604020202020204" pitchFamily="34" charset="0"/>
+              <a:buChar char="•"/>
+            </a:pPr>
+            <a:r>
+              <a:rPr lang="en-US" sz="3600" dirty="0">
+                <a:solidFill>
+                  <a:schemeClr val="bg1"/>
+                </a:solidFill>
+                <a:hlinkClick r:id="rId18">
+                  <a:extLst>
+                    <a:ext uri="{A12FA001-AC4F-418D-AE19-62706E023703}">
+                      <ahyp:hlinkClr xmlns:ahyp="http://schemas.microsoft.com/office/drawing/2018/hyperlinkcolor" val="tx"/>
+                    </a:ext>
+                  </a:extLst>
+                </a:hlinkClick>
+              </a:rPr>
+              <a:t>Spotify Stats | Users, Revenue &amp; Demographics 2025 | Priori Data</a:t>
+            </a:r>
+            <a:endParaRPr lang="en-GB" sz="3600" dirty="0">
+              <a:solidFill>
+                <a:schemeClr val="bg1"/>
+              </a:solidFill>
+            </a:endParaRPr>
+          </a:p>
+          <a:p>
+            <a:pPr marL="857250" indent="-857250">
+              <a:buFont typeface="Arial" panose="020B0604020202020204" pitchFamily="34" charset="0"/>
+              <a:buChar char="•"/>
+            </a:pPr>
+            <a:r>
+              <a:rPr lang="en-US" sz="3600" dirty="0">
+                <a:solidFill>
+                  <a:schemeClr val="bg1"/>
+                </a:solidFill>
+                <a:hlinkClick r:id="rId15">
+                  <a:extLst>
+                    <a:ext uri="{A12FA001-AC4F-418D-AE19-62706E023703}">
+                      <ahyp:hlinkClr xmlns:ahyp="http://schemas.microsoft.com/office/drawing/2018/hyperlinkcolor" val="tx"/>
+                    </a:ext>
+                  </a:extLst>
+                </a:hlinkClick>
+              </a:rPr>
+              <a:t>AnahitaTehrani/Data-Science-Project</a:t>
+            </a:r>
+            <a:endParaRPr lang="en-US" sz="3600" noProof="0" dirty="0">
+              <a:solidFill>
+                <a:schemeClr val="bg1"/>
+              </a:solidFill>
+            </a:endParaRPr>
           </a:p>
         </p:txBody>
       </p:sp>
@@ -10921,8 +10769,8 @@
         </p:nvSpPr>
         <p:spPr>
           <a:xfrm>
-            <a:off x="25213955" y="39825489"/>
-            <a:ext cx="5053320" cy="2745725"/>
+            <a:off x="25114735" y="39300647"/>
+            <a:ext cx="5053320" cy="3270567"/>
           </a:xfrm>
           <a:prstGeom prst="rect">
             <a:avLst/>
@@ -11078,239 +10926,6 @@
       </p:sp>
       <p:sp>
         <p:nvSpPr>
-          <p:cNvPr id="4" name="TextBox 3">
-            <a:extLst>
-              <a:ext uri="{FF2B5EF4-FFF2-40B4-BE49-F238E27FC236}">
-                <a16:creationId xmlns:a16="http://schemas.microsoft.com/office/drawing/2014/main" id="{59017786-A5BD-FB5C-B943-5FA791CFC9D6}"/>
-              </a:ext>
-            </a:extLst>
-          </p:cNvPr>
-          <p:cNvSpPr txBox="1"/>
-          <p:nvPr/>
-        </p:nvSpPr>
-        <p:spPr>
-          <a:xfrm>
-            <a:off x="42226893" y="12389558"/>
-            <a:ext cx="20170055" cy="7294305"/>
-          </a:xfrm>
-          <a:prstGeom prst="rect">
-            <a:avLst/>
-          </a:prstGeom>
-          <a:noFill/>
-          <a:ln>
-            <a:solidFill>
-              <a:schemeClr val="tx1"/>
-            </a:solidFill>
-          </a:ln>
-        </p:spPr>
-        <p:txBody>
-          <a:bodyPr wrap="square" rtlCol="0">
-            <a:spAutoFit/>
-          </a:bodyPr>
-          <a:lstStyle/>
-          <a:p>
-            <a:pPr marL="342900" indent="-342900" algn="just">
-              <a:buFont typeface="+mj-lt"/>
-              <a:buAutoNum type="arabicPeriod"/>
-            </a:pPr>
-            <a:r>
-              <a:rPr lang="en-US" sz="3600" u="none" strike="noStrike" noProof="0" dirty="0">
-                <a:effectLst/>
-                <a:latin typeface="Roboto" panose="020F0502020204030204" pitchFamily="2" charset="0"/>
-              </a:rPr>
-              <a:t>How many users worldwide use Spotify monthly, and how has this number changed over time?</a:t>
-            </a:r>
-          </a:p>
-          <a:p>
-            <a:pPr marL="342900" indent="-342900" algn="just">
-              <a:buFont typeface="+mj-lt"/>
-              <a:buAutoNum type="arabicPeriod"/>
-            </a:pPr>
-            <a:r>
-              <a:rPr lang="en-US" sz="3600" u="none" strike="noStrike" noProof="0" dirty="0">
-                <a:effectLst/>
-                <a:latin typeface="Arial" panose="020B0604020202020204" pitchFamily="34" charset="0"/>
-              </a:rPr>
-              <a:t>What does the </a:t>
-            </a:r>
-            <a:r>
-              <a:rPr lang="en-US" sz="3600" b="1" u="none" strike="noStrike" noProof="0" dirty="0">
-                <a:solidFill>
-                  <a:schemeClr val="accent4"/>
-                </a:solidFill>
-                <a:effectLst/>
-                <a:latin typeface="Arial" panose="020B0604020202020204" pitchFamily="34" charset="0"/>
-              </a:rPr>
-              <a:t>sentiment analysis </a:t>
-            </a:r>
-            <a:r>
-              <a:rPr lang="en-US" sz="3600" u="none" strike="noStrike" noProof="0" dirty="0">
-                <a:effectLst/>
-                <a:latin typeface="Arial" panose="020B0604020202020204" pitchFamily="34" charset="0"/>
-              </a:rPr>
-              <a:t>of news articles about Spotify reveal about the relationship between media coverage and stock performance?</a:t>
-            </a:r>
-            <a:endParaRPr lang="en-US" sz="3600" noProof="0" dirty="0">
-              <a:latin typeface="Roboto" panose="020F0502020204030204" pitchFamily="2" charset="0"/>
-            </a:endParaRPr>
-          </a:p>
-          <a:p>
-            <a:pPr marL="342900" indent="-342900" algn="just">
-              <a:buFont typeface="+mj-lt"/>
-              <a:buAutoNum type="arabicPeriod"/>
-            </a:pPr>
-            <a:r>
-              <a:rPr lang="en-US" sz="3600" u="none" strike="noStrike" noProof="0" dirty="0">
-                <a:effectLst/>
-                <a:latin typeface="Roboto" panose="02000000000000000000" pitchFamily="2" charset="0"/>
-              </a:rPr>
-              <a:t>Which </a:t>
-            </a:r>
-            <a:r>
-              <a:rPr lang="en-US" sz="3600" b="1" u="none" strike="noStrike" noProof="0" dirty="0">
-                <a:solidFill>
-                  <a:srgbClr val="CC00FF"/>
-                </a:solidFill>
-                <a:effectLst/>
-                <a:latin typeface="Roboto" panose="02000000000000000000" pitchFamily="2" charset="0"/>
-              </a:rPr>
-              <a:t>global regions </a:t>
-            </a:r>
-            <a:r>
-              <a:rPr lang="en-US" sz="3600" u="none" strike="noStrike" noProof="0" dirty="0">
-                <a:effectLst/>
-                <a:latin typeface="Roboto" panose="02000000000000000000" pitchFamily="2" charset="0"/>
-              </a:rPr>
-              <a:t>show the highest Spotify streaming activity, and how has this changed over time?</a:t>
-            </a:r>
-          </a:p>
-          <a:p>
-            <a:pPr marL="342900" indent="-342900" algn="just">
-              <a:buFont typeface="+mj-lt"/>
-              <a:buAutoNum type="arabicPeriod"/>
-            </a:pPr>
-            <a:r>
-              <a:rPr lang="en-US" sz="3600" u="none" strike="noStrike" noProof="0" dirty="0">
-                <a:effectLst/>
-                <a:latin typeface="Roboto" panose="02000000000000000000" pitchFamily="2" charset="0"/>
-              </a:rPr>
-              <a:t>How does the </a:t>
-            </a:r>
-            <a:r>
-              <a:rPr lang="en-US" sz="3600" b="1" u="none" strike="noStrike" noProof="0" dirty="0">
-                <a:solidFill>
-                  <a:srgbClr val="FF3399"/>
-                </a:solidFill>
-                <a:effectLst/>
-                <a:latin typeface="Roboto" panose="02000000000000000000" pitchFamily="2" charset="0"/>
-              </a:rPr>
-              <a:t>ratio</a:t>
-            </a:r>
-            <a:r>
-              <a:rPr lang="en-US" sz="3600" u="none" strike="noStrike" noProof="0" dirty="0">
-                <a:effectLst/>
-                <a:latin typeface="Roboto" panose="02000000000000000000" pitchFamily="2" charset="0"/>
-              </a:rPr>
-              <a:t> of free users (Free with ads) to premium subscribers impact </a:t>
-            </a:r>
-            <a:r>
-              <a:rPr lang="en-US" sz="3600" b="1" u="none" strike="noStrike" noProof="0" dirty="0">
-                <a:solidFill>
-                  <a:srgbClr val="FF3399"/>
-                </a:solidFill>
-                <a:effectLst/>
-                <a:latin typeface="Roboto" panose="02000000000000000000" pitchFamily="2" charset="0"/>
-              </a:rPr>
-              <a:t>Spotify’s revenue</a:t>
-            </a:r>
-            <a:r>
-              <a:rPr lang="en-US" sz="3600" u="none" strike="noStrike" noProof="0" dirty="0">
-                <a:effectLst/>
-                <a:latin typeface="Roboto" panose="02000000000000000000" pitchFamily="2" charset="0"/>
-              </a:rPr>
-              <a:t>?</a:t>
-            </a:r>
-            <a:endParaRPr lang="en-US" sz="3600" noProof="0" dirty="0">
-              <a:latin typeface="Roboto" panose="02000000000000000000" pitchFamily="2" charset="0"/>
-            </a:endParaRPr>
-          </a:p>
-          <a:p>
-            <a:pPr marL="342900" indent="-342900" algn="just">
-              <a:buFont typeface="+mj-lt"/>
-              <a:buAutoNum type="arabicPeriod"/>
-            </a:pPr>
-            <a:r>
-              <a:rPr lang="en-US" sz="3600" u="none" strike="noStrike" noProof="0" dirty="0">
-                <a:effectLst/>
-                <a:latin typeface="Roboto" panose="02000000000000000000" pitchFamily="2" charset="0"/>
-              </a:rPr>
-              <a:t>What demographic factors (e.g., age, gender) influence Spotify’s user base and subscription trends?</a:t>
-            </a:r>
-          </a:p>
-          <a:p>
-            <a:pPr marL="342900" indent="-342900" algn="just">
-              <a:buFont typeface="+mj-lt"/>
-              <a:buAutoNum type="arabicPeriod"/>
-            </a:pPr>
-            <a:r>
-              <a:rPr lang="en-US" sz="3600" u="none" strike="noStrike" noProof="0" dirty="0">
-                <a:effectLst/>
-                <a:latin typeface="Roboto" panose="02000000000000000000" pitchFamily="2" charset="0"/>
-              </a:rPr>
-              <a:t>How do the popular music charts in general compare to the popular Spotify music charts?</a:t>
-            </a:r>
-            <a:endParaRPr lang="en-US" sz="3600" noProof="0" dirty="0">
-              <a:latin typeface="Roboto" panose="02000000000000000000" pitchFamily="2" charset="0"/>
-            </a:endParaRPr>
-          </a:p>
-          <a:p>
-            <a:pPr marL="342900" indent="-342900" algn="just">
-              <a:buFont typeface="+mj-lt"/>
-              <a:buAutoNum type="arabicPeriod"/>
-            </a:pPr>
-            <a:r>
-              <a:rPr lang="en-US" sz="3600" u="none" strike="noStrike" noProof="0" dirty="0">
-                <a:effectLst/>
-                <a:latin typeface="Roboto" panose="02000000000000000000" pitchFamily="2" charset="0"/>
-              </a:rPr>
-              <a:t>How do price changes affect Spotify's growth?</a:t>
-            </a:r>
-          </a:p>
-          <a:p>
-            <a:pPr marL="342900" indent="-342900" algn="just">
-              <a:buFont typeface="+mj-lt"/>
-              <a:buAutoNum type="arabicPeriod"/>
-            </a:pPr>
-            <a:r>
-              <a:rPr lang="en-US" sz="3600" u="none" strike="noStrike" noProof="0" dirty="0">
-                <a:effectLst/>
-                <a:latin typeface="Roboto" panose="02000000000000000000" pitchFamily="2" charset="0"/>
-              </a:rPr>
-              <a:t>Is there a </a:t>
-            </a:r>
-            <a:r>
-              <a:rPr lang="en-US" sz="3600" b="1" u="none" strike="noStrike" noProof="0" dirty="0">
-                <a:solidFill>
-                  <a:srgbClr val="0033CC"/>
-                </a:solidFill>
-                <a:effectLst/>
-                <a:latin typeface="Roboto" panose="02000000000000000000" pitchFamily="2" charset="0"/>
-              </a:rPr>
-              <a:t>tendency</a:t>
-            </a:r>
-            <a:r>
-              <a:rPr lang="en-US" sz="3600" u="none" strike="noStrike" noProof="0" dirty="0">
-                <a:effectLst/>
-                <a:latin typeface="Roboto" panose="02000000000000000000" pitchFamily="2" charset="0"/>
-              </a:rPr>
-              <a:t> for popular tracks (Track Table) to appear more frequently in playlists (Playlist-Track Table)?</a:t>
-            </a:r>
-            <a:endParaRPr lang="en-US" sz="3600" noProof="0" dirty="0"/>
-          </a:p>
-        </p:txBody>
-      </p:sp>
-      <p:sp>
-        <p:nvSpPr>
           <p:cNvPr id="5" name="TextBox 4">
             <a:extLst>
               <a:ext uri="{FF2B5EF4-FFF2-40B4-BE49-F238E27FC236}">
@@ -11323,7 +10938,7 @@
         </p:nvSpPr>
         <p:spPr>
           <a:xfrm>
-            <a:off x="32776620" y="6154396"/>
+            <a:off x="16528601" y="6528922"/>
             <a:ext cx="4111382" cy="1107996"/>
           </a:xfrm>
           <a:prstGeom prst="rect">
@@ -11348,34 +10963,6 @@
           </a:p>
         </p:txBody>
       </p:sp>
-      <p:graphicFrame>
-        <p:nvGraphicFramePr>
-          <p:cNvPr id="6" name="Diagram 5">
-            <a:extLst>
-              <a:ext uri="{FF2B5EF4-FFF2-40B4-BE49-F238E27FC236}">
-                <a16:creationId xmlns:a16="http://schemas.microsoft.com/office/drawing/2014/main" id="{4050A278-8014-E07B-EF0C-F9F35FD557E7}"/>
-              </a:ext>
-            </a:extLst>
-          </p:cNvPr>
-          <p:cNvGraphicFramePr/>
-          <p:nvPr>
-            <p:extLst>
-              <p:ext uri="{D42A27DB-BD31-4B8C-83A1-F6EECF244321}">
-                <p14:modId xmlns:p14="http://schemas.microsoft.com/office/powerpoint/2010/main" val="3844824289"/>
-              </p:ext>
-            </p:extLst>
-          </p:nvPr>
-        </p:nvGraphicFramePr>
-        <p:xfrm>
-          <a:off x="30750858" y="5935958"/>
-          <a:ext cx="15209362" cy="5580374"/>
-        </p:xfrm>
-        <a:graphic>
-          <a:graphicData uri="http://schemas.openxmlformats.org/drawingml/2006/diagram">
-            <dgm:relIds xmlns:dgm="http://schemas.openxmlformats.org/drawingml/2006/diagram" xmlns:r="http://schemas.openxmlformats.org/officeDocument/2006/relationships" r:dm="rId9" r:lo="rId10" r:qs="rId11" r:cs="rId12"/>
-          </a:graphicData>
-        </a:graphic>
-      </p:graphicFrame>
       <p:pic>
         <p:nvPicPr>
           <p:cNvPr id="12" name="Picture 11" descr="A diagram of a graph">
@@ -11391,7 +10978,7 @@
           <p:nvPr/>
         </p:nvPicPr>
         <p:blipFill>
-          <a:blip r:embed="rId14">
+          <a:blip r:embed="rId19">
             <a:extLst>
               <a:ext uri="{28A0092B-C50C-407E-A947-70E740481C1C}">
                 <a14:useLocalDpi xmlns:a14="http://schemas.microsoft.com/office/drawing/2010/main" val="0"/>
@@ -11433,7 +11020,7 @@
           <p:nvPr/>
         </p:nvPicPr>
         <p:blipFill>
-          <a:blip r:embed="rId15">
+          <a:blip r:embed="rId20">
             <a:extLst>
               <a:ext uri="{28A0092B-C50C-407E-A947-70E740481C1C}">
                 <a14:useLocalDpi xmlns:a14="http://schemas.microsoft.com/office/drawing/2010/main" val="0"/>
@@ -11446,7 +11033,7 @@
         </p:blipFill>
         <p:spPr>
           <a:xfrm>
-            <a:off x="17749527" y="12070329"/>
+            <a:off x="17749527" y="12186935"/>
             <a:ext cx="12233643" cy="6339591"/>
           </a:xfrm>
           <a:prstGeom prst="rect">
@@ -11475,7 +11062,7 @@
           <p:nvPr/>
         </p:nvPicPr>
         <p:blipFill>
-          <a:blip r:embed="rId16">
+          <a:blip r:embed="rId21">
             <a:extLst>
               <a:ext uri="{28A0092B-C50C-407E-A947-70E740481C1C}">
                 <a14:useLocalDpi xmlns:a14="http://schemas.microsoft.com/office/drawing/2010/main" val="0"/>
@@ -11516,7 +11103,7 @@
           <p:nvPr/>
         </p:nvPicPr>
         <p:blipFill>
-          <a:blip r:embed="rId17">
+          <a:blip r:embed="rId22">
             <a:extLst>
               <a:ext uri="{28A0092B-C50C-407E-A947-70E740481C1C}">
                 <a14:useLocalDpi xmlns:a14="http://schemas.microsoft.com/office/drawing/2010/main" val="0"/>
@@ -11557,7 +11144,7 @@
           <p:nvPr/>
         </p:nvPicPr>
         <p:blipFill>
-          <a:blip r:embed="rId18">
+          <a:blip r:embed="rId23">
             <a:extLst>
               <a:ext uri="{28A0092B-C50C-407E-A947-70E740481C1C}">
                 <a14:useLocalDpi xmlns:a14="http://schemas.microsoft.com/office/drawing/2010/main" val="0"/>
@@ -11615,14 +11202,14 @@
             <a:pPr algn="just"/>
             <a:r>
               <a:rPr lang="en-GB" sz="3200" dirty="0"/>
-              <a:t>The scatter plot shows virtually no correlation </a:t>
+              <a:t>The scatter plot shows virtually no correlation (r = 0.0084, </a:t>
             </a:r>
             <a:br>
               <a:rPr lang="en-GB" sz="3200" dirty="0"/>
             </a:br>
             <a:r>
               <a:rPr lang="en-GB" sz="3200" dirty="0"/>
-              <a:t>(r = 0.0084, p-value = 0.9057) between Spotify news sentiment scores and next-day stock returns, with data points distributed across all four sentiment-return quadrants regardless of article volume (indicated by point size). This suggests that media coverage sentiment has negligible predictive power for Spotify's short-term stock performance</a:t>
+              <a:t>p-value = 0.9057) between Spotify news sentiment scores and next-day stock returns, with data points distributed across all four sentiment-return quadrants regardless of article volume (indicated by point size). This suggests that media coverage sentiment has negligible predictive power for Spotify's short-term stock performance</a:t>
             </a:r>
             <a:endParaRPr lang="LID4096" sz="3200" dirty="0"/>
           </a:p>
@@ -11663,7 +11250,6 @@
             <a:r>
               <a:rPr lang="en-GB" sz="3200" i="0" dirty="0">
                 <a:effectLst/>
-                <a:latin typeface="gg sans"/>
               </a:rPr>
               <a:t>The bar chart shows the distribution of users across different regions over the years, representing the annual average of monthly active users (MAU) in percentage for each region.</a:t>
             </a:r>
@@ -11686,10 +11272,10 @@
           <p:nvPr/>
         </p:nvPicPr>
         <p:blipFill>
-          <a:blip r:embed="rId19">
+          <a:blip r:embed="rId24">
             <a:extLst>
               <a:ext uri="{96DAC541-7B7A-43D3-8B79-37D633B846F1}">
-                <asvg:svgBlip xmlns:asvg="http://schemas.microsoft.com/office/drawing/2016/SVG/main" r:embed="rId20"/>
+                <asvg:svgBlip xmlns:asvg="http://schemas.microsoft.com/office/drawing/2016/SVG/main" r:embed="rId25"/>
               </a:ext>
             </a:extLst>
           </a:blip>
@@ -11722,10 +11308,10 @@
           <p:nvPr/>
         </p:nvPicPr>
         <p:blipFill>
-          <a:blip r:embed="rId21">
+          <a:blip r:embed="rId26">
             <a:extLst>
               <a:ext uri="{96DAC541-7B7A-43D3-8B79-37D633B846F1}">
-                <asvg:svgBlip xmlns:asvg="http://schemas.microsoft.com/office/drawing/2016/SVG/main" r:embed="rId22"/>
+                <asvg:svgBlip xmlns:asvg="http://schemas.microsoft.com/office/drawing/2016/SVG/main" r:embed="rId27"/>
               </a:ext>
             </a:extLst>
           </a:blip>
@@ -11774,7 +11360,23 @@
             <a:pPr algn="just"/>
             <a:r>
               <a:rPr lang="en-GB" sz="3200" dirty="0"/>
-              <a:t>The chart illustrates the growth of ad-supported users and premium subscribers from 2019 to 2024, measured in millions. While both categories show a steady increase, ad-supported users grow more rapidly, reaching 1608 million in 2024, compared to 1000 million premium subscribers.</a:t>
+              <a:t>The chart illustrates the growth of ad-supported users and pre-</a:t>
+            </a:r>
+            <a:r>
+              <a:rPr lang="en-GB" sz="3200" dirty="0" err="1"/>
+              <a:t>mium</a:t>
+            </a:r>
+            <a:r>
+              <a:rPr lang="en-GB" sz="3200" dirty="0"/>
+              <a:t> subscribers from 2019 to 2024, measured in millions. While both categories show a steady increase, ad-supported users grow more rapidly, reach-</a:t>
+            </a:r>
+            <a:r>
+              <a:rPr lang="en-GB" sz="3200" dirty="0" err="1"/>
+              <a:t>ing</a:t>
+            </a:r>
+            <a:r>
+              <a:rPr lang="en-GB" sz="3200" dirty="0"/>
+              <a:t> 1608 million in 2024, com-pared to 1000 million premium subscribers.</a:t>
             </a:r>
             <a:endParaRPr lang="LID4096" sz="3200" dirty="0"/>
           </a:p>
@@ -11795,10 +11397,10 @@
           <p:nvPr/>
         </p:nvPicPr>
         <p:blipFill>
-          <a:blip r:embed="rId23">
+          <a:blip r:embed="rId28">
             <a:extLst>
               <a:ext uri="{96DAC541-7B7A-43D3-8B79-37D633B846F1}">
-                <asvg:svgBlip xmlns:asvg="http://schemas.microsoft.com/office/drawing/2016/SVG/main" r:embed="rId24"/>
+                <asvg:svgBlip xmlns:asvg="http://schemas.microsoft.com/office/drawing/2016/SVG/main" r:embed="rId29"/>
               </a:ext>
             </a:extLst>
           </a:blip>
@@ -11868,10 +11470,10 @@
           <p:nvPr/>
         </p:nvPicPr>
         <p:blipFill>
-          <a:blip r:embed="rId25">
+          <a:blip r:embed="rId30">
             <a:extLst>
               <a:ext uri="{96DAC541-7B7A-43D3-8B79-37D633B846F1}">
-                <asvg:svgBlip xmlns:asvg="http://schemas.microsoft.com/office/drawing/2016/SVG/main" r:embed="rId26"/>
+                <asvg:svgBlip xmlns:asvg="http://schemas.microsoft.com/office/drawing/2016/SVG/main" r:embed="rId31"/>
               </a:ext>
             </a:extLst>
           </a:blip>
@@ -11920,7 +11522,7 @@
             <a:pPr algn="just"/>
             <a:r>
               <a:rPr lang="en-GB" sz="3200" dirty="0"/>
-              <a:t>The pie chart combines ad-supported and premium revenues to show the overall revenue trends from 2019 to 2024. </a:t>
+              <a:t>The pie chart combines ad-supported and premium reve-nues to show the overall revenue trends from 2019 to 2024. </a:t>
             </a:r>
             <a:endParaRPr lang="LID4096" sz="3200" dirty="0"/>
           </a:p>
@@ -11941,10 +11543,10 @@
           <p:nvPr/>
         </p:nvPicPr>
         <p:blipFill>
-          <a:blip r:embed="rId27">
+          <a:blip r:embed="rId32">
             <a:extLst>
               <a:ext uri="{96DAC541-7B7A-43D3-8B79-37D633B846F1}">
-                <asvg:svgBlip xmlns:asvg="http://schemas.microsoft.com/office/drawing/2016/SVG/main" r:embed="rId28"/>
+                <asvg:svgBlip xmlns:asvg="http://schemas.microsoft.com/office/drawing/2016/SVG/main" r:embed="rId33"/>
               </a:ext>
             </a:extLst>
           </a:blip>
@@ -11996,7 +11598,7 @@
                   <a:srgbClr val="9B0A7D"/>
                 </a:solidFill>
               </a:rPr>
-              <a:t>RQ 2: Sentiment Analysis :</a:t>
+              <a:t>RQ 2: Sentiment Analysis:</a:t>
             </a:r>
           </a:p>
         </p:txBody>
@@ -12035,7 +11637,7 @@
                   <a:srgbClr val="9B0A7D"/>
                 </a:solidFill>
               </a:rPr>
-              <a:t>RQ 3: Global Regions :</a:t>
+              <a:t>RQ 3: Global Regions:</a:t>
             </a:r>
           </a:p>
         </p:txBody>
@@ -12094,10 +11696,10 @@
           <p:nvPr/>
         </p:nvPicPr>
         <p:blipFill>
-          <a:blip r:embed="rId21">
+          <a:blip r:embed="rId26">
             <a:extLst>
               <a:ext uri="{96DAC541-7B7A-43D3-8B79-37D633B846F1}">
-                <asvg:svgBlip xmlns:asvg="http://schemas.microsoft.com/office/drawing/2016/SVG/main" r:embed="rId22"/>
+                <asvg:svgBlip xmlns:asvg="http://schemas.microsoft.com/office/drawing/2016/SVG/main" r:embed="rId27"/>
               </a:ext>
             </a:extLst>
           </a:blip>
@@ -12154,6 +11756,330 @@
           </a:p>
         </p:txBody>
       </p:sp>
+      <p:pic>
+        <p:nvPicPr>
+          <p:cNvPr id="10" name="Picture 9" descr="A pie chart with numbers and percentages&#10;&#10;AI-generated content may be incorrect.">
+            <a:extLst>
+              <a:ext uri="{FF2B5EF4-FFF2-40B4-BE49-F238E27FC236}">
+                <a16:creationId xmlns:a16="http://schemas.microsoft.com/office/drawing/2014/main" id="{211FBBD9-6C6C-8718-03CA-74E4AFDECD0F}"/>
+              </a:ext>
+            </a:extLst>
+          </p:cNvPr>
+          <p:cNvPicPr>
+            <a:picLocks noChangeAspect="1"/>
+          </p:cNvPicPr>
+          <p:nvPr/>
+        </p:nvPicPr>
+        <p:blipFill>
+          <a:blip r:embed="rId34">
+            <a:extLst>
+              <a:ext uri="{28A0092B-C50C-407E-A947-70E740481C1C}">
+                <a14:useLocalDpi xmlns:a14="http://schemas.microsoft.com/office/drawing/2010/main" val="0"/>
+              </a:ext>
+            </a:extLst>
+          </a:blip>
+          <a:srcRect l="8539" b="9950"/>
+          <a:stretch/>
+        </p:blipFill>
+        <p:spPr>
+          <a:xfrm>
+            <a:off x="17749526" y="31974481"/>
+            <a:ext cx="7220627" cy="6520479"/>
+          </a:xfrm>
+          <a:prstGeom prst="rect">
+            <a:avLst/>
+          </a:prstGeom>
+          <a:ln w="57150">
+            <a:solidFill>
+              <a:srgbClr val="00CC99"/>
+            </a:solidFill>
+            <a:prstDash val="lgDash"/>
+          </a:ln>
+        </p:spPr>
+      </p:pic>
+      <p:sp>
+        <p:nvSpPr>
+          <p:cNvPr id="15" name="TextBox 14">
+            <a:extLst>
+              <a:ext uri="{FF2B5EF4-FFF2-40B4-BE49-F238E27FC236}">
+                <a16:creationId xmlns:a16="http://schemas.microsoft.com/office/drawing/2014/main" id="{BA357DED-C191-D296-7C82-59DFE38D326D}"/>
+              </a:ext>
+            </a:extLst>
+          </p:cNvPr>
+          <p:cNvSpPr txBox="1"/>
+          <p:nvPr/>
+        </p:nvSpPr>
+        <p:spPr>
+          <a:xfrm>
+            <a:off x="25213955" y="31854500"/>
+            <a:ext cx="4854881" cy="4524315"/>
+          </a:xfrm>
+          <a:prstGeom prst="rect">
+            <a:avLst/>
+          </a:prstGeom>
+          <a:noFill/>
+        </p:spPr>
+        <p:txBody>
+          <a:bodyPr wrap="square" rtlCol="0">
+            <a:spAutoFit/>
+          </a:bodyPr>
+          <a:lstStyle/>
+          <a:p>
+            <a:pPr algn="just"/>
+            <a:r>
+              <a:rPr lang="en-GB" sz="3200" dirty="0"/>
+              <a:t>The donut chart illustrates the percentage distribution of Spotify users across var-</a:t>
+            </a:r>
+            <a:r>
+              <a:rPr lang="en-GB" sz="3200" dirty="0" err="1"/>
+              <a:t>ious</a:t>
+            </a:r>
+            <a:r>
+              <a:rPr lang="en-GB" sz="3200" dirty="0"/>
+              <a:t> age groups. The largest user segments are indivi-duals aged 25-34 (28.7%) and 18-24 (25.7%), followed by smaller proportions in older age groups.</a:t>
+            </a:r>
+            <a:endParaRPr lang="LID4096" sz="3200" dirty="0"/>
+          </a:p>
+        </p:txBody>
+      </p:sp>
+      <p:sp>
+        <p:nvSpPr>
+          <p:cNvPr id="16" name="TextBox 15">
+            <a:extLst>
+              <a:ext uri="{FF2B5EF4-FFF2-40B4-BE49-F238E27FC236}">
+                <a16:creationId xmlns:a16="http://schemas.microsoft.com/office/drawing/2014/main" id="{D59AA7E9-00F3-88FC-F601-688217285869}"/>
+              </a:ext>
+            </a:extLst>
+          </p:cNvPr>
+          <p:cNvSpPr txBox="1"/>
+          <p:nvPr/>
+        </p:nvSpPr>
+        <p:spPr>
+          <a:xfrm>
+            <a:off x="17579527" y="30746504"/>
+            <a:ext cx="6630918" cy="1107996"/>
+          </a:xfrm>
+          <a:prstGeom prst="rect">
+            <a:avLst/>
+          </a:prstGeom>
+          <a:noFill/>
+        </p:spPr>
+        <p:txBody>
+          <a:bodyPr wrap="none" rtlCol="0">
+            <a:spAutoFit/>
+          </a:bodyPr>
+          <a:lstStyle/>
+          <a:p>
+            <a:r>
+              <a:rPr lang="en-US" sz="6600" noProof="0" dirty="0">
+                <a:solidFill>
+                  <a:srgbClr val="9B0A7D"/>
+                </a:solidFill>
+              </a:rPr>
+              <a:t>RQ 5: </a:t>
+            </a:r>
+            <a:r>
+              <a:rPr lang="en-US" sz="6600" dirty="0">
+                <a:solidFill>
+                  <a:srgbClr val="9B0A7D"/>
+                </a:solidFill>
+              </a:rPr>
+              <a:t>Age Groups</a:t>
+            </a:r>
+            <a:r>
+              <a:rPr lang="en-US" sz="6600" noProof="0" dirty="0">
+                <a:solidFill>
+                  <a:srgbClr val="9B0A7D"/>
+                </a:solidFill>
+              </a:rPr>
+              <a:t> :</a:t>
+            </a:r>
+          </a:p>
+        </p:txBody>
+      </p:sp>
+      <p:sp>
+        <p:nvSpPr>
+          <p:cNvPr id="19" name="TextBox 18">
+            <a:extLst>
+              <a:ext uri="{FF2B5EF4-FFF2-40B4-BE49-F238E27FC236}">
+                <a16:creationId xmlns:a16="http://schemas.microsoft.com/office/drawing/2014/main" id="{60EF2C01-5F2F-4241-DA53-351684DC2B30}"/>
+              </a:ext>
+            </a:extLst>
+          </p:cNvPr>
+          <p:cNvSpPr txBox="1"/>
+          <p:nvPr/>
+        </p:nvSpPr>
+        <p:spPr>
+          <a:xfrm>
+            <a:off x="427397" y="38746649"/>
+            <a:ext cx="3083345" cy="1107996"/>
+          </a:xfrm>
+          <a:prstGeom prst="rect">
+            <a:avLst/>
+          </a:prstGeom>
+          <a:noFill/>
+        </p:spPr>
+        <p:txBody>
+          <a:bodyPr wrap="none" rtlCol="0">
+            <a:spAutoFit/>
+          </a:bodyPr>
+          <a:lstStyle/>
+          <a:p>
+            <a:r>
+              <a:rPr lang="en-US" sz="6600" noProof="0" dirty="0">
+                <a:solidFill>
+                  <a:srgbClr val="9B0A7D"/>
+                </a:solidFill>
+              </a:rPr>
+              <a:t>Sources:</a:t>
+            </a:r>
+          </a:p>
+        </p:txBody>
+      </p:sp>
+      <p:pic>
+        <p:nvPicPr>
+          <p:cNvPr id="24" name="Graphic 23" descr="Music notes with solid fill">
+            <a:extLst>
+              <a:ext uri="{FF2B5EF4-FFF2-40B4-BE49-F238E27FC236}">
+                <a16:creationId xmlns:a16="http://schemas.microsoft.com/office/drawing/2014/main" id="{3B72C52C-6BA1-2094-8DE0-56D9737E85F8}"/>
+              </a:ext>
+            </a:extLst>
+          </p:cNvPr>
+          <p:cNvPicPr>
+            <a:picLocks noChangeAspect="1"/>
+          </p:cNvPicPr>
+          <p:nvPr/>
+        </p:nvPicPr>
+        <p:blipFill>
+          <a:blip r:embed="rId35">
+            <a:extLst>
+              <a:ext uri="{96DAC541-7B7A-43D3-8B79-37D633B846F1}">
+                <asvg:svgBlip xmlns:asvg="http://schemas.microsoft.com/office/drawing/2016/SVG/main" r:embed="rId36"/>
+              </a:ext>
+            </a:extLst>
+          </a:blip>
+          <a:stretch>
+            <a:fillRect/>
+          </a:stretch>
+        </p:blipFill>
+        <p:spPr>
+          <a:xfrm rot="1080344">
+            <a:off x="22556788" y="39838745"/>
+            <a:ext cx="2785343" cy="2785343"/>
+          </a:xfrm>
+          <a:prstGeom prst="rect">
+            <a:avLst/>
+          </a:prstGeom>
+        </p:spPr>
+      </p:pic>
+      <p:pic>
+        <p:nvPicPr>
+          <p:cNvPr id="31" name="Graphic 30" descr="Headphones with solid fill">
+            <a:extLst>
+              <a:ext uri="{FF2B5EF4-FFF2-40B4-BE49-F238E27FC236}">
+                <a16:creationId xmlns:a16="http://schemas.microsoft.com/office/drawing/2014/main" id="{89363C0D-9111-92A1-A9D1-EA7B3BD1760A}"/>
+              </a:ext>
+            </a:extLst>
+          </p:cNvPr>
+          <p:cNvPicPr>
+            <a:picLocks noChangeAspect="1"/>
+          </p:cNvPicPr>
+          <p:nvPr/>
+        </p:nvPicPr>
+        <p:blipFill>
+          <a:blip r:embed="rId37">
+            <a:extLst>
+              <a:ext uri="{96DAC541-7B7A-43D3-8B79-37D633B846F1}">
+                <asvg:svgBlip xmlns:asvg="http://schemas.microsoft.com/office/drawing/2016/SVG/main" r:embed="rId38"/>
+              </a:ext>
+            </a:extLst>
+          </a:blip>
+          <a:stretch>
+            <a:fillRect/>
+          </a:stretch>
+        </p:blipFill>
+        <p:spPr>
+          <a:xfrm rot="19750186">
+            <a:off x="26222020" y="36235281"/>
+            <a:ext cx="2788920" cy="2788920"/>
+          </a:xfrm>
+          <a:prstGeom prst="rect">
+            <a:avLst/>
+          </a:prstGeom>
+        </p:spPr>
+      </p:pic>
+      <p:pic>
+        <p:nvPicPr>
+          <p:cNvPr id="35" name="Graphic 34" descr="Pause with solid fill">
+            <a:extLst>
+              <a:ext uri="{FF2B5EF4-FFF2-40B4-BE49-F238E27FC236}">
+                <a16:creationId xmlns:a16="http://schemas.microsoft.com/office/drawing/2014/main" id="{47309EC7-3A6F-98B9-4650-9D76D5DDA66C}"/>
+              </a:ext>
+            </a:extLst>
+          </p:cNvPr>
+          <p:cNvPicPr>
+            <a:picLocks noChangeAspect="1"/>
+          </p:cNvPicPr>
+          <p:nvPr/>
+        </p:nvPicPr>
+        <p:blipFill>
+          <a:blip r:embed="rId39">
+            <a:extLst>
+              <a:ext uri="{96DAC541-7B7A-43D3-8B79-37D633B846F1}">
+                <asvg:svgBlip xmlns:asvg="http://schemas.microsoft.com/office/drawing/2016/SVG/main" r:embed="rId40"/>
+              </a:ext>
+            </a:extLst>
+          </a:blip>
+          <a:stretch>
+            <a:fillRect/>
+          </a:stretch>
+        </p:blipFill>
+        <p:spPr>
+          <a:xfrm>
+            <a:off x="20639983" y="488517"/>
+            <a:ext cx="2002536" cy="2002536"/>
+          </a:xfrm>
+          <a:prstGeom prst="rect">
+            <a:avLst/>
+          </a:prstGeom>
+        </p:spPr>
+      </p:pic>
+      <p:pic>
+        <p:nvPicPr>
+          <p:cNvPr id="37" name="Graphic 36" descr="Play with solid fill">
+            <a:extLst>
+              <a:ext uri="{FF2B5EF4-FFF2-40B4-BE49-F238E27FC236}">
+                <a16:creationId xmlns:a16="http://schemas.microsoft.com/office/drawing/2014/main" id="{61A31559-44E1-6D90-1A04-DA29BB6E413D}"/>
+              </a:ext>
+            </a:extLst>
+          </p:cNvPr>
+          <p:cNvPicPr>
+            <a:picLocks noChangeAspect="1"/>
+          </p:cNvPicPr>
+          <p:nvPr/>
+        </p:nvPicPr>
+        <p:blipFill>
+          <a:blip r:embed="rId41">
+            <a:extLst>
+              <a:ext uri="{96DAC541-7B7A-43D3-8B79-37D633B846F1}">
+                <asvg:svgBlip xmlns:asvg="http://schemas.microsoft.com/office/drawing/2016/SVG/main" r:embed="rId42"/>
+              </a:ext>
+            </a:extLst>
+          </a:blip>
+          <a:stretch>
+            <a:fillRect/>
+          </a:stretch>
+        </p:blipFill>
+        <p:spPr>
+          <a:xfrm>
+            <a:off x="0" y="618500"/>
+            <a:ext cx="2000548" cy="2000548"/>
+          </a:xfrm>
+          <a:prstGeom prst="rect">
+            <a:avLst/>
+          </a:prstGeom>
+        </p:spPr>
+      </p:pic>
     </p:spTree>
     <p:extLst>
       <p:ext uri="{BB962C8B-B14F-4D97-AF65-F5344CB8AC3E}">

--- a/Poster/DS Project Poster.pptx
+++ b/Poster/DS Project Poster.pptx
@@ -2572,8 +2572,8 @@
       </dsp:nvSpPr>
       <dsp:spPr>
         <a:xfrm>
-          <a:off x="0" y="1492071"/>
-          <a:ext cx="13589459" cy="1989428"/>
+          <a:off x="0" y="1390591"/>
+          <a:ext cx="12637370" cy="1854122"/>
         </a:xfrm>
         <a:prstGeom prst="notchedRightArrow">
           <a:avLst/>
@@ -2624,8 +2624,8 @@
       </dsp:nvSpPr>
       <dsp:spPr>
         <a:xfrm>
-          <a:off x="3359" y="0"/>
-          <a:ext cx="1955807" cy="1989428"/>
+          <a:off x="3123" y="0"/>
+          <a:ext cx="1818781" cy="1854122"/>
         </a:xfrm>
         <a:prstGeom prst="rect">
           <a:avLst/>
@@ -2659,12 +2659,12 @@
         <a:fontRef idx="minor"/>
       </dsp:style>
       <dsp:txBody>
-        <a:bodyPr spcFirstLastPara="0" vert="horz" wrap="square" lIns="206248" tIns="206248" rIns="206248" bIns="206248" numCol="1" spcCol="1270" anchor="b" anchorCtr="0">
+        <a:bodyPr spcFirstLastPara="0" vert="horz" wrap="square" lIns="192024" tIns="192024" rIns="192024" bIns="192024" numCol="1" spcCol="1270" anchor="b" anchorCtr="0">
           <a:noAutofit/>
         </a:bodyPr>
         <a:lstStyle/>
         <a:p>
-          <a:pPr marL="0" lvl="0" indent="0" algn="ctr" defTabSz="1289050">
+          <a:pPr marL="0" lvl="0" indent="0" algn="ctr" defTabSz="1200150">
             <a:lnSpc>
               <a:spcPct val="90000"/>
             </a:lnSpc>
@@ -2677,14 +2677,14 @@
             <a:buNone/>
           </a:pPr>
           <a:r>
-            <a:rPr lang="en-US" sz="2900" b="1" kern="1200" noProof="0" dirty="0"/>
+            <a:rPr lang="en-US" sz="2700" b="1" kern="1200" noProof="0" dirty="0"/>
             <a:t>Finalize Questions</a:t>
           </a:r>
         </a:p>
       </dsp:txBody>
       <dsp:txXfrm>
-        <a:off x="3359" y="0"/>
-        <a:ext cx="1955807" cy="1989428"/>
+        <a:off x="3123" y="0"/>
+        <a:ext cx="1818781" cy="1854122"/>
       </dsp:txXfrm>
     </dsp:sp>
     <dsp:sp modelId="{6460B9C2-0D98-4EFF-909F-50FADDF18C21}">
@@ -2694,8 +2694,8 @@
       </dsp:nvSpPr>
       <dsp:spPr>
         <a:xfrm>
-          <a:off x="732584" y="2238106"/>
-          <a:ext cx="497357" cy="497357"/>
+          <a:off x="680749" y="2085887"/>
+          <a:ext cx="463530" cy="463530"/>
         </a:xfrm>
         <a:prstGeom prst="ellipse">
           <a:avLst/>
@@ -2747,8 +2747,8 @@
       </dsp:nvSpPr>
       <dsp:spPr>
         <a:xfrm>
-          <a:off x="2056956" y="2984142"/>
-          <a:ext cx="1955807" cy="1989428"/>
+          <a:off x="1912844" y="2781183"/>
+          <a:ext cx="1818781" cy="1854122"/>
         </a:xfrm>
         <a:prstGeom prst="rect">
           <a:avLst/>
@@ -2782,12 +2782,12 @@
         <a:fontRef idx="minor"/>
       </dsp:style>
       <dsp:txBody>
-        <a:bodyPr spcFirstLastPara="0" vert="horz" wrap="square" lIns="206248" tIns="206248" rIns="206248" bIns="206248" numCol="1" spcCol="1270" anchor="t" anchorCtr="0">
+        <a:bodyPr spcFirstLastPara="0" vert="horz" wrap="square" lIns="192024" tIns="192024" rIns="192024" bIns="192024" numCol="1" spcCol="1270" anchor="t" anchorCtr="0">
           <a:noAutofit/>
         </a:bodyPr>
         <a:lstStyle/>
         <a:p>
-          <a:pPr marL="0" lvl="0" indent="0" algn="ctr" defTabSz="1289050">
+          <a:pPr marL="0" lvl="0" indent="0" algn="ctr" defTabSz="1200150">
             <a:lnSpc>
               <a:spcPct val="90000"/>
             </a:lnSpc>
@@ -2800,14 +2800,14 @@
             <a:buNone/>
           </a:pPr>
           <a:r>
-            <a:rPr lang="en-US" sz="2900" b="1" kern="1200" noProof="0" dirty="0"/>
+            <a:rPr lang="en-US" sz="2700" b="1" kern="1200" noProof="0" dirty="0"/>
             <a:t>Look Sources</a:t>
           </a:r>
         </a:p>
       </dsp:txBody>
       <dsp:txXfrm>
-        <a:off x="2056956" y="2984142"/>
-        <a:ext cx="1955807" cy="1989428"/>
+        <a:off x="1912844" y="2781183"/>
+        <a:ext cx="1818781" cy="1854122"/>
       </dsp:txXfrm>
     </dsp:sp>
     <dsp:sp modelId="{0F466A33-DF45-4CA9-A225-F7A979FC156E}">
@@ -2817,8 +2817,8 @@
       </dsp:nvSpPr>
       <dsp:spPr>
         <a:xfrm>
-          <a:off x="2786181" y="2238106"/>
-          <a:ext cx="497357" cy="497357"/>
+          <a:off x="2590470" y="2085887"/>
+          <a:ext cx="463530" cy="463530"/>
         </a:xfrm>
         <a:prstGeom prst="ellipse">
           <a:avLst/>
@@ -2870,8 +2870,8 @@
       </dsp:nvSpPr>
       <dsp:spPr>
         <a:xfrm>
-          <a:off x="4110554" y="0"/>
-          <a:ext cx="1955807" cy="1989428"/>
+          <a:off x="3822565" y="0"/>
+          <a:ext cx="1818781" cy="1854122"/>
         </a:xfrm>
         <a:prstGeom prst="rect">
           <a:avLst/>
@@ -2905,12 +2905,12 @@
         <a:fontRef idx="minor"/>
       </dsp:style>
       <dsp:txBody>
-        <a:bodyPr spcFirstLastPara="0" vert="horz" wrap="square" lIns="206248" tIns="206248" rIns="206248" bIns="206248" numCol="1" spcCol="1270" anchor="b" anchorCtr="0">
+        <a:bodyPr spcFirstLastPara="0" vert="horz" wrap="square" lIns="192024" tIns="192024" rIns="192024" bIns="192024" numCol="1" spcCol="1270" anchor="b" anchorCtr="0">
           <a:noAutofit/>
         </a:bodyPr>
         <a:lstStyle/>
         <a:p>
-          <a:pPr marL="0" lvl="0" indent="0" algn="ctr" defTabSz="1289050">
+          <a:pPr marL="0" lvl="0" indent="0" algn="ctr" defTabSz="1200150">
             <a:lnSpc>
               <a:spcPct val="90000"/>
             </a:lnSpc>
@@ -2923,14 +2923,14 @@
             <a:buNone/>
           </a:pPr>
           <a:r>
-            <a:rPr lang="en-US" sz="2900" b="1" kern="1200" noProof="0" dirty="0"/>
+            <a:rPr lang="en-US" sz="2700" b="1" kern="1200" noProof="0" dirty="0"/>
             <a:t>Gather Data</a:t>
           </a:r>
         </a:p>
       </dsp:txBody>
       <dsp:txXfrm>
-        <a:off x="4110554" y="0"/>
-        <a:ext cx="1955807" cy="1989428"/>
+        <a:off x="3822565" y="0"/>
+        <a:ext cx="1818781" cy="1854122"/>
       </dsp:txXfrm>
     </dsp:sp>
     <dsp:sp modelId="{02581AD8-67CD-49C7-8B2C-74B0E7419951}">
@@ -2940,8 +2940,8 @@
       </dsp:nvSpPr>
       <dsp:spPr>
         <a:xfrm>
-          <a:off x="4839779" y="2238106"/>
-          <a:ext cx="497357" cy="497357"/>
+          <a:off x="4500190" y="2085887"/>
+          <a:ext cx="463530" cy="463530"/>
         </a:xfrm>
         <a:prstGeom prst="ellipse">
           <a:avLst/>
@@ -2993,8 +2993,8 @@
       </dsp:nvSpPr>
       <dsp:spPr>
         <a:xfrm>
-          <a:off x="6164151" y="2984142"/>
-          <a:ext cx="1955807" cy="1989428"/>
+          <a:off x="5732286" y="2781183"/>
+          <a:ext cx="1818781" cy="1854122"/>
         </a:xfrm>
         <a:prstGeom prst="rect">
           <a:avLst/>
@@ -3028,12 +3028,12 @@
         <a:fontRef idx="minor"/>
       </dsp:style>
       <dsp:txBody>
-        <a:bodyPr spcFirstLastPara="0" vert="horz" wrap="square" lIns="206248" tIns="206248" rIns="206248" bIns="206248" numCol="1" spcCol="1270" anchor="t" anchorCtr="0">
+        <a:bodyPr spcFirstLastPara="0" vert="horz" wrap="square" lIns="192024" tIns="192024" rIns="192024" bIns="192024" numCol="1" spcCol="1270" anchor="t" anchorCtr="0">
           <a:noAutofit/>
         </a:bodyPr>
         <a:lstStyle/>
         <a:p>
-          <a:pPr marL="0" lvl="0" indent="0" algn="ctr" defTabSz="1289050">
+          <a:pPr marL="0" lvl="0" indent="0" algn="ctr" defTabSz="1200150">
             <a:lnSpc>
               <a:spcPct val="90000"/>
             </a:lnSpc>
@@ -3046,14 +3046,14 @@
             <a:buNone/>
           </a:pPr>
           <a:r>
-            <a:rPr lang="en-US" sz="2900" b="1" kern="1200" noProof="0" dirty="0"/>
+            <a:rPr lang="en-US" sz="2700" b="1" kern="1200" noProof="0" dirty="0"/>
             <a:t>Filter Data</a:t>
           </a:r>
         </a:p>
       </dsp:txBody>
       <dsp:txXfrm>
-        <a:off x="6164151" y="2984142"/>
-        <a:ext cx="1955807" cy="1989428"/>
+        <a:off x="5732286" y="2781183"/>
+        <a:ext cx="1818781" cy="1854122"/>
       </dsp:txXfrm>
     </dsp:sp>
     <dsp:sp modelId="{7E78518F-820A-4816-9DBE-A26CB1A3313B}">
@@ -3063,8 +3063,8 @@
       </dsp:nvSpPr>
       <dsp:spPr>
         <a:xfrm>
-          <a:off x="6893376" y="2238106"/>
-          <a:ext cx="497357" cy="497357"/>
+          <a:off x="6409911" y="2085887"/>
+          <a:ext cx="463530" cy="463530"/>
         </a:xfrm>
         <a:prstGeom prst="ellipse">
           <a:avLst/>
@@ -3116,8 +3116,8 @@
       </dsp:nvSpPr>
       <dsp:spPr>
         <a:xfrm>
-          <a:off x="8217749" y="0"/>
-          <a:ext cx="1955807" cy="1989428"/>
+          <a:off x="7642006" y="0"/>
+          <a:ext cx="1818781" cy="1854122"/>
         </a:xfrm>
         <a:prstGeom prst="rect">
           <a:avLst/>
@@ -3151,12 +3151,12 @@
         <a:fontRef idx="minor"/>
       </dsp:style>
       <dsp:txBody>
-        <a:bodyPr spcFirstLastPara="0" vert="horz" wrap="square" lIns="206248" tIns="206248" rIns="206248" bIns="206248" numCol="1" spcCol="1270" anchor="b" anchorCtr="0">
+        <a:bodyPr spcFirstLastPara="0" vert="horz" wrap="square" lIns="192024" tIns="192024" rIns="192024" bIns="192024" numCol="1" spcCol="1270" anchor="b" anchorCtr="0">
           <a:noAutofit/>
         </a:bodyPr>
         <a:lstStyle/>
         <a:p>
-          <a:pPr marL="0" lvl="0" indent="0" algn="ctr" defTabSz="1289050">
+          <a:pPr marL="0" lvl="0" indent="0" algn="ctr" defTabSz="1200150">
             <a:lnSpc>
               <a:spcPct val="90000"/>
             </a:lnSpc>
@@ -3169,14 +3169,14 @@
             <a:buNone/>
           </a:pPr>
           <a:r>
-            <a:rPr lang="en-US" sz="2900" b="1" kern="1200" noProof="0" dirty="0"/>
+            <a:rPr lang="en-US" sz="2700" b="1" kern="1200" noProof="0" dirty="0"/>
             <a:t>Clean Data</a:t>
           </a:r>
         </a:p>
       </dsp:txBody>
       <dsp:txXfrm>
-        <a:off x="8217749" y="0"/>
-        <a:ext cx="1955807" cy="1989428"/>
+        <a:off x="7642006" y="0"/>
+        <a:ext cx="1818781" cy="1854122"/>
       </dsp:txXfrm>
     </dsp:sp>
     <dsp:sp modelId="{C3EE5465-0136-48D3-9D1D-4F22747BFFA8}">
@@ -3186,8 +3186,8 @@
       </dsp:nvSpPr>
       <dsp:spPr>
         <a:xfrm>
-          <a:off x="8946974" y="2238106"/>
-          <a:ext cx="497357" cy="497357"/>
+          <a:off x="8319632" y="2085887"/>
+          <a:ext cx="463530" cy="463530"/>
         </a:xfrm>
         <a:prstGeom prst="ellipse">
           <a:avLst/>
@@ -3239,8 +3239,8 @@
       </dsp:nvSpPr>
       <dsp:spPr>
         <a:xfrm>
-          <a:off x="10271346" y="2984142"/>
-          <a:ext cx="1955807" cy="1989428"/>
+          <a:off x="9551727" y="2781183"/>
+          <a:ext cx="1818781" cy="1854122"/>
         </a:xfrm>
         <a:prstGeom prst="rect">
           <a:avLst/>
@@ -3274,12 +3274,12 @@
         <a:fontRef idx="minor"/>
       </dsp:style>
       <dsp:txBody>
-        <a:bodyPr spcFirstLastPara="0" vert="horz" wrap="square" lIns="206248" tIns="206248" rIns="206248" bIns="206248" numCol="1" spcCol="1270" anchor="t" anchorCtr="0">
+        <a:bodyPr spcFirstLastPara="0" vert="horz" wrap="square" lIns="192024" tIns="192024" rIns="192024" bIns="192024" numCol="1" spcCol="1270" anchor="t" anchorCtr="0">
           <a:noAutofit/>
         </a:bodyPr>
         <a:lstStyle/>
         <a:p>
-          <a:pPr marL="0" lvl="0" indent="0" algn="ctr" defTabSz="1289050">
+          <a:pPr marL="0" lvl="0" indent="0" algn="ctr" defTabSz="1200150">
             <a:lnSpc>
               <a:spcPct val="90000"/>
             </a:lnSpc>
@@ -3292,14 +3292,14 @@
             <a:buNone/>
           </a:pPr>
           <a:r>
-            <a:rPr lang="en-US" sz="2900" b="1" kern="1200" noProof="0" dirty="0"/>
+            <a:rPr lang="en-US" sz="2700" b="1" kern="1200" noProof="0" dirty="0"/>
             <a:t>Visualize Data</a:t>
           </a:r>
         </a:p>
       </dsp:txBody>
       <dsp:txXfrm>
-        <a:off x="10271346" y="2984142"/>
-        <a:ext cx="1955807" cy="1989428"/>
+        <a:off x="9551727" y="2781183"/>
+        <a:ext cx="1818781" cy="1854122"/>
       </dsp:txXfrm>
     </dsp:sp>
     <dsp:sp modelId="{B6C63920-C8F7-4B79-85CF-B01D2924F739}">
@@ -3309,8 +3309,8 @@
       </dsp:nvSpPr>
       <dsp:spPr>
         <a:xfrm>
-          <a:off x="11000571" y="2238106"/>
-          <a:ext cx="497357" cy="497357"/>
+          <a:off x="10229353" y="2085887"/>
+          <a:ext cx="463530" cy="463530"/>
         </a:xfrm>
         <a:prstGeom prst="ellipse">
           <a:avLst/>
@@ -3374,8 +3374,8 @@
       </dsp:nvSpPr>
       <dsp:spPr>
         <a:xfrm>
-          <a:off x="7045" y="1750367"/>
-          <a:ext cx="3316127" cy="1280025"/>
+          <a:off x="6986" y="1651595"/>
+          <a:ext cx="3288223" cy="1269254"/>
         </a:xfrm>
         <a:prstGeom prst="chevron">
           <a:avLst>
@@ -3424,8 +3424,8 @@
       </dsp:nvSpPr>
       <dsp:spPr>
         <a:xfrm>
-          <a:off x="624731" y="1943805"/>
-          <a:ext cx="2800285" cy="1280025"/>
+          <a:off x="619474" y="1843405"/>
+          <a:ext cx="2776721" cy="1269254"/>
         </a:xfrm>
         <a:prstGeom prst="roundRect">
           <a:avLst>
@@ -3513,8 +3513,8 @@
         </a:p>
       </dsp:txBody>
       <dsp:txXfrm>
-        <a:off x="662222" y="1981296"/>
-        <a:ext cx="2725303" cy="1205043"/>
+        <a:off x="656649" y="1880580"/>
+        <a:ext cx="2702371" cy="1194904"/>
       </dsp:txXfrm>
     </dsp:sp>
     <dsp:sp modelId="{5DCD1280-1AB2-4B13-93CC-444259117F40}">
@@ -3524,8 +3524,8 @@
       </dsp:nvSpPr>
       <dsp:spPr>
         <a:xfrm>
-          <a:off x="3794800" y="1750367"/>
-          <a:ext cx="3316127" cy="1280025"/>
+          <a:off x="3762867" y="1651595"/>
+          <a:ext cx="3288223" cy="1269254"/>
         </a:xfrm>
         <a:prstGeom prst="chevron">
           <a:avLst>
@@ -3574,8 +3574,8 @@
       </dsp:nvSpPr>
       <dsp:spPr>
         <a:xfrm>
-          <a:off x="4663867" y="1947888"/>
-          <a:ext cx="2800285" cy="1280025"/>
+          <a:off x="4624622" y="1847454"/>
+          <a:ext cx="2776721" cy="1269254"/>
         </a:xfrm>
         <a:prstGeom prst="roundRect">
           <a:avLst>
@@ -3670,8 +3670,8 @@
         </a:p>
       </dsp:txBody>
       <dsp:txXfrm>
-        <a:off x="4701358" y="1985379"/>
-        <a:ext cx="2725303" cy="1205043"/>
+        <a:off x="4661797" y="1884629"/>
+        <a:ext cx="2702371" cy="1194904"/>
       </dsp:txXfrm>
     </dsp:sp>
     <dsp:sp modelId="{3FA0475D-798D-4A11-8125-14E7CF4B9ED5}">
@@ -3681,8 +3681,8 @@
       </dsp:nvSpPr>
       <dsp:spPr>
         <a:xfrm>
-          <a:off x="7582554" y="1750367"/>
-          <a:ext cx="3316127" cy="1280025"/>
+          <a:off x="7518749" y="1651595"/>
+          <a:ext cx="3288223" cy="1269254"/>
         </a:xfrm>
         <a:prstGeom prst="chevron">
           <a:avLst>
@@ -3731,8 +3731,8 @@
       </dsp:nvSpPr>
       <dsp:spPr>
         <a:xfrm>
-          <a:off x="8268735" y="1952906"/>
-          <a:ext cx="2800285" cy="1280025"/>
+          <a:off x="8199156" y="1852429"/>
+          <a:ext cx="2776721" cy="1269254"/>
         </a:xfrm>
         <a:prstGeom prst="roundRect">
           <a:avLst>
@@ -3820,8 +3820,8 @@
         </a:p>
       </dsp:txBody>
       <dsp:txXfrm>
-        <a:off x="8306226" y="1990397"/>
-        <a:ext cx="2725303" cy="1205043"/>
+        <a:off x="8236331" y="1889604"/>
+        <a:ext cx="2702371" cy="1194904"/>
       </dsp:txXfrm>
     </dsp:sp>
     <dsp:sp modelId="{925173C9-A294-4D12-915E-7FE2033FF5C2}">
@@ -3831,8 +3831,8 @@
       </dsp:nvSpPr>
       <dsp:spPr>
         <a:xfrm>
-          <a:off x="11370309" y="1750367"/>
-          <a:ext cx="3316127" cy="1280025"/>
+          <a:off x="11274631" y="1651595"/>
+          <a:ext cx="3288223" cy="1269254"/>
         </a:xfrm>
         <a:prstGeom prst="chevron">
           <a:avLst>
@@ -3881,8 +3881,8 @@
       </dsp:nvSpPr>
       <dsp:spPr>
         <a:xfrm>
-          <a:off x="11726420" y="1955069"/>
-          <a:ext cx="2800285" cy="1280025"/>
+          <a:off x="11627745" y="1854574"/>
+          <a:ext cx="2776721" cy="1269254"/>
         </a:xfrm>
         <a:prstGeom prst="roundRect">
           <a:avLst>
@@ -3970,8 +3970,8 @@
         </a:p>
       </dsp:txBody>
       <dsp:txXfrm>
-        <a:off x="11763911" y="1992560"/>
-        <a:ext cx="2725303" cy="1205043"/>
+        <a:off x="11664920" y="1891749"/>
+        <a:ext cx="2702371" cy="1194904"/>
       </dsp:txXfrm>
     </dsp:sp>
   </dsp:spTree>
@@ -7153,7 +7153,7 @@
           <a:p>
             <a:fld id="{671F58AE-0698-456E-BE8C-7A20F6519F45}" type="datetimeFigureOut">
               <a:rPr lang="LID4096" smtClean="0"/>
-              <a:t>03/25/2025</a:t>
+              <a:t>03/26/2025</a:t>
             </a:fld>
             <a:endParaRPr lang="LID4096"/>
           </a:p>
@@ -7636,7 +7636,7 @@
           <a:p>
             <a:fld id="{3A675787-DA3F-4332-A401-8C5831ED470E}" type="datetimeFigureOut">
               <a:rPr lang="en-US" smtClean="0"/>
-              <a:t>3/25/2025</a:t>
+              <a:t>3/26/2025</a:t>
             </a:fld>
             <a:endParaRPr lang="en-US"/>
           </a:p>
@@ -7806,7 +7806,7 @@
           <a:p>
             <a:fld id="{3A675787-DA3F-4332-A401-8C5831ED470E}" type="datetimeFigureOut">
               <a:rPr lang="en-US" smtClean="0"/>
-              <a:t>3/25/2025</a:t>
+              <a:t>3/26/2025</a:t>
             </a:fld>
             <a:endParaRPr lang="en-US"/>
           </a:p>
@@ -7986,7 +7986,7 @@
           <a:p>
             <a:fld id="{3A675787-DA3F-4332-A401-8C5831ED470E}" type="datetimeFigureOut">
               <a:rPr lang="en-US" smtClean="0"/>
-              <a:t>3/25/2025</a:t>
+              <a:t>3/26/2025</a:t>
             </a:fld>
             <a:endParaRPr lang="en-US"/>
           </a:p>
@@ -8156,7 +8156,7 @@
           <a:p>
             <a:fld id="{3A675787-DA3F-4332-A401-8C5831ED470E}" type="datetimeFigureOut">
               <a:rPr lang="en-US" smtClean="0"/>
-              <a:t>3/25/2025</a:t>
+              <a:t>3/26/2025</a:t>
             </a:fld>
             <a:endParaRPr lang="en-US"/>
           </a:p>
@@ -8400,7 +8400,7 @@
           <a:p>
             <a:fld id="{3A675787-DA3F-4332-A401-8C5831ED470E}" type="datetimeFigureOut">
               <a:rPr lang="en-US" smtClean="0"/>
-              <a:t>3/25/2025</a:t>
+              <a:t>3/26/2025</a:t>
             </a:fld>
             <a:endParaRPr lang="en-US"/>
           </a:p>
@@ -8632,7 +8632,7 @@
           <a:p>
             <a:fld id="{3A675787-DA3F-4332-A401-8C5831ED470E}" type="datetimeFigureOut">
               <a:rPr lang="en-US" smtClean="0"/>
-              <a:t>3/25/2025</a:t>
+              <a:t>3/26/2025</a:t>
             </a:fld>
             <a:endParaRPr lang="en-US"/>
           </a:p>
@@ -8999,7 +8999,7 @@
           <a:p>
             <a:fld id="{3A675787-DA3F-4332-A401-8C5831ED470E}" type="datetimeFigureOut">
               <a:rPr lang="en-US" smtClean="0"/>
-              <a:t>3/25/2025</a:t>
+              <a:t>3/26/2025</a:t>
             </a:fld>
             <a:endParaRPr lang="en-US"/>
           </a:p>
@@ -9117,7 +9117,7 @@
           <a:p>
             <a:fld id="{3A675787-DA3F-4332-A401-8C5831ED470E}" type="datetimeFigureOut">
               <a:rPr lang="en-US" smtClean="0"/>
-              <a:t>3/25/2025</a:t>
+              <a:t>3/26/2025</a:t>
             </a:fld>
             <a:endParaRPr lang="en-US"/>
           </a:p>
@@ -9212,7 +9212,7 @@
           <a:p>
             <a:fld id="{3A675787-DA3F-4332-A401-8C5831ED470E}" type="datetimeFigureOut">
               <a:rPr lang="en-US" smtClean="0"/>
-              <a:t>3/25/2025</a:t>
+              <a:t>3/26/2025</a:t>
             </a:fld>
             <a:endParaRPr lang="en-US"/>
           </a:p>
@@ -9489,7 +9489,7 @@
           <a:p>
             <a:fld id="{3A675787-DA3F-4332-A401-8C5831ED470E}" type="datetimeFigureOut">
               <a:rPr lang="en-US" smtClean="0"/>
-              <a:t>3/25/2025</a:t>
+              <a:t>3/26/2025</a:t>
             </a:fld>
             <a:endParaRPr lang="en-US"/>
           </a:p>
@@ -9746,7 +9746,7 @@
           <a:p>
             <a:fld id="{3A675787-DA3F-4332-A401-8C5831ED470E}" type="datetimeFigureOut">
               <a:rPr lang="en-US" smtClean="0"/>
-              <a:t>3/25/2025</a:t>
+              <a:t>3/26/2025</a:t>
             </a:fld>
             <a:endParaRPr lang="en-US"/>
           </a:p>
@@ -9959,7 +9959,7 @@
           <a:p>
             <a:fld id="{3A675787-DA3F-4332-A401-8C5831ED470E}" type="datetimeFigureOut">
               <a:rPr lang="en-US" smtClean="0"/>
-              <a:t>3/25/2025</a:t>
+              <a:t>3/26/2025</a:t>
             </a:fld>
             <a:endParaRPr lang="en-US"/>
           </a:p>
@@ -10391,14 +10391,14 @@
           <p:nvPr>
             <p:extLst>
               <p:ext uri="{D42A27DB-BD31-4B8C-83A1-F6EECF244321}">
-                <p14:modId xmlns:p14="http://schemas.microsoft.com/office/powerpoint/2010/main" val="955474741"/>
+                <p14:modId xmlns:p14="http://schemas.microsoft.com/office/powerpoint/2010/main" val="3535644505"/>
               </p:ext>
             </p:extLst>
           </p:nvPr>
         </p:nvGraphicFramePr>
         <p:xfrm>
-          <a:off x="233696" y="6698286"/>
-          <a:ext cx="13589459" cy="4973571"/>
+          <a:off x="836189" y="7161951"/>
+          <a:ext cx="12637370" cy="4635305"/>
         </p:xfrm>
         <a:graphic>
           <a:graphicData uri="http://schemas.openxmlformats.org/drawingml/2006/diagram">
@@ -10473,14 +10473,14 @@
           <p:nvPr>
             <p:extLst>
               <p:ext uri="{D42A27DB-BD31-4B8C-83A1-F6EECF244321}">
-                <p14:modId xmlns:p14="http://schemas.microsoft.com/office/powerpoint/2010/main" val="2738494392"/>
+                <p14:modId xmlns:p14="http://schemas.microsoft.com/office/powerpoint/2010/main" val="3094520751"/>
               </p:ext>
             </p:extLst>
           </p:nvPr>
         </p:nvGraphicFramePr>
         <p:xfrm>
-          <a:off x="15006895" y="6597167"/>
-          <a:ext cx="15061941" cy="5100767"/>
+          <a:off x="15133636" y="7059948"/>
+          <a:ext cx="14935199" cy="4889759"/>
         </p:xfrm>
         <a:graphic>
           <a:graphicData uri="http://schemas.openxmlformats.org/drawingml/2006/diagram">
@@ -10502,7 +10502,7 @@
         </p:nvSpPr>
         <p:spPr>
           <a:xfrm>
-            <a:off x="198437" y="3018127"/>
+            <a:off x="810694" y="3212792"/>
             <a:ext cx="6344749" cy="1107996"/>
           </a:xfrm>
           <a:prstGeom prst="rect">
@@ -10517,12 +10517,12 @@
           <a:lstStyle/>
           <a:p>
             <a:r>
-              <a:rPr lang="en-US" sz="6600" noProof="0" dirty="0">
+              <a:rPr lang="en-US" sz="6600" b="1" noProof="0" dirty="0">
                 <a:solidFill>
                   <a:srgbClr val="9B0A7D"/>
                 </a:solidFill>
               </a:rPr>
-              <a:t>Introduction:</a:t>
+              <a:t>Introduction</a:t>
             </a:r>
           </a:p>
         </p:txBody>
@@ -10541,8 +10541,8 @@
         </p:nvSpPr>
         <p:spPr>
           <a:xfrm>
-            <a:off x="5803336" y="6547088"/>
-            <a:ext cx="3168111" cy="1107996"/>
+            <a:off x="836189" y="6858719"/>
+            <a:ext cx="3000180" cy="1107996"/>
           </a:xfrm>
           <a:prstGeom prst="rect">
             <a:avLst/>
@@ -10556,12 +10556,12 @@
           <a:lstStyle/>
           <a:p>
             <a:r>
-              <a:rPr lang="en-US" sz="6600" noProof="0" dirty="0">
+              <a:rPr lang="en-US" sz="6600" b="1" noProof="0" dirty="0">
                 <a:solidFill>
                   <a:srgbClr val="9B0A7D"/>
                 </a:solidFill>
               </a:rPr>
-              <a:t>Method:</a:t>
+              <a:t>Method</a:t>
             </a:r>
           </a:p>
         </p:txBody>
@@ -10580,8 +10580,8 @@
         </p:nvSpPr>
         <p:spPr>
           <a:xfrm>
-            <a:off x="99220" y="39830523"/>
-            <a:ext cx="18341180" cy="2862322"/>
+            <a:off x="0" y="40733361"/>
+            <a:ext cx="11079964" cy="1938992"/>
           </a:xfrm>
           <a:prstGeom prst="rect">
             <a:avLst/>
@@ -10599,7 +10599,7 @@
               <a:buChar char="•"/>
             </a:pPr>
             <a:r>
-              <a:rPr lang="en-US" sz="3600" dirty="0">
+              <a:rPr lang="en-US" sz="2400" b="1" dirty="0">
                 <a:solidFill>
                   <a:schemeClr val="bg1"/>
                 </a:solidFill>
@@ -10614,7 +10614,7 @@
               <a:t>Spotify </a:t>
             </a:r>
             <a:r>
-              <a:rPr lang="en-US" sz="3600" dirty="0">
+              <a:rPr lang="en-US" sz="2400" b="1" dirty="0">
                 <a:solidFill>
                   <a:schemeClr val="bg1"/>
                 </a:solidFill>
@@ -10629,7 +10629,7 @@
               <a:t>–</a:t>
             </a:r>
             <a:r>
-              <a:rPr lang="en-US" sz="3600" dirty="0">
+              <a:rPr lang="en-US" sz="2400" b="1" dirty="0">
                 <a:solidFill>
                   <a:schemeClr val="bg1"/>
                 </a:solidFill>
@@ -10643,7 +10643,7 @@
               </a:rPr>
               <a:t> Financials</a:t>
             </a:r>
-            <a:endParaRPr lang="en-US" sz="3600" dirty="0">
+            <a:endParaRPr lang="en-US" sz="2400" b="1" dirty="0">
               <a:solidFill>
                 <a:schemeClr val="bg1"/>
               </a:solidFill>
@@ -10655,7 +10655,7 @@
               <a:buChar char="•"/>
             </a:pPr>
             <a:r>
-              <a:rPr lang="en-GB" sz="3600" dirty="0">
+              <a:rPr lang="en-GB" sz="2400" b="1" dirty="0">
                 <a:solidFill>
                   <a:schemeClr val="bg1"/>
                 </a:solidFill>
@@ -10669,7 +10669,7 @@
               </a:rPr>
               <a:t>Spotify Charts - Spotify Charts are made by fans</a:t>
             </a:r>
-            <a:endParaRPr lang="en-GB" sz="3600" dirty="0">
+            <a:endParaRPr lang="en-GB" sz="2400" b="1" dirty="0">
               <a:solidFill>
                 <a:schemeClr val="bg1"/>
               </a:solidFill>
@@ -10681,7 +10681,7 @@
               <a:buChar char="•"/>
             </a:pPr>
             <a:r>
-              <a:rPr lang="en-GB" sz="3600" dirty="0">
+              <a:rPr lang="en-GB" sz="2400" b="1" dirty="0">
                 <a:solidFill>
                   <a:schemeClr val="bg1"/>
                 </a:solidFill>
@@ -10695,7 +10695,7 @@
               </a:rPr>
               <a:t>Web API | Spotify for Developers</a:t>
             </a:r>
-            <a:endParaRPr lang="en-GB" sz="3600" dirty="0">
+            <a:endParaRPr lang="en-GB" sz="2400" b="1" dirty="0">
               <a:solidFill>
                 <a:schemeClr val="bg1"/>
               </a:solidFill>
@@ -10707,7 +10707,7 @@
               <a:buChar char="•"/>
             </a:pPr>
             <a:r>
-              <a:rPr lang="en-US" sz="3600" dirty="0">
+              <a:rPr lang="en-US" sz="2400" b="1" dirty="0">
                 <a:solidFill>
                   <a:schemeClr val="bg1"/>
                 </a:solidFill>
@@ -10721,7 +10721,7 @@
               </a:rPr>
               <a:t>Spotify Stats | Users, Revenue &amp; Demographics 2025 | Priori Data</a:t>
             </a:r>
-            <a:endParaRPr lang="en-GB" sz="3600" dirty="0">
+            <a:endParaRPr lang="en-GB" sz="2400" b="1" dirty="0">
               <a:solidFill>
                 <a:schemeClr val="bg1"/>
               </a:solidFill>
@@ -10733,7 +10733,7 @@
               <a:buChar char="•"/>
             </a:pPr>
             <a:r>
-              <a:rPr lang="en-US" sz="3600" dirty="0">
+              <a:rPr lang="en-US" sz="2400" b="1" dirty="0">
                 <a:solidFill>
                   <a:schemeClr val="bg1"/>
                 </a:solidFill>
@@ -10747,83 +10747,11 @@
               </a:rPr>
               <a:t>AnahitaTehrani/Data-Science-Project</a:t>
             </a:r>
-            <a:endParaRPr lang="en-US" sz="3600" noProof="0" dirty="0">
+            <a:endParaRPr lang="en-US" sz="2400" b="1" noProof="0" dirty="0">
               <a:solidFill>
                 <a:schemeClr val="bg1"/>
               </a:solidFill>
             </a:endParaRPr>
-          </a:p>
-        </p:txBody>
-      </p:sp>
-      <p:sp>
-        <p:nvSpPr>
-          <p:cNvPr id="29" name="Rectangle 28">
-            <a:extLst>
-              <a:ext uri="{FF2B5EF4-FFF2-40B4-BE49-F238E27FC236}">
-                <a16:creationId xmlns:a16="http://schemas.microsoft.com/office/drawing/2014/main" id="{D9DD4779-BB22-CFED-CC32-5477604ABDBB}"/>
-              </a:ext>
-            </a:extLst>
-          </p:cNvPr>
-          <p:cNvSpPr/>
-          <p:nvPr/>
-        </p:nvSpPr>
-        <p:spPr>
-          <a:xfrm>
-            <a:off x="25114735" y="39300647"/>
-            <a:ext cx="5053320" cy="3270567"/>
-          </a:xfrm>
-          <a:prstGeom prst="rect">
-            <a:avLst/>
-          </a:prstGeom>
-          <a:solidFill>
-            <a:srgbClr val="FFFFFF"/>
-          </a:solidFill>
-          <a:ln>
-            <a:solidFill>
-              <a:srgbClr val="9B0A7D"/>
-            </a:solidFill>
-          </a:ln>
-        </p:spPr>
-        <p:style>
-          <a:lnRef idx="2">
-            <a:schemeClr val="accent1">
-              <a:shade val="15000"/>
-            </a:schemeClr>
-          </a:lnRef>
-          <a:fillRef idx="1">
-            <a:schemeClr val="accent1"/>
-          </a:fillRef>
-          <a:effectRef idx="0">
-            <a:schemeClr val="accent1"/>
-          </a:effectRef>
-          <a:fontRef idx="minor">
-            <a:schemeClr val="lt1"/>
-          </a:fontRef>
-        </p:style>
-        <p:txBody>
-          <a:bodyPr rtlCol="0" anchor="ctr"/>
-          <a:lstStyle/>
-          <a:p>
-            <a:pPr algn="ctr"/>
-            <a:r>
-              <a:rPr lang="en-US" sz="6000" noProof="0" dirty="0">
-                <a:solidFill>
-                  <a:schemeClr val="tx1"/>
-                </a:solidFill>
-              </a:rPr>
-              <a:t>QR CODE </a:t>
-            </a:r>
-          </a:p>
-          <a:p>
-            <a:pPr algn="ctr"/>
-            <a:r>
-              <a:rPr lang="en-US" sz="6000" noProof="0" dirty="0">
-                <a:solidFill>
-                  <a:schemeClr val="tx1"/>
-                </a:solidFill>
-              </a:rPr>
-              <a:t>OF THE WEBSITE</a:t>
-            </a:r>
           </a:p>
         </p:txBody>
       </p:sp>
@@ -10843,8 +10771,8 @@
         </p:nvSpPr>
         <p:spPr bwMode="auto">
           <a:xfrm>
-            <a:off x="198437" y="4153761"/>
-            <a:ext cx="29870399" cy="2554545"/>
+            <a:off x="813723" y="4155203"/>
+            <a:ext cx="28642858" cy="2554545"/>
           </a:xfrm>
           <a:prstGeom prst="rect">
             <a:avLst/>
@@ -10909,7 +10837,7 @@
               <a:tabLst/>
             </a:pPr>
             <a:r>
-              <a:rPr kumimoji="0" lang="en-US" sz="4000" b="1" i="0" u="none" strike="noStrike" cap="none" normalizeH="0" baseline="0" noProof="0" dirty="0">
+              <a:rPr kumimoji="0" lang="en-US" sz="4000" i="0" u="none" strike="noStrike" cap="none" normalizeH="0" baseline="0" noProof="0" dirty="0">
                 <a:ln>
                   <a:noFill/>
                 </a:ln>
@@ -10938,8 +10866,8 @@
         </p:nvSpPr>
         <p:spPr>
           <a:xfrm>
-            <a:off x="16528601" y="6528922"/>
-            <a:ext cx="4111382" cy="1107996"/>
+            <a:off x="16958468" y="7176938"/>
+            <a:ext cx="3957045" cy="1107996"/>
           </a:xfrm>
           <a:prstGeom prst="rect">
             <a:avLst/>
@@ -10953,12 +10881,12 @@
           <a:lstStyle/>
           <a:p>
             <a:r>
-              <a:rPr lang="en-US" sz="6600" noProof="0" dirty="0">
+              <a:rPr lang="en-US" sz="6600" b="1" noProof="0" dirty="0">
                 <a:solidFill>
                   <a:srgbClr val="9B0A7D"/>
                 </a:solidFill>
               </a:rPr>
-              <a:t>Challenges:</a:t>
+              <a:t>Challenges</a:t>
             </a:r>
           </a:p>
         </p:txBody>
@@ -10991,7 +10919,7 @@
         </p:blipFill>
         <p:spPr>
           <a:xfrm>
-            <a:off x="198437" y="12186935"/>
+            <a:off x="836189" y="12170229"/>
             <a:ext cx="11079965" cy="6222986"/>
           </a:xfrm>
           <a:prstGeom prst="rect">
@@ -11033,7 +10961,7 @@
         </p:blipFill>
         <p:spPr>
           <a:xfrm>
-            <a:off x="17749527" y="12186935"/>
+            <a:off x="17128468" y="12254642"/>
             <a:ext cx="12233643" cy="6339591"/>
           </a:xfrm>
           <a:prstGeom prst="rect">
@@ -11074,7 +11002,7 @@
         </p:blipFill>
         <p:spPr>
           <a:xfrm>
-            <a:off x="17812895" y="21986458"/>
+            <a:off x="17392938" y="21977296"/>
             <a:ext cx="12063643" cy="6655326"/>
           </a:xfrm>
           <a:prstGeom prst="rect">
@@ -11115,7 +11043,7 @@
         </p:blipFill>
         <p:spPr>
           <a:xfrm>
-            <a:off x="373597" y="24325762"/>
+            <a:off x="944679" y="24173614"/>
             <a:ext cx="9295115" cy="6670138"/>
           </a:xfrm>
           <a:prstGeom prst="rect">
@@ -11157,7 +11085,7 @@
         </p:blipFill>
         <p:spPr>
           <a:xfrm>
-            <a:off x="369581" y="31548973"/>
+            <a:off x="940663" y="31396825"/>
             <a:ext cx="9295115" cy="6945986"/>
           </a:xfrm>
           <a:prstGeom prst="rect">
@@ -11185,8 +11113,8 @@
         </p:nvSpPr>
         <p:spPr>
           <a:xfrm>
-            <a:off x="80338" y="18813079"/>
-            <a:ext cx="11198064" cy="3539430"/>
+            <a:off x="777139" y="18613024"/>
+            <a:ext cx="11079964" cy="3539430"/>
           </a:xfrm>
           <a:prstGeom prst="rect">
             <a:avLst/>
@@ -11229,7 +11157,7 @@
         </p:nvSpPr>
         <p:spPr>
           <a:xfrm>
-            <a:off x="17579527" y="18813079"/>
+            <a:off x="16958468" y="18880786"/>
             <a:ext cx="12233643" cy="1569660"/>
           </a:xfrm>
           <a:prstGeom prst="rect">
@@ -11285,7 +11213,7 @@
         </p:blipFill>
         <p:spPr>
           <a:xfrm rot="2730619" flipH="1" flipV="1">
-            <a:off x="10869555" y="18251932"/>
+            <a:off x="11700727" y="18477175"/>
             <a:ext cx="817694" cy="817694"/>
           </a:xfrm>
           <a:prstGeom prst="rect">
@@ -11321,7 +11249,7 @@
         </p:blipFill>
         <p:spPr>
           <a:xfrm rot="8957071">
-            <a:off x="9840166" y="31475972"/>
+            <a:off x="10411248" y="31323824"/>
             <a:ext cx="947233" cy="947233"/>
           </a:xfrm>
           <a:prstGeom prst="rect">
@@ -11343,8 +11271,8 @@
         </p:nvSpPr>
         <p:spPr>
           <a:xfrm>
-            <a:off x="9887893" y="24923654"/>
-            <a:ext cx="5626286" cy="5016758"/>
+            <a:off x="10458976" y="24771506"/>
+            <a:ext cx="5316654" cy="5016758"/>
           </a:xfrm>
           <a:prstGeom prst="rect">
             <a:avLst/>
@@ -11360,23 +11288,7 @@
             <a:pPr algn="just"/>
             <a:r>
               <a:rPr lang="en-GB" sz="3200" dirty="0"/>
-              <a:t>The chart illustrates the growth of ad-supported users and pre-</a:t>
-            </a:r>
-            <a:r>
-              <a:rPr lang="en-GB" sz="3200" dirty="0" err="1"/>
-              <a:t>mium</a:t>
-            </a:r>
-            <a:r>
-              <a:rPr lang="en-GB" sz="3200" dirty="0"/>
-              <a:t> subscribers from 2019 to 2024, measured in millions. While both categories show a steady increase, ad-supported users grow more rapidly, reach-</a:t>
-            </a:r>
-            <a:r>
-              <a:rPr lang="en-GB" sz="3200" dirty="0" err="1"/>
-              <a:t>ing</a:t>
-            </a:r>
-            <a:r>
-              <a:rPr lang="en-GB" sz="3200" dirty="0"/>
-              <a:t> 1608 million in 2024, com-pared to 1000 million premium subscribers.</a:t>
+              <a:t>The chart illustrates the growth of ad-supported users and premium subscribers from 2019 to 2024, measured in millions. While both categories show a steady increase, ad-supported users grow more rapidly, reaching 1608 million in 2024, compared to 1000 million premium subscribers.</a:t>
             </a:r>
             <a:endParaRPr lang="LID4096" sz="3200" dirty="0"/>
           </a:p>
@@ -11410,7 +11322,7 @@
         </p:blipFill>
         <p:spPr>
           <a:xfrm rot="12736838">
-            <a:off x="29509554" y="18589662"/>
+            <a:off x="28888495" y="18657369"/>
             <a:ext cx="947233" cy="947233"/>
           </a:xfrm>
           <a:prstGeom prst="rect">
@@ -11432,7 +11344,7 @@
         </p:nvSpPr>
         <p:spPr>
           <a:xfrm>
-            <a:off x="17749527" y="29056863"/>
+            <a:off x="17329570" y="29047701"/>
             <a:ext cx="12063643" cy="1569660"/>
           </a:xfrm>
           <a:prstGeom prst="rect">
@@ -11483,7 +11395,7 @@
         </p:blipFill>
         <p:spPr>
           <a:xfrm rot="12030980">
-            <a:off x="29529130" y="28840546"/>
+            <a:off x="29109173" y="28831384"/>
             <a:ext cx="947233" cy="947233"/>
           </a:xfrm>
           <a:prstGeom prst="rect">
@@ -11505,8 +11417,8 @@
         </p:nvSpPr>
         <p:spPr>
           <a:xfrm>
-            <a:off x="9887893" y="32648637"/>
-            <a:ext cx="5626286" cy="2554545"/>
+            <a:off x="10458974" y="32496489"/>
+            <a:ext cx="5316655" cy="2554545"/>
           </a:xfrm>
           <a:prstGeom prst="rect">
             <a:avLst/>
@@ -11522,7 +11434,7 @@
             <a:pPr algn="just"/>
             <a:r>
               <a:rPr lang="en-GB" sz="3200" dirty="0"/>
-              <a:t>The pie chart combines ad-supported and premium reve-nues to show the overall revenue trends from 2019 to 2024. </a:t>
+              <a:t>The pie chart combines ad-supported and premium revenues to show the overall revenue trends from 2019 to 2024. </a:t>
             </a:r>
             <a:endParaRPr lang="LID4096" sz="3200" dirty="0"/>
           </a:p>
@@ -11578,8 +11490,8 @@
         </p:nvSpPr>
         <p:spPr>
           <a:xfrm>
-            <a:off x="198437" y="10962334"/>
-            <a:ext cx="9160200" cy="1107996"/>
+            <a:off x="836189" y="10946488"/>
+            <a:ext cx="6911444" cy="1107996"/>
           </a:xfrm>
           <a:prstGeom prst="rect">
             <a:avLst/>
@@ -11593,12 +11505,12 @@
           <a:lstStyle/>
           <a:p>
             <a:r>
-              <a:rPr lang="en-US" sz="6600" noProof="0" dirty="0">
+              <a:rPr lang="en-US" sz="6600" b="1" noProof="0" dirty="0">
                 <a:solidFill>
                   <a:srgbClr val="9B0A7D"/>
                 </a:solidFill>
               </a:rPr>
-              <a:t>RQ 2: Sentiment Analysis:</a:t>
+              <a:t>Sentiment Analysis</a:t>
             </a:r>
           </a:p>
         </p:txBody>
@@ -11617,8 +11529,8 @@
         </p:nvSpPr>
         <p:spPr>
           <a:xfrm>
-            <a:off x="19992084" y="10962334"/>
-            <a:ext cx="7748531" cy="1107996"/>
+            <a:off x="17115150" y="11062064"/>
+            <a:ext cx="5404493" cy="1107996"/>
           </a:xfrm>
           <a:prstGeom prst="rect">
             <a:avLst/>
@@ -11632,12 +11544,12 @@
           <a:lstStyle/>
           <a:p>
             <a:r>
-              <a:rPr lang="en-US" sz="6600" noProof="0" dirty="0">
+              <a:rPr lang="en-US" sz="6600" b="1" noProof="0" dirty="0">
                 <a:solidFill>
                   <a:srgbClr val="9B0A7D"/>
                 </a:solidFill>
               </a:rPr>
-              <a:t>RQ 3: Global Regions:</a:t>
+              <a:t>Global Regions</a:t>
             </a:r>
           </a:p>
         </p:txBody>
@@ -11656,8 +11568,8 @@
         </p:nvSpPr>
         <p:spPr>
           <a:xfrm>
-            <a:off x="233696" y="23138068"/>
-            <a:ext cx="14842846" cy="1107996"/>
+            <a:off x="836189" y="22748503"/>
+            <a:ext cx="12637370" cy="1107996"/>
           </a:xfrm>
           <a:prstGeom prst="rect">
             <a:avLst/>
@@ -11671,12 +11583,12 @@
           <a:lstStyle/>
           <a:p>
             <a:r>
-              <a:rPr lang="en-US" sz="6600" noProof="0" dirty="0">
+              <a:rPr lang="en-US" sz="6600" b="1" noProof="0" dirty="0">
                 <a:solidFill>
                   <a:srgbClr val="9B0A7D"/>
                 </a:solidFill>
               </a:rPr>
-              <a:t>RQ 4: Ratio for Spotify’s Plans &amp; Revenue :</a:t>
+              <a:t>Ratio for Spotify’s Plans &amp; Revenue</a:t>
             </a:r>
           </a:p>
         </p:txBody>
@@ -11696,10 +11608,10 @@
           <p:nvPr/>
         </p:nvPicPr>
         <p:blipFill>
-          <a:blip r:embed="rId26">
+          <a:blip r:embed="rId32">
             <a:extLst>
               <a:ext uri="{96DAC541-7B7A-43D3-8B79-37D633B846F1}">
-                <asvg:svgBlip xmlns:asvg="http://schemas.microsoft.com/office/drawing/2016/SVG/main" r:embed="rId27"/>
+                <asvg:svgBlip xmlns:asvg="http://schemas.microsoft.com/office/drawing/2016/SVG/main" r:embed="rId34"/>
               </a:ext>
             </a:extLst>
           </a:blip>
@@ -11709,7 +11621,7 @@
         </p:blipFill>
         <p:spPr>
           <a:xfrm rot="12642929" flipV="1">
-            <a:off x="9778772" y="30320955"/>
+            <a:off x="24760691" y="36853933"/>
             <a:ext cx="947233" cy="947233"/>
           </a:xfrm>
           <a:prstGeom prst="rect">
@@ -11731,8 +11643,8 @@
         </p:nvSpPr>
         <p:spPr>
           <a:xfrm>
-            <a:off x="20055452" y="20783952"/>
-            <a:ext cx="8915326" cy="1107996"/>
+            <a:off x="17211320" y="20633048"/>
+            <a:ext cx="6857326" cy="1107996"/>
           </a:xfrm>
           <a:prstGeom prst="rect">
             <a:avLst/>
@@ -11746,12 +11658,12 @@
           <a:lstStyle/>
           <a:p>
             <a:r>
-              <a:rPr lang="en-US" sz="6600" noProof="0" dirty="0">
+              <a:rPr lang="en-US" sz="6600" b="1" noProof="0" dirty="0">
                 <a:solidFill>
                   <a:srgbClr val="9B0A7D"/>
                 </a:solidFill>
               </a:rPr>
-              <a:t>RQ 8: Tendency of Tracks:</a:t>
+              <a:t>Tendency of Tracks</a:t>
             </a:r>
           </a:p>
         </p:txBody>
@@ -11771,7 +11683,7 @@
           <p:nvPr/>
         </p:nvPicPr>
         <p:blipFill>
-          <a:blip r:embed="rId34">
+          <a:blip r:embed="rId35">
             <a:extLst>
               <a:ext uri="{28A0092B-C50C-407E-A947-70E740481C1C}">
                 <a14:useLocalDpi xmlns:a14="http://schemas.microsoft.com/office/drawing/2010/main" val="0"/>
@@ -11783,7 +11695,7 @@
         </p:blipFill>
         <p:spPr>
           <a:xfrm>
-            <a:off x="17749526" y="31974481"/>
+            <a:off x="17329570" y="31974332"/>
             <a:ext cx="7220627" cy="6520479"/>
           </a:xfrm>
           <a:prstGeom prst="rect">
@@ -11811,8 +11723,8 @@
         </p:nvSpPr>
         <p:spPr>
           <a:xfrm>
-            <a:off x="25213955" y="31854500"/>
-            <a:ext cx="4854881" cy="4524315"/>
+            <a:off x="24823219" y="31861247"/>
+            <a:ext cx="5053319" cy="5016758"/>
           </a:xfrm>
           <a:prstGeom prst="rect">
             <a:avLst/>
@@ -11828,15 +11740,7 @@
             <a:pPr algn="just"/>
             <a:r>
               <a:rPr lang="en-GB" sz="3200" dirty="0"/>
-              <a:t>The donut chart illustrates the percentage distribution of Spotify users across var-</a:t>
-            </a:r>
-            <a:r>
-              <a:rPr lang="en-GB" sz="3200" dirty="0" err="1"/>
-              <a:t>ious</a:t>
-            </a:r>
-            <a:r>
-              <a:rPr lang="en-GB" sz="3200" dirty="0"/>
-              <a:t> age groups. The largest user segments are indivi-duals aged 25-34 (28.7%) and 18-24 (25.7%), followed by smaller proportions in older age groups.</a:t>
+              <a:t>The donut chart illustrates the percentage distribution of Spotify users across various age groups. The largest user segments are individuals aged 25-34 (28.7%) and 18-24 (25.7%), followed by smaller proportions in older age groups.</a:t>
             </a:r>
             <a:endParaRPr lang="LID4096" sz="3200" dirty="0"/>
           </a:p>
@@ -11856,8 +11760,8 @@
         </p:nvSpPr>
         <p:spPr>
           <a:xfrm>
-            <a:off x="17579527" y="30746504"/>
-            <a:ext cx="6630918" cy="1107996"/>
+            <a:off x="17211320" y="30769311"/>
+            <a:ext cx="4232762" cy="1107996"/>
           </a:xfrm>
           <a:prstGeom prst="rect">
             <a:avLst/>
@@ -11871,29 +11775,18 @@
           <a:lstStyle/>
           <a:p>
             <a:r>
-              <a:rPr lang="en-US" sz="6600" noProof="0" dirty="0">
-                <a:solidFill>
-                  <a:srgbClr val="9B0A7D"/>
-                </a:solidFill>
-              </a:rPr>
-              <a:t>RQ 5: </a:t>
-            </a:r>
-            <a:r>
-              <a:rPr lang="en-US" sz="6600" dirty="0">
+              <a:rPr lang="en-US" sz="6600" b="1" dirty="0">
                 <a:solidFill>
                   <a:srgbClr val="9B0A7D"/>
                 </a:solidFill>
               </a:rPr>
               <a:t>Age Groups</a:t>
             </a:r>
-            <a:r>
-              <a:rPr lang="en-US" sz="6600" noProof="0" dirty="0">
-                <a:solidFill>
-                  <a:srgbClr val="9B0A7D"/>
-                </a:solidFill>
-              </a:rPr>
-              <a:t> :</a:t>
-            </a:r>
+            <a:endParaRPr lang="en-US" sz="6600" b="1" noProof="0" dirty="0">
+              <a:solidFill>
+                <a:srgbClr val="9B0A7D"/>
+              </a:solidFill>
+            </a:endParaRPr>
           </a:p>
         </p:txBody>
       </p:sp>
@@ -11911,8 +11804,8 @@
         </p:nvSpPr>
         <p:spPr>
           <a:xfrm>
-            <a:off x="427397" y="38746649"/>
-            <a:ext cx="3083345" cy="1107996"/>
+            <a:off x="549253" y="39752957"/>
+            <a:ext cx="2902589" cy="1107996"/>
           </a:xfrm>
           <a:prstGeom prst="rect">
             <a:avLst/>
@@ -11920,18 +11813,18 @@
           <a:noFill/>
         </p:spPr>
         <p:txBody>
-          <a:bodyPr wrap="none" rtlCol="0">
+          <a:bodyPr wrap="square" rtlCol="0">
             <a:spAutoFit/>
           </a:bodyPr>
           <a:lstStyle/>
           <a:p>
             <a:r>
-              <a:rPr lang="en-US" sz="6600" noProof="0" dirty="0">
+              <a:rPr lang="en-US" sz="6600" b="1" noProof="0" dirty="0">
                 <a:solidFill>
-                  <a:srgbClr val="9B0A7D"/>
+                  <a:schemeClr val="bg1"/>
                 </a:solidFill>
               </a:rPr>
-              <a:t>Sources:</a:t>
+              <a:t>Sources</a:t>
             </a:r>
           </a:p>
         </p:txBody>
@@ -11951,10 +11844,10 @@
           <p:nvPr/>
         </p:nvPicPr>
         <p:blipFill>
-          <a:blip r:embed="rId35">
+          <a:blip r:embed="rId36">
             <a:extLst>
               <a:ext uri="{96DAC541-7B7A-43D3-8B79-37D633B846F1}">
-                <asvg:svgBlip xmlns:asvg="http://schemas.microsoft.com/office/drawing/2016/SVG/main" r:embed="rId36"/>
+                <asvg:svgBlip xmlns:asvg="http://schemas.microsoft.com/office/drawing/2016/SVG/main" r:embed="rId37"/>
               </a:ext>
             </a:extLst>
           </a:blip>
@@ -11964,7 +11857,7 @@
         </p:blipFill>
         <p:spPr>
           <a:xfrm rot="1080344">
-            <a:off x="22556788" y="39838745"/>
+            <a:off x="23787045" y="39791477"/>
             <a:ext cx="2785343" cy="2785343"/>
           </a:xfrm>
           <a:prstGeom prst="rect">
@@ -11987,10 +11880,10 @@
           <p:nvPr/>
         </p:nvPicPr>
         <p:blipFill>
-          <a:blip r:embed="rId37">
+          <a:blip r:embed="rId38">
             <a:extLst>
               <a:ext uri="{96DAC541-7B7A-43D3-8B79-37D633B846F1}">
-                <asvg:svgBlip xmlns:asvg="http://schemas.microsoft.com/office/drawing/2016/SVG/main" r:embed="rId38"/>
+                <asvg:svgBlip xmlns:asvg="http://schemas.microsoft.com/office/drawing/2016/SVG/main" r:embed="rId39"/>
               </a:ext>
             </a:extLst>
           </a:blip>
@@ -12000,7 +11893,7 @@
         </p:blipFill>
         <p:spPr>
           <a:xfrm rot="19750186">
-            <a:off x="26222020" y="36235281"/>
+            <a:off x="26534874" y="36529557"/>
             <a:ext cx="2788920" cy="2788920"/>
           </a:xfrm>
           <a:prstGeom prst="rect">
@@ -12023,10 +11916,10 @@
           <p:nvPr/>
         </p:nvPicPr>
         <p:blipFill>
-          <a:blip r:embed="rId39">
+          <a:blip r:embed="rId40">
             <a:extLst>
               <a:ext uri="{96DAC541-7B7A-43D3-8B79-37D633B846F1}">
-                <asvg:svgBlip xmlns:asvg="http://schemas.microsoft.com/office/drawing/2016/SVG/main" r:embed="rId40"/>
+                <asvg:svgBlip xmlns:asvg="http://schemas.microsoft.com/office/drawing/2016/SVG/main" r:embed="rId41"/>
               </a:ext>
             </a:extLst>
           </a:blip>
@@ -12059,10 +11952,10 @@
           <p:nvPr/>
         </p:nvPicPr>
         <p:blipFill>
-          <a:blip r:embed="rId41">
+          <a:blip r:embed="rId42">
             <a:extLst>
               <a:ext uri="{96DAC541-7B7A-43D3-8B79-37D633B846F1}">
-                <asvg:svgBlip xmlns:asvg="http://schemas.microsoft.com/office/drawing/2016/SVG/main" r:embed="rId42"/>
+                <asvg:svgBlip xmlns:asvg="http://schemas.microsoft.com/office/drawing/2016/SVG/main" r:embed="rId43"/>
               </a:ext>
             </a:extLst>
           </a:blip>
@@ -12078,6 +11971,94 @@
           <a:prstGeom prst="rect">
             <a:avLst/>
           </a:prstGeom>
+        </p:spPr>
+      </p:pic>
+      <p:pic>
+        <p:nvPicPr>
+          <p:cNvPr id="2" name="Graphic 1" descr="Line arrow: Clockwise curve with solid fill">
+            <a:extLst>
+              <a:ext uri="{FF2B5EF4-FFF2-40B4-BE49-F238E27FC236}">
+                <a16:creationId xmlns:a16="http://schemas.microsoft.com/office/drawing/2014/main" id="{DAA0E770-97BB-4388-0725-74DB4B9D37CC}"/>
+              </a:ext>
+            </a:extLst>
+          </p:cNvPr>
+          <p:cNvPicPr>
+            <a:picLocks noChangeAspect="1"/>
+          </p:cNvPicPr>
+          <p:nvPr/>
+        </p:nvPicPr>
+        <p:blipFill>
+          <a:blip r:embed="rId26">
+            <a:extLst>
+              <a:ext uri="{96DAC541-7B7A-43D3-8B79-37D633B846F1}">
+                <asvg:svgBlip xmlns:asvg="http://schemas.microsoft.com/office/drawing/2016/SVG/main" r:embed="rId27"/>
+              </a:ext>
+            </a:extLst>
+          </a:blip>
+          <a:stretch>
+            <a:fillRect/>
+          </a:stretch>
+        </p:blipFill>
+        <p:spPr>
+          <a:xfrm rot="12642929" flipV="1">
+            <a:off x="10502254" y="30321207"/>
+            <a:ext cx="947233" cy="947233"/>
+          </a:xfrm>
+          <a:prstGeom prst="rect">
+            <a:avLst/>
+          </a:prstGeom>
+        </p:spPr>
+      </p:pic>
+      <p:pic>
+        <p:nvPicPr>
+          <p:cNvPr id="1026" name="Picture 2">
+            <a:extLst>
+              <a:ext uri="{FF2B5EF4-FFF2-40B4-BE49-F238E27FC236}">
+                <a16:creationId xmlns:a16="http://schemas.microsoft.com/office/drawing/2014/main" id="{DF809686-4E32-511C-176A-5E5C31F0D651}"/>
+              </a:ext>
+            </a:extLst>
+          </p:cNvPr>
+          <p:cNvPicPr>
+            <a:picLocks noChangeAspect="1" noChangeArrowheads="1"/>
+          </p:cNvPicPr>
+          <p:nvPr/>
+        </p:nvPicPr>
+        <p:blipFill>
+          <a:blip r:embed="rId44">
+            <a:extLst>
+              <a:ext uri="{28A0092B-C50C-407E-A947-70E740481C1C}">
+                <a14:useLocalDpi xmlns:a14="http://schemas.microsoft.com/office/drawing/2010/main" val="0"/>
+              </a:ext>
+            </a:extLst>
+          </a:blip>
+          <a:srcRect/>
+          <a:stretch>
+            <a:fillRect/>
+          </a:stretch>
+        </p:blipFill>
+        <p:spPr bwMode="auto">
+          <a:xfrm>
+            <a:off x="26748924" y="39429190"/>
+            <a:ext cx="3170236" cy="3170236"/>
+          </a:xfrm>
+          <a:prstGeom prst="rect">
+            <a:avLst/>
+          </a:prstGeom>
+          <a:noFill/>
+          <a:ln w="12700">
+            <a:solidFill>
+              <a:schemeClr val="tx1"/>
+            </a:solidFill>
+          </a:ln>
+          <a:extLst>
+            <a:ext uri="{909E8E84-426E-40DD-AFC4-6F175D3DCCD1}">
+              <a14:hiddenFill xmlns:a14="http://schemas.microsoft.com/office/drawing/2010/main">
+                <a:solidFill>
+                  <a:srgbClr val="FFFFFF"/>
+                </a:solidFill>
+              </a14:hiddenFill>
+            </a:ext>
+          </a:extLst>
         </p:spPr>
       </p:pic>
     </p:spTree>

--- a/Poster/DS Project Poster.pptx
+++ b/Poster/DS Project Poster.pptx
@@ -10580,7 +10580,7 @@
         </p:nvSpPr>
         <p:spPr>
           <a:xfrm>
-            <a:off x="0" y="40733361"/>
+            <a:off x="549253" y="40671071"/>
             <a:ext cx="11079964" cy="1938992"/>
           </a:xfrm>
           <a:prstGeom prst="rect">
